--- a/apresentacao-mongodb.pptx
+++ b/apresentacao-mongodb.pptx
@@ -3,15 +3,17 @@
 <p:presentation xmlns:a="http://schemas.openxmlformats.org/drawingml/2006/main" xmlns:r="http://schemas.openxmlformats.org/officeDocument/2006/relationships" xmlns:p="http://schemas.openxmlformats.org/presentationml/2006/main" saveSubsetFonts="1">
   <p:sldMasterIdLst>
     <p:sldMasterId id="2147483648" r:id="rId1"/>
+    <p:sldMasterId id="2147483660" r:id="rId2"/>
   </p:sldMasterIdLst>
   <p:sldIdLst>
-    <p:sldId id="257" r:id="rId2"/>
-    <p:sldId id="258" r:id="rId3"/>
-    <p:sldId id="259" r:id="rId4"/>
-    <p:sldId id="261" r:id="rId5"/>
-    <p:sldId id="263" r:id="rId6"/>
-    <p:sldId id="260" r:id="rId7"/>
-    <p:sldId id="262" r:id="rId8"/>
+    <p:sldId id="257" r:id="rId3"/>
+    <p:sldId id="258" r:id="rId4"/>
+    <p:sldId id="259" r:id="rId5"/>
+    <p:sldId id="264" r:id="rId6"/>
+    <p:sldId id="261" r:id="rId7"/>
+    <p:sldId id="263" r:id="rId8"/>
+    <p:sldId id="260" r:id="rId9"/>
+    <p:sldId id="262" r:id="rId10"/>
   </p:sldIdLst>
   <p:sldSz cx="12192000" cy="6858000"/>
   <p:notesSz cx="6858000" cy="9144000"/>
@@ -265,7 +267,7 @@
           <a:p>
             <a:fld id="{407848BC-D821-47B2-8F63-406C743A7E5A}" type="datetimeFigureOut">
               <a:rPr lang="pt-BR" smtClean="0"/>
-              <a:t>15/08/2023</a:t>
+              <a:t>22/08/2023</a:t>
             </a:fld>
             <a:endParaRPr lang="pt-BR"/>
           </a:p>
@@ -339,6 +341,294 @@
 </file>
 
 <file path=ppt/slideLayouts/slideLayout10.xml><?xml version="1.0" encoding="utf-8"?>
+<p:sldLayout xmlns:a="http://schemas.openxmlformats.org/drawingml/2006/main" xmlns:r="http://schemas.openxmlformats.org/officeDocument/2006/relationships" xmlns:p="http://schemas.openxmlformats.org/presentationml/2006/main" type="picTx" preserve="1">
+  <p:cSld name="Imagem com Legenda">
+    <p:spTree>
+      <p:nvGrpSpPr>
+        <p:cNvPr id="1" name=""/>
+        <p:cNvGrpSpPr/>
+        <p:nvPr/>
+      </p:nvGrpSpPr>
+      <p:grpSpPr>
+        <a:xfrm>
+          <a:off x="0" y="0"/>
+          <a:ext cx="0" cy="0"/>
+          <a:chOff x="0" y="0"/>
+          <a:chExt cx="0" cy="0"/>
+        </a:xfrm>
+      </p:grpSpPr>
+      <p:sp>
+        <p:nvSpPr>
+          <p:cNvPr id="2" name="Título 1">
+            <a:extLst>
+              <a:ext uri="{FF2B5EF4-FFF2-40B4-BE49-F238E27FC236}">
+                <a16:creationId xmlns:a16="http://schemas.microsoft.com/office/drawing/2014/main" id="{CB6662B5-ED71-B06D-968C-039ED0672D2D}"/>
+              </a:ext>
+            </a:extLst>
+          </p:cNvPr>
+          <p:cNvSpPr>
+            <a:spLocks noGrp="1"/>
+          </p:cNvSpPr>
+          <p:nvPr>
+            <p:ph type="title"/>
+          </p:nvPr>
+        </p:nvSpPr>
+        <p:spPr>
+          <a:xfrm>
+            <a:off x="839788" y="457200"/>
+            <a:ext cx="3932237" cy="1600200"/>
+          </a:xfrm>
+        </p:spPr>
+        <p:txBody>
+          <a:bodyPr anchor="b"/>
+          <a:lstStyle>
+            <a:lvl1pPr>
+              <a:defRPr sz="3200"/>
+            </a:lvl1pPr>
+          </a:lstStyle>
+          <a:p>
+            <a:r>
+              <a:rPr lang="pt-BR"/>
+              <a:t>Clique para editar o título Mestre</a:t>
+            </a:r>
+          </a:p>
+        </p:txBody>
+      </p:sp>
+      <p:sp>
+        <p:nvSpPr>
+          <p:cNvPr id="3" name="Espaço Reservado para Imagem 2">
+            <a:extLst>
+              <a:ext uri="{FF2B5EF4-FFF2-40B4-BE49-F238E27FC236}">
+                <a16:creationId xmlns:a16="http://schemas.microsoft.com/office/drawing/2014/main" id="{2F38D23A-D761-F945-906A-653D5590F66A}"/>
+              </a:ext>
+            </a:extLst>
+          </p:cNvPr>
+          <p:cNvSpPr>
+            <a:spLocks noGrp="1"/>
+          </p:cNvSpPr>
+          <p:nvPr>
+            <p:ph type="pic" idx="1"/>
+          </p:nvPr>
+        </p:nvSpPr>
+        <p:spPr>
+          <a:xfrm>
+            <a:off x="5183188" y="987425"/>
+            <a:ext cx="6172200" cy="4873625"/>
+          </a:xfrm>
+        </p:spPr>
+        <p:txBody>
+          <a:bodyPr/>
+          <a:lstStyle>
+            <a:lvl1pPr marL="0" indent="0">
+              <a:buNone/>
+              <a:defRPr sz="3200"/>
+            </a:lvl1pPr>
+            <a:lvl2pPr marL="457200" indent="0">
+              <a:buNone/>
+              <a:defRPr sz="2800"/>
+            </a:lvl2pPr>
+            <a:lvl3pPr marL="914400" indent="0">
+              <a:buNone/>
+              <a:defRPr sz="2400"/>
+            </a:lvl3pPr>
+            <a:lvl4pPr marL="1371600" indent="0">
+              <a:buNone/>
+              <a:defRPr sz="2000"/>
+            </a:lvl4pPr>
+            <a:lvl5pPr marL="1828800" indent="0">
+              <a:buNone/>
+              <a:defRPr sz="2000"/>
+            </a:lvl5pPr>
+            <a:lvl6pPr marL="2286000" indent="0">
+              <a:buNone/>
+              <a:defRPr sz="2000"/>
+            </a:lvl6pPr>
+            <a:lvl7pPr marL="2743200" indent="0">
+              <a:buNone/>
+              <a:defRPr sz="2000"/>
+            </a:lvl7pPr>
+            <a:lvl8pPr marL="3200400" indent="0">
+              <a:buNone/>
+              <a:defRPr sz="2000"/>
+            </a:lvl8pPr>
+            <a:lvl9pPr marL="3657600" indent="0">
+              <a:buNone/>
+              <a:defRPr sz="2000"/>
+            </a:lvl9pPr>
+          </a:lstStyle>
+          <a:p>
+            <a:endParaRPr lang="pt-BR"/>
+          </a:p>
+        </p:txBody>
+      </p:sp>
+      <p:sp>
+        <p:nvSpPr>
+          <p:cNvPr id="4" name="Espaço Reservado para Texto 3">
+            <a:extLst>
+              <a:ext uri="{FF2B5EF4-FFF2-40B4-BE49-F238E27FC236}">
+                <a16:creationId xmlns:a16="http://schemas.microsoft.com/office/drawing/2014/main" id="{3889AA67-6FD9-13A0-F0FB-6DDC3D9D6E26}"/>
+              </a:ext>
+            </a:extLst>
+          </p:cNvPr>
+          <p:cNvSpPr>
+            <a:spLocks noGrp="1"/>
+          </p:cNvSpPr>
+          <p:nvPr>
+            <p:ph type="body" sz="half" idx="2"/>
+          </p:nvPr>
+        </p:nvSpPr>
+        <p:spPr>
+          <a:xfrm>
+            <a:off x="839788" y="2057400"/>
+            <a:ext cx="3932237" cy="3811588"/>
+          </a:xfrm>
+        </p:spPr>
+        <p:txBody>
+          <a:bodyPr/>
+          <a:lstStyle>
+            <a:lvl1pPr marL="0" indent="0">
+              <a:buNone/>
+              <a:defRPr sz="1600"/>
+            </a:lvl1pPr>
+            <a:lvl2pPr marL="457200" indent="0">
+              <a:buNone/>
+              <a:defRPr sz="1400"/>
+            </a:lvl2pPr>
+            <a:lvl3pPr marL="914400" indent="0">
+              <a:buNone/>
+              <a:defRPr sz="1200"/>
+            </a:lvl3pPr>
+            <a:lvl4pPr marL="1371600" indent="0">
+              <a:buNone/>
+              <a:defRPr sz="1000"/>
+            </a:lvl4pPr>
+            <a:lvl5pPr marL="1828800" indent="0">
+              <a:buNone/>
+              <a:defRPr sz="1000"/>
+            </a:lvl5pPr>
+            <a:lvl6pPr marL="2286000" indent="0">
+              <a:buNone/>
+              <a:defRPr sz="1000"/>
+            </a:lvl6pPr>
+            <a:lvl7pPr marL="2743200" indent="0">
+              <a:buNone/>
+              <a:defRPr sz="1000"/>
+            </a:lvl7pPr>
+            <a:lvl8pPr marL="3200400" indent="0">
+              <a:buNone/>
+              <a:defRPr sz="1000"/>
+            </a:lvl8pPr>
+            <a:lvl9pPr marL="3657600" indent="0">
+              <a:buNone/>
+              <a:defRPr sz="1000"/>
+            </a:lvl9pPr>
+          </a:lstStyle>
+          <a:p>
+            <a:pPr lvl="0"/>
+            <a:r>
+              <a:rPr lang="pt-BR"/>
+              <a:t>Clique para editar os estilos de texto Mestres</a:t>
+            </a:r>
+          </a:p>
+        </p:txBody>
+      </p:sp>
+      <p:sp>
+        <p:nvSpPr>
+          <p:cNvPr id="5" name="Espaço Reservado para Data 4">
+            <a:extLst>
+              <a:ext uri="{FF2B5EF4-FFF2-40B4-BE49-F238E27FC236}">
+                <a16:creationId xmlns:a16="http://schemas.microsoft.com/office/drawing/2014/main" id="{5F07957F-519A-9856-010E-0AB4761E8B0D}"/>
+              </a:ext>
+            </a:extLst>
+          </p:cNvPr>
+          <p:cNvSpPr>
+            <a:spLocks noGrp="1"/>
+          </p:cNvSpPr>
+          <p:nvPr>
+            <p:ph type="dt" sz="half" idx="10"/>
+          </p:nvPr>
+        </p:nvSpPr>
+        <p:spPr/>
+        <p:txBody>
+          <a:bodyPr/>
+          <a:lstStyle/>
+          <a:p>
+            <a:fld id="{407848BC-D821-47B2-8F63-406C743A7E5A}" type="datetimeFigureOut">
+              <a:rPr lang="pt-BR" smtClean="0"/>
+              <a:t>22/08/2023</a:t>
+            </a:fld>
+            <a:endParaRPr lang="pt-BR"/>
+          </a:p>
+        </p:txBody>
+      </p:sp>
+      <p:sp>
+        <p:nvSpPr>
+          <p:cNvPr id="6" name="Espaço Reservado para Rodapé 5">
+            <a:extLst>
+              <a:ext uri="{FF2B5EF4-FFF2-40B4-BE49-F238E27FC236}">
+                <a16:creationId xmlns:a16="http://schemas.microsoft.com/office/drawing/2014/main" id="{B729DFA6-6A74-6083-37E2-0CBF8492E87F}"/>
+              </a:ext>
+            </a:extLst>
+          </p:cNvPr>
+          <p:cNvSpPr>
+            <a:spLocks noGrp="1"/>
+          </p:cNvSpPr>
+          <p:nvPr>
+            <p:ph type="ftr" sz="quarter" idx="11"/>
+          </p:nvPr>
+        </p:nvSpPr>
+        <p:spPr/>
+        <p:txBody>
+          <a:bodyPr/>
+          <a:lstStyle/>
+          <a:p>
+            <a:endParaRPr lang="pt-BR"/>
+          </a:p>
+        </p:txBody>
+      </p:sp>
+      <p:sp>
+        <p:nvSpPr>
+          <p:cNvPr id="7" name="Espaço Reservado para Número de Slide 6">
+            <a:extLst>
+              <a:ext uri="{FF2B5EF4-FFF2-40B4-BE49-F238E27FC236}">
+                <a16:creationId xmlns:a16="http://schemas.microsoft.com/office/drawing/2014/main" id="{9C01E03B-4E73-AFCA-E222-89D94A3E416E}"/>
+              </a:ext>
+            </a:extLst>
+          </p:cNvPr>
+          <p:cNvSpPr>
+            <a:spLocks noGrp="1"/>
+          </p:cNvSpPr>
+          <p:nvPr>
+            <p:ph type="sldNum" sz="quarter" idx="12"/>
+          </p:nvPr>
+        </p:nvSpPr>
+        <p:spPr/>
+        <p:txBody>
+          <a:bodyPr/>
+          <a:lstStyle/>
+          <a:p>
+            <a:fld id="{19B8B17D-A58C-4715-9EF3-21DC5F2E2DE9}" type="slidenum">
+              <a:rPr lang="pt-BR" smtClean="0"/>
+              <a:t>‹nº›</a:t>
+            </a:fld>
+            <a:endParaRPr lang="pt-BR"/>
+          </a:p>
+        </p:txBody>
+      </p:sp>
+    </p:spTree>
+    <p:extLst>
+      <p:ext uri="{BB962C8B-B14F-4D97-AF65-F5344CB8AC3E}">
+        <p14:creationId xmlns:p14="http://schemas.microsoft.com/office/powerpoint/2010/main" val="143031417"/>
+      </p:ext>
+    </p:extLst>
+  </p:cSld>
+  <p:clrMapOvr>
+    <a:masterClrMapping/>
+  </p:clrMapOvr>
+</p:sldLayout>
+</file>
+
+<file path=ppt/slideLayouts/slideLayout11.xml><?xml version="1.0" encoding="utf-8"?>
 <p:sldLayout xmlns:a="http://schemas.openxmlformats.org/drawingml/2006/main" xmlns:r="http://schemas.openxmlformats.org/officeDocument/2006/relationships" xmlns:p="http://schemas.openxmlformats.org/presentationml/2006/main" type="vertTx" preserve="1">
   <p:cSld name="Título e Texto Vertical">
     <p:spTree>
@@ -463,7 +753,7 @@
           <a:p>
             <a:fld id="{407848BC-D821-47B2-8F63-406C743A7E5A}" type="datetimeFigureOut">
               <a:rPr lang="pt-BR" smtClean="0"/>
-              <a:t>15/08/2023</a:t>
+              <a:t>22/08/2023</a:t>
             </a:fld>
             <a:endParaRPr lang="pt-BR"/>
           </a:p>
@@ -536,7 +826,7 @@
 </p:sldLayout>
 </file>
 
-<file path=ppt/slideLayouts/slideLayout11.xml><?xml version="1.0" encoding="utf-8"?>
+<file path=ppt/slideLayouts/slideLayout12.xml><?xml version="1.0" encoding="utf-8"?>
 <p:sldLayout xmlns:a="http://schemas.openxmlformats.org/drawingml/2006/main" xmlns:r="http://schemas.openxmlformats.org/officeDocument/2006/relationships" xmlns:p="http://schemas.openxmlformats.org/presentationml/2006/main" type="vertTitleAndTx" preserve="1">
   <p:cSld name="Texto e Título Vertical">
     <p:spTree>
@@ -671,7 +961,7 @@
           <a:p>
             <a:fld id="{407848BC-D821-47B2-8F63-406C743A7E5A}" type="datetimeFigureOut">
               <a:rPr lang="pt-BR" smtClean="0"/>
-              <a:t>15/08/2023</a:t>
+              <a:t>22/08/2023</a:t>
             </a:fld>
             <a:endParaRPr lang="pt-BR"/>
           </a:p>
@@ -735,6 +1025,1630 @@
     <p:extLst>
       <p:ext uri="{BB962C8B-B14F-4D97-AF65-F5344CB8AC3E}">
         <p14:creationId xmlns:p14="http://schemas.microsoft.com/office/powerpoint/2010/main" val="1597785296"/>
+      </p:ext>
+    </p:extLst>
+  </p:cSld>
+  <p:clrMapOvr>
+    <a:masterClrMapping/>
+  </p:clrMapOvr>
+</p:sldLayout>
+</file>
+
+<file path=ppt/slideLayouts/slideLayout13.xml><?xml version="1.0" encoding="utf-8"?>
+<p:sldLayout xmlns:a="http://schemas.openxmlformats.org/drawingml/2006/main" xmlns:r="http://schemas.openxmlformats.org/officeDocument/2006/relationships" xmlns:p="http://schemas.openxmlformats.org/presentationml/2006/main" type="title" preserve="1">
+  <p:cSld name="Slide de Título">
+    <p:spTree>
+      <p:nvGrpSpPr>
+        <p:cNvPr id="1" name=""/>
+        <p:cNvGrpSpPr/>
+        <p:nvPr/>
+      </p:nvGrpSpPr>
+      <p:grpSpPr>
+        <a:xfrm>
+          <a:off x="0" y="0"/>
+          <a:ext cx="0" cy="0"/>
+          <a:chOff x="0" y="0"/>
+          <a:chExt cx="0" cy="0"/>
+        </a:xfrm>
+      </p:grpSpPr>
+      <p:sp>
+        <p:nvSpPr>
+          <p:cNvPr id="2" name="Título 1">
+            <a:extLst>
+              <a:ext uri="{FF2B5EF4-FFF2-40B4-BE49-F238E27FC236}">
+                <a16:creationId xmlns:a16="http://schemas.microsoft.com/office/drawing/2014/main" id="{66BF7B6A-454B-6977-D2EB-C2A78094E8AC}"/>
+              </a:ext>
+            </a:extLst>
+          </p:cNvPr>
+          <p:cNvSpPr>
+            <a:spLocks noGrp="1"/>
+          </p:cNvSpPr>
+          <p:nvPr>
+            <p:ph type="ctrTitle"/>
+          </p:nvPr>
+        </p:nvSpPr>
+        <p:spPr>
+          <a:xfrm>
+            <a:off x="1524000" y="1122363"/>
+            <a:ext cx="9144000" cy="2387600"/>
+          </a:xfrm>
+        </p:spPr>
+        <p:txBody>
+          <a:bodyPr anchor="b"/>
+          <a:lstStyle>
+            <a:lvl1pPr algn="ctr">
+              <a:defRPr sz="6000"/>
+            </a:lvl1pPr>
+          </a:lstStyle>
+          <a:p>
+            <a:r>
+              <a:rPr lang="pt-BR"/>
+              <a:t>Clique para editar o título Mestre</a:t>
+            </a:r>
+          </a:p>
+        </p:txBody>
+      </p:sp>
+      <p:sp>
+        <p:nvSpPr>
+          <p:cNvPr id="3" name="Subtítulo 2">
+            <a:extLst>
+              <a:ext uri="{FF2B5EF4-FFF2-40B4-BE49-F238E27FC236}">
+                <a16:creationId xmlns:a16="http://schemas.microsoft.com/office/drawing/2014/main" id="{F74D3043-810C-B3D7-F139-CBB2B75D4C9F}"/>
+              </a:ext>
+            </a:extLst>
+          </p:cNvPr>
+          <p:cNvSpPr>
+            <a:spLocks noGrp="1"/>
+          </p:cNvSpPr>
+          <p:nvPr>
+            <p:ph type="subTitle" idx="1"/>
+          </p:nvPr>
+        </p:nvSpPr>
+        <p:spPr>
+          <a:xfrm>
+            <a:off x="1524000" y="3602038"/>
+            <a:ext cx="9144000" cy="1655762"/>
+          </a:xfrm>
+        </p:spPr>
+        <p:txBody>
+          <a:bodyPr/>
+          <a:lstStyle>
+            <a:lvl1pPr marL="0" indent="0" algn="ctr">
+              <a:buNone/>
+              <a:defRPr sz="2400"/>
+            </a:lvl1pPr>
+            <a:lvl2pPr marL="457200" indent="0" algn="ctr">
+              <a:buNone/>
+              <a:defRPr sz="2000"/>
+            </a:lvl2pPr>
+            <a:lvl3pPr marL="914400" indent="0" algn="ctr">
+              <a:buNone/>
+              <a:defRPr sz="1800"/>
+            </a:lvl3pPr>
+            <a:lvl4pPr marL="1371600" indent="0" algn="ctr">
+              <a:buNone/>
+              <a:defRPr sz="1600"/>
+            </a:lvl4pPr>
+            <a:lvl5pPr marL="1828800" indent="0" algn="ctr">
+              <a:buNone/>
+              <a:defRPr sz="1600"/>
+            </a:lvl5pPr>
+            <a:lvl6pPr marL="2286000" indent="0" algn="ctr">
+              <a:buNone/>
+              <a:defRPr sz="1600"/>
+            </a:lvl6pPr>
+            <a:lvl7pPr marL="2743200" indent="0" algn="ctr">
+              <a:buNone/>
+              <a:defRPr sz="1600"/>
+            </a:lvl7pPr>
+            <a:lvl8pPr marL="3200400" indent="0" algn="ctr">
+              <a:buNone/>
+              <a:defRPr sz="1600"/>
+            </a:lvl8pPr>
+            <a:lvl9pPr marL="3657600" indent="0" algn="ctr">
+              <a:buNone/>
+              <a:defRPr sz="1600"/>
+            </a:lvl9pPr>
+          </a:lstStyle>
+          <a:p>
+            <a:r>
+              <a:rPr lang="pt-BR"/>
+              <a:t>Clique para editar o estilo do subtítulo Mestre</a:t>
+            </a:r>
+          </a:p>
+        </p:txBody>
+      </p:sp>
+      <p:sp>
+        <p:nvSpPr>
+          <p:cNvPr id="4" name="Espaço Reservado para Data 3">
+            <a:extLst>
+              <a:ext uri="{FF2B5EF4-FFF2-40B4-BE49-F238E27FC236}">
+                <a16:creationId xmlns:a16="http://schemas.microsoft.com/office/drawing/2014/main" id="{E6D414A7-764B-E029-370B-2B8BD03A8B99}"/>
+              </a:ext>
+            </a:extLst>
+          </p:cNvPr>
+          <p:cNvSpPr>
+            <a:spLocks noGrp="1"/>
+          </p:cNvSpPr>
+          <p:nvPr>
+            <p:ph type="dt" sz="half" idx="10"/>
+          </p:nvPr>
+        </p:nvSpPr>
+        <p:spPr/>
+        <p:txBody>
+          <a:bodyPr/>
+          <a:lstStyle/>
+          <a:p>
+            <a:fld id="{DF3BA240-B913-406D-9931-D276DDAD6772}" type="datetimeFigureOut">
+              <a:rPr lang="pt-BR" smtClean="0"/>
+              <a:t>22/08/2023</a:t>
+            </a:fld>
+            <a:endParaRPr lang="pt-BR"/>
+          </a:p>
+        </p:txBody>
+      </p:sp>
+      <p:sp>
+        <p:nvSpPr>
+          <p:cNvPr id="5" name="Espaço Reservado para Rodapé 4">
+            <a:extLst>
+              <a:ext uri="{FF2B5EF4-FFF2-40B4-BE49-F238E27FC236}">
+                <a16:creationId xmlns:a16="http://schemas.microsoft.com/office/drawing/2014/main" id="{34FF457B-902C-6E90-9C77-56C46C85925F}"/>
+              </a:ext>
+            </a:extLst>
+          </p:cNvPr>
+          <p:cNvSpPr>
+            <a:spLocks noGrp="1"/>
+          </p:cNvSpPr>
+          <p:nvPr>
+            <p:ph type="ftr" sz="quarter" idx="11"/>
+          </p:nvPr>
+        </p:nvSpPr>
+        <p:spPr/>
+        <p:txBody>
+          <a:bodyPr/>
+          <a:lstStyle/>
+          <a:p>
+            <a:endParaRPr lang="pt-BR"/>
+          </a:p>
+        </p:txBody>
+      </p:sp>
+      <p:sp>
+        <p:nvSpPr>
+          <p:cNvPr id="6" name="Espaço Reservado para Número de Slide 5">
+            <a:extLst>
+              <a:ext uri="{FF2B5EF4-FFF2-40B4-BE49-F238E27FC236}">
+                <a16:creationId xmlns:a16="http://schemas.microsoft.com/office/drawing/2014/main" id="{EB9C88D2-0B25-9576-0876-CFFC4B2D1725}"/>
+              </a:ext>
+            </a:extLst>
+          </p:cNvPr>
+          <p:cNvSpPr>
+            <a:spLocks noGrp="1"/>
+          </p:cNvSpPr>
+          <p:nvPr>
+            <p:ph type="sldNum" sz="quarter" idx="12"/>
+          </p:nvPr>
+        </p:nvSpPr>
+        <p:spPr/>
+        <p:txBody>
+          <a:bodyPr/>
+          <a:lstStyle/>
+          <a:p>
+            <a:fld id="{3B9F9B92-6EFB-407C-9F10-A4E1F585DE86}" type="slidenum">
+              <a:rPr lang="pt-BR" smtClean="0"/>
+              <a:t>‹nº›</a:t>
+            </a:fld>
+            <a:endParaRPr lang="pt-BR"/>
+          </a:p>
+        </p:txBody>
+      </p:sp>
+    </p:spTree>
+    <p:extLst>
+      <p:ext uri="{BB962C8B-B14F-4D97-AF65-F5344CB8AC3E}">
+        <p14:creationId xmlns:p14="http://schemas.microsoft.com/office/powerpoint/2010/main" val="2628826150"/>
+      </p:ext>
+    </p:extLst>
+  </p:cSld>
+  <p:clrMapOvr>
+    <a:masterClrMapping/>
+  </p:clrMapOvr>
+</p:sldLayout>
+</file>
+
+<file path=ppt/slideLayouts/slideLayout14.xml><?xml version="1.0" encoding="utf-8"?>
+<p:sldLayout xmlns:a="http://schemas.openxmlformats.org/drawingml/2006/main" xmlns:r="http://schemas.openxmlformats.org/officeDocument/2006/relationships" xmlns:p="http://schemas.openxmlformats.org/presentationml/2006/main" type="obj" preserve="1">
+  <p:cSld name="Título e Conteúdo">
+    <p:spTree>
+      <p:nvGrpSpPr>
+        <p:cNvPr id="1" name=""/>
+        <p:cNvGrpSpPr/>
+        <p:nvPr/>
+      </p:nvGrpSpPr>
+      <p:grpSpPr>
+        <a:xfrm>
+          <a:off x="0" y="0"/>
+          <a:ext cx="0" cy="0"/>
+          <a:chOff x="0" y="0"/>
+          <a:chExt cx="0" cy="0"/>
+        </a:xfrm>
+      </p:grpSpPr>
+      <p:sp>
+        <p:nvSpPr>
+          <p:cNvPr id="2" name="Título 1">
+            <a:extLst>
+              <a:ext uri="{FF2B5EF4-FFF2-40B4-BE49-F238E27FC236}">
+                <a16:creationId xmlns:a16="http://schemas.microsoft.com/office/drawing/2014/main" id="{632224A3-3624-6B05-40F2-8BB622F247C2}"/>
+              </a:ext>
+            </a:extLst>
+          </p:cNvPr>
+          <p:cNvSpPr>
+            <a:spLocks noGrp="1"/>
+          </p:cNvSpPr>
+          <p:nvPr>
+            <p:ph type="title"/>
+          </p:nvPr>
+        </p:nvSpPr>
+        <p:spPr/>
+        <p:txBody>
+          <a:bodyPr/>
+          <a:lstStyle/>
+          <a:p>
+            <a:r>
+              <a:rPr lang="pt-BR"/>
+              <a:t>Clique para editar o título Mestre</a:t>
+            </a:r>
+          </a:p>
+        </p:txBody>
+      </p:sp>
+      <p:sp>
+        <p:nvSpPr>
+          <p:cNvPr id="3" name="Espaço Reservado para Conteúdo 2">
+            <a:extLst>
+              <a:ext uri="{FF2B5EF4-FFF2-40B4-BE49-F238E27FC236}">
+                <a16:creationId xmlns:a16="http://schemas.microsoft.com/office/drawing/2014/main" id="{337A761C-A437-B42E-25A4-11E40FDD3281}"/>
+              </a:ext>
+            </a:extLst>
+          </p:cNvPr>
+          <p:cNvSpPr>
+            <a:spLocks noGrp="1"/>
+          </p:cNvSpPr>
+          <p:nvPr>
+            <p:ph idx="1"/>
+          </p:nvPr>
+        </p:nvSpPr>
+        <p:spPr/>
+        <p:txBody>
+          <a:bodyPr/>
+          <a:lstStyle/>
+          <a:p>
+            <a:pPr lvl="0"/>
+            <a:r>
+              <a:rPr lang="pt-BR"/>
+              <a:t>Clique para editar os estilos de texto Mestres</a:t>
+            </a:r>
+          </a:p>
+          <a:p>
+            <a:pPr lvl="1"/>
+            <a:r>
+              <a:rPr lang="pt-BR"/>
+              <a:t>Segundo nível</a:t>
+            </a:r>
+          </a:p>
+          <a:p>
+            <a:pPr lvl="2"/>
+            <a:r>
+              <a:rPr lang="pt-BR"/>
+              <a:t>Terceiro nível</a:t>
+            </a:r>
+          </a:p>
+          <a:p>
+            <a:pPr lvl="3"/>
+            <a:r>
+              <a:rPr lang="pt-BR"/>
+              <a:t>Quarto nível</a:t>
+            </a:r>
+          </a:p>
+          <a:p>
+            <a:pPr lvl="4"/>
+            <a:r>
+              <a:rPr lang="pt-BR"/>
+              <a:t>Quinto nível</a:t>
+            </a:r>
+          </a:p>
+        </p:txBody>
+      </p:sp>
+      <p:sp>
+        <p:nvSpPr>
+          <p:cNvPr id="4" name="Espaço Reservado para Data 3">
+            <a:extLst>
+              <a:ext uri="{FF2B5EF4-FFF2-40B4-BE49-F238E27FC236}">
+                <a16:creationId xmlns:a16="http://schemas.microsoft.com/office/drawing/2014/main" id="{3898C8A7-64C9-72A8-7784-6B4DFE179F52}"/>
+              </a:ext>
+            </a:extLst>
+          </p:cNvPr>
+          <p:cNvSpPr>
+            <a:spLocks noGrp="1"/>
+          </p:cNvSpPr>
+          <p:nvPr>
+            <p:ph type="dt" sz="half" idx="10"/>
+          </p:nvPr>
+        </p:nvSpPr>
+        <p:spPr/>
+        <p:txBody>
+          <a:bodyPr/>
+          <a:lstStyle/>
+          <a:p>
+            <a:fld id="{DF3BA240-B913-406D-9931-D276DDAD6772}" type="datetimeFigureOut">
+              <a:rPr lang="pt-BR" smtClean="0"/>
+              <a:t>22/08/2023</a:t>
+            </a:fld>
+            <a:endParaRPr lang="pt-BR"/>
+          </a:p>
+        </p:txBody>
+      </p:sp>
+      <p:sp>
+        <p:nvSpPr>
+          <p:cNvPr id="5" name="Espaço Reservado para Rodapé 4">
+            <a:extLst>
+              <a:ext uri="{FF2B5EF4-FFF2-40B4-BE49-F238E27FC236}">
+                <a16:creationId xmlns:a16="http://schemas.microsoft.com/office/drawing/2014/main" id="{22763518-B418-2A2F-A3DA-E6BB22E59946}"/>
+              </a:ext>
+            </a:extLst>
+          </p:cNvPr>
+          <p:cNvSpPr>
+            <a:spLocks noGrp="1"/>
+          </p:cNvSpPr>
+          <p:nvPr>
+            <p:ph type="ftr" sz="quarter" idx="11"/>
+          </p:nvPr>
+        </p:nvSpPr>
+        <p:spPr/>
+        <p:txBody>
+          <a:bodyPr/>
+          <a:lstStyle/>
+          <a:p>
+            <a:endParaRPr lang="pt-BR"/>
+          </a:p>
+        </p:txBody>
+      </p:sp>
+      <p:sp>
+        <p:nvSpPr>
+          <p:cNvPr id="6" name="Espaço Reservado para Número de Slide 5">
+            <a:extLst>
+              <a:ext uri="{FF2B5EF4-FFF2-40B4-BE49-F238E27FC236}">
+                <a16:creationId xmlns:a16="http://schemas.microsoft.com/office/drawing/2014/main" id="{8DE19AF7-412A-A807-288A-B1B051790D8D}"/>
+              </a:ext>
+            </a:extLst>
+          </p:cNvPr>
+          <p:cNvSpPr>
+            <a:spLocks noGrp="1"/>
+          </p:cNvSpPr>
+          <p:nvPr>
+            <p:ph type="sldNum" sz="quarter" idx="12"/>
+          </p:nvPr>
+        </p:nvSpPr>
+        <p:spPr/>
+        <p:txBody>
+          <a:bodyPr/>
+          <a:lstStyle/>
+          <a:p>
+            <a:fld id="{3B9F9B92-6EFB-407C-9F10-A4E1F585DE86}" type="slidenum">
+              <a:rPr lang="pt-BR" smtClean="0"/>
+              <a:t>‹nº›</a:t>
+            </a:fld>
+            <a:endParaRPr lang="pt-BR"/>
+          </a:p>
+        </p:txBody>
+      </p:sp>
+    </p:spTree>
+    <p:extLst>
+      <p:ext uri="{BB962C8B-B14F-4D97-AF65-F5344CB8AC3E}">
+        <p14:creationId xmlns:p14="http://schemas.microsoft.com/office/powerpoint/2010/main" val="98740298"/>
+      </p:ext>
+    </p:extLst>
+  </p:cSld>
+  <p:clrMapOvr>
+    <a:masterClrMapping/>
+  </p:clrMapOvr>
+</p:sldLayout>
+</file>
+
+<file path=ppt/slideLayouts/slideLayout15.xml><?xml version="1.0" encoding="utf-8"?>
+<p:sldLayout xmlns:a="http://schemas.openxmlformats.org/drawingml/2006/main" xmlns:r="http://schemas.openxmlformats.org/officeDocument/2006/relationships" xmlns:p="http://schemas.openxmlformats.org/presentationml/2006/main" type="secHead" preserve="1">
+  <p:cSld name="Cabeçalho da Seção">
+    <p:spTree>
+      <p:nvGrpSpPr>
+        <p:cNvPr id="1" name=""/>
+        <p:cNvGrpSpPr/>
+        <p:nvPr/>
+      </p:nvGrpSpPr>
+      <p:grpSpPr>
+        <a:xfrm>
+          <a:off x="0" y="0"/>
+          <a:ext cx="0" cy="0"/>
+          <a:chOff x="0" y="0"/>
+          <a:chExt cx="0" cy="0"/>
+        </a:xfrm>
+      </p:grpSpPr>
+      <p:sp>
+        <p:nvSpPr>
+          <p:cNvPr id="2" name="Título 1">
+            <a:extLst>
+              <a:ext uri="{FF2B5EF4-FFF2-40B4-BE49-F238E27FC236}">
+                <a16:creationId xmlns:a16="http://schemas.microsoft.com/office/drawing/2014/main" id="{4FD27AA4-AE43-F85B-611C-8F4293FA8365}"/>
+              </a:ext>
+            </a:extLst>
+          </p:cNvPr>
+          <p:cNvSpPr>
+            <a:spLocks noGrp="1"/>
+          </p:cNvSpPr>
+          <p:nvPr>
+            <p:ph type="title"/>
+          </p:nvPr>
+        </p:nvSpPr>
+        <p:spPr>
+          <a:xfrm>
+            <a:off x="831850" y="1709738"/>
+            <a:ext cx="10515600" cy="2852737"/>
+          </a:xfrm>
+        </p:spPr>
+        <p:txBody>
+          <a:bodyPr anchor="b"/>
+          <a:lstStyle>
+            <a:lvl1pPr>
+              <a:defRPr sz="6000"/>
+            </a:lvl1pPr>
+          </a:lstStyle>
+          <a:p>
+            <a:r>
+              <a:rPr lang="pt-BR"/>
+              <a:t>Clique para editar o título Mestre</a:t>
+            </a:r>
+          </a:p>
+        </p:txBody>
+      </p:sp>
+      <p:sp>
+        <p:nvSpPr>
+          <p:cNvPr id="3" name="Espaço Reservado para Texto 2">
+            <a:extLst>
+              <a:ext uri="{FF2B5EF4-FFF2-40B4-BE49-F238E27FC236}">
+                <a16:creationId xmlns:a16="http://schemas.microsoft.com/office/drawing/2014/main" id="{889B46FF-6732-1A9D-B29D-95DBDFD8EFEF}"/>
+              </a:ext>
+            </a:extLst>
+          </p:cNvPr>
+          <p:cNvSpPr>
+            <a:spLocks noGrp="1"/>
+          </p:cNvSpPr>
+          <p:nvPr>
+            <p:ph type="body" idx="1"/>
+          </p:nvPr>
+        </p:nvSpPr>
+        <p:spPr>
+          <a:xfrm>
+            <a:off x="831850" y="4589463"/>
+            <a:ext cx="10515600" cy="1500187"/>
+          </a:xfrm>
+        </p:spPr>
+        <p:txBody>
+          <a:bodyPr/>
+          <a:lstStyle>
+            <a:lvl1pPr marL="0" indent="0">
+              <a:buNone/>
+              <a:defRPr sz="2400">
+                <a:solidFill>
+                  <a:schemeClr val="tx1">
+                    <a:tint val="75000"/>
+                  </a:schemeClr>
+                </a:solidFill>
+              </a:defRPr>
+            </a:lvl1pPr>
+            <a:lvl2pPr marL="457200" indent="0">
+              <a:buNone/>
+              <a:defRPr sz="2000">
+                <a:solidFill>
+                  <a:schemeClr val="tx1">
+                    <a:tint val="75000"/>
+                  </a:schemeClr>
+                </a:solidFill>
+              </a:defRPr>
+            </a:lvl2pPr>
+            <a:lvl3pPr marL="914400" indent="0">
+              <a:buNone/>
+              <a:defRPr sz="1800">
+                <a:solidFill>
+                  <a:schemeClr val="tx1">
+                    <a:tint val="75000"/>
+                  </a:schemeClr>
+                </a:solidFill>
+              </a:defRPr>
+            </a:lvl3pPr>
+            <a:lvl4pPr marL="1371600" indent="0">
+              <a:buNone/>
+              <a:defRPr sz="1600">
+                <a:solidFill>
+                  <a:schemeClr val="tx1">
+                    <a:tint val="75000"/>
+                  </a:schemeClr>
+                </a:solidFill>
+              </a:defRPr>
+            </a:lvl4pPr>
+            <a:lvl5pPr marL="1828800" indent="0">
+              <a:buNone/>
+              <a:defRPr sz="1600">
+                <a:solidFill>
+                  <a:schemeClr val="tx1">
+                    <a:tint val="75000"/>
+                  </a:schemeClr>
+                </a:solidFill>
+              </a:defRPr>
+            </a:lvl5pPr>
+            <a:lvl6pPr marL="2286000" indent="0">
+              <a:buNone/>
+              <a:defRPr sz="1600">
+                <a:solidFill>
+                  <a:schemeClr val="tx1">
+                    <a:tint val="75000"/>
+                  </a:schemeClr>
+                </a:solidFill>
+              </a:defRPr>
+            </a:lvl6pPr>
+            <a:lvl7pPr marL="2743200" indent="0">
+              <a:buNone/>
+              <a:defRPr sz="1600">
+                <a:solidFill>
+                  <a:schemeClr val="tx1">
+                    <a:tint val="75000"/>
+                  </a:schemeClr>
+                </a:solidFill>
+              </a:defRPr>
+            </a:lvl7pPr>
+            <a:lvl8pPr marL="3200400" indent="0">
+              <a:buNone/>
+              <a:defRPr sz="1600">
+                <a:solidFill>
+                  <a:schemeClr val="tx1">
+                    <a:tint val="75000"/>
+                  </a:schemeClr>
+                </a:solidFill>
+              </a:defRPr>
+            </a:lvl8pPr>
+            <a:lvl9pPr marL="3657600" indent="0">
+              <a:buNone/>
+              <a:defRPr sz="1600">
+                <a:solidFill>
+                  <a:schemeClr val="tx1">
+                    <a:tint val="75000"/>
+                  </a:schemeClr>
+                </a:solidFill>
+              </a:defRPr>
+            </a:lvl9pPr>
+          </a:lstStyle>
+          <a:p>
+            <a:pPr lvl="0"/>
+            <a:r>
+              <a:rPr lang="pt-BR"/>
+              <a:t>Clique para editar os estilos de texto Mestres</a:t>
+            </a:r>
+          </a:p>
+        </p:txBody>
+      </p:sp>
+      <p:sp>
+        <p:nvSpPr>
+          <p:cNvPr id="4" name="Espaço Reservado para Data 3">
+            <a:extLst>
+              <a:ext uri="{FF2B5EF4-FFF2-40B4-BE49-F238E27FC236}">
+                <a16:creationId xmlns:a16="http://schemas.microsoft.com/office/drawing/2014/main" id="{25D7DF2E-3024-8E8B-A8D0-35CCE1FA08D6}"/>
+              </a:ext>
+            </a:extLst>
+          </p:cNvPr>
+          <p:cNvSpPr>
+            <a:spLocks noGrp="1"/>
+          </p:cNvSpPr>
+          <p:nvPr>
+            <p:ph type="dt" sz="half" idx="10"/>
+          </p:nvPr>
+        </p:nvSpPr>
+        <p:spPr/>
+        <p:txBody>
+          <a:bodyPr/>
+          <a:lstStyle/>
+          <a:p>
+            <a:fld id="{DF3BA240-B913-406D-9931-D276DDAD6772}" type="datetimeFigureOut">
+              <a:rPr lang="pt-BR" smtClean="0"/>
+              <a:t>22/08/2023</a:t>
+            </a:fld>
+            <a:endParaRPr lang="pt-BR"/>
+          </a:p>
+        </p:txBody>
+      </p:sp>
+      <p:sp>
+        <p:nvSpPr>
+          <p:cNvPr id="5" name="Espaço Reservado para Rodapé 4">
+            <a:extLst>
+              <a:ext uri="{FF2B5EF4-FFF2-40B4-BE49-F238E27FC236}">
+                <a16:creationId xmlns:a16="http://schemas.microsoft.com/office/drawing/2014/main" id="{47DD69F0-5F77-245E-6C75-5D60DAF93F12}"/>
+              </a:ext>
+            </a:extLst>
+          </p:cNvPr>
+          <p:cNvSpPr>
+            <a:spLocks noGrp="1"/>
+          </p:cNvSpPr>
+          <p:nvPr>
+            <p:ph type="ftr" sz="quarter" idx="11"/>
+          </p:nvPr>
+        </p:nvSpPr>
+        <p:spPr/>
+        <p:txBody>
+          <a:bodyPr/>
+          <a:lstStyle/>
+          <a:p>
+            <a:endParaRPr lang="pt-BR"/>
+          </a:p>
+        </p:txBody>
+      </p:sp>
+      <p:sp>
+        <p:nvSpPr>
+          <p:cNvPr id="6" name="Espaço Reservado para Número de Slide 5">
+            <a:extLst>
+              <a:ext uri="{FF2B5EF4-FFF2-40B4-BE49-F238E27FC236}">
+                <a16:creationId xmlns:a16="http://schemas.microsoft.com/office/drawing/2014/main" id="{0CF59ACB-64AA-28B9-6753-AC6100ACC7BC}"/>
+              </a:ext>
+            </a:extLst>
+          </p:cNvPr>
+          <p:cNvSpPr>
+            <a:spLocks noGrp="1"/>
+          </p:cNvSpPr>
+          <p:nvPr>
+            <p:ph type="sldNum" sz="quarter" idx="12"/>
+          </p:nvPr>
+        </p:nvSpPr>
+        <p:spPr/>
+        <p:txBody>
+          <a:bodyPr/>
+          <a:lstStyle/>
+          <a:p>
+            <a:fld id="{3B9F9B92-6EFB-407C-9F10-A4E1F585DE86}" type="slidenum">
+              <a:rPr lang="pt-BR" smtClean="0"/>
+              <a:t>‹nº›</a:t>
+            </a:fld>
+            <a:endParaRPr lang="pt-BR"/>
+          </a:p>
+        </p:txBody>
+      </p:sp>
+    </p:spTree>
+    <p:extLst>
+      <p:ext uri="{BB962C8B-B14F-4D97-AF65-F5344CB8AC3E}">
+        <p14:creationId xmlns:p14="http://schemas.microsoft.com/office/powerpoint/2010/main" val="3220050120"/>
+      </p:ext>
+    </p:extLst>
+  </p:cSld>
+  <p:clrMapOvr>
+    <a:masterClrMapping/>
+  </p:clrMapOvr>
+</p:sldLayout>
+</file>
+
+<file path=ppt/slideLayouts/slideLayout16.xml><?xml version="1.0" encoding="utf-8"?>
+<p:sldLayout xmlns:a="http://schemas.openxmlformats.org/drawingml/2006/main" xmlns:r="http://schemas.openxmlformats.org/officeDocument/2006/relationships" xmlns:p="http://schemas.openxmlformats.org/presentationml/2006/main" type="twoObj" preserve="1">
+  <p:cSld name="Duas Partes de Conteúdo">
+    <p:spTree>
+      <p:nvGrpSpPr>
+        <p:cNvPr id="1" name=""/>
+        <p:cNvGrpSpPr/>
+        <p:nvPr/>
+      </p:nvGrpSpPr>
+      <p:grpSpPr>
+        <a:xfrm>
+          <a:off x="0" y="0"/>
+          <a:ext cx="0" cy="0"/>
+          <a:chOff x="0" y="0"/>
+          <a:chExt cx="0" cy="0"/>
+        </a:xfrm>
+      </p:grpSpPr>
+      <p:sp>
+        <p:nvSpPr>
+          <p:cNvPr id="2" name="Título 1">
+            <a:extLst>
+              <a:ext uri="{FF2B5EF4-FFF2-40B4-BE49-F238E27FC236}">
+                <a16:creationId xmlns:a16="http://schemas.microsoft.com/office/drawing/2014/main" id="{7901707E-FC54-E8C5-0659-1332F942B49C}"/>
+              </a:ext>
+            </a:extLst>
+          </p:cNvPr>
+          <p:cNvSpPr>
+            <a:spLocks noGrp="1"/>
+          </p:cNvSpPr>
+          <p:nvPr>
+            <p:ph type="title"/>
+          </p:nvPr>
+        </p:nvSpPr>
+        <p:spPr/>
+        <p:txBody>
+          <a:bodyPr/>
+          <a:lstStyle/>
+          <a:p>
+            <a:r>
+              <a:rPr lang="pt-BR"/>
+              <a:t>Clique para editar o título Mestre</a:t>
+            </a:r>
+          </a:p>
+        </p:txBody>
+      </p:sp>
+      <p:sp>
+        <p:nvSpPr>
+          <p:cNvPr id="3" name="Espaço Reservado para Conteúdo 2">
+            <a:extLst>
+              <a:ext uri="{FF2B5EF4-FFF2-40B4-BE49-F238E27FC236}">
+                <a16:creationId xmlns:a16="http://schemas.microsoft.com/office/drawing/2014/main" id="{FEBE7489-040B-C612-347F-D11BAC5A3E6A}"/>
+              </a:ext>
+            </a:extLst>
+          </p:cNvPr>
+          <p:cNvSpPr>
+            <a:spLocks noGrp="1"/>
+          </p:cNvSpPr>
+          <p:nvPr>
+            <p:ph sz="half" idx="1"/>
+          </p:nvPr>
+        </p:nvSpPr>
+        <p:spPr>
+          <a:xfrm>
+            <a:off x="838200" y="1825625"/>
+            <a:ext cx="5181600" cy="4351338"/>
+          </a:xfrm>
+        </p:spPr>
+        <p:txBody>
+          <a:bodyPr/>
+          <a:lstStyle/>
+          <a:p>
+            <a:pPr lvl="0"/>
+            <a:r>
+              <a:rPr lang="pt-BR"/>
+              <a:t>Clique para editar os estilos de texto Mestres</a:t>
+            </a:r>
+          </a:p>
+          <a:p>
+            <a:pPr lvl="1"/>
+            <a:r>
+              <a:rPr lang="pt-BR"/>
+              <a:t>Segundo nível</a:t>
+            </a:r>
+          </a:p>
+          <a:p>
+            <a:pPr lvl="2"/>
+            <a:r>
+              <a:rPr lang="pt-BR"/>
+              <a:t>Terceiro nível</a:t>
+            </a:r>
+          </a:p>
+          <a:p>
+            <a:pPr lvl="3"/>
+            <a:r>
+              <a:rPr lang="pt-BR"/>
+              <a:t>Quarto nível</a:t>
+            </a:r>
+          </a:p>
+          <a:p>
+            <a:pPr lvl="4"/>
+            <a:r>
+              <a:rPr lang="pt-BR"/>
+              <a:t>Quinto nível</a:t>
+            </a:r>
+          </a:p>
+        </p:txBody>
+      </p:sp>
+      <p:sp>
+        <p:nvSpPr>
+          <p:cNvPr id="4" name="Espaço Reservado para Conteúdo 3">
+            <a:extLst>
+              <a:ext uri="{FF2B5EF4-FFF2-40B4-BE49-F238E27FC236}">
+                <a16:creationId xmlns:a16="http://schemas.microsoft.com/office/drawing/2014/main" id="{274572C7-D9D2-80E5-A2F3-356E7BA3C6AD}"/>
+              </a:ext>
+            </a:extLst>
+          </p:cNvPr>
+          <p:cNvSpPr>
+            <a:spLocks noGrp="1"/>
+          </p:cNvSpPr>
+          <p:nvPr>
+            <p:ph sz="half" idx="2"/>
+          </p:nvPr>
+        </p:nvSpPr>
+        <p:spPr>
+          <a:xfrm>
+            <a:off x="6172200" y="1825625"/>
+            <a:ext cx="5181600" cy="4351338"/>
+          </a:xfrm>
+        </p:spPr>
+        <p:txBody>
+          <a:bodyPr/>
+          <a:lstStyle/>
+          <a:p>
+            <a:pPr lvl="0"/>
+            <a:r>
+              <a:rPr lang="pt-BR"/>
+              <a:t>Clique para editar os estilos de texto Mestres</a:t>
+            </a:r>
+          </a:p>
+          <a:p>
+            <a:pPr lvl="1"/>
+            <a:r>
+              <a:rPr lang="pt-BR"/>
+              <a:t>Segundo nível</a:t>
+            </a:r>
+          </a:p>
+          <a:p>
+            <a:pPr lvl="2"/>
+            <a:r>
+              <a:rPr lang="pt-BR"/>
+              <a:t>Terceiro nível</a:t>
+            </a:r>
+          </a:p>
+          <a:p>
+            <a:pPr lvl="3"/>
+            <a:r>
+              <a:rPr lang="pt-BR"/>
+              <a:t>Quarto nível</a:t>
+            </a:r>
+          </a:p>
+          <a:p>
+            <a:pPr lvl="4"/>
+            <a:r>
+              <a:rPr lang="pt-BR"/>
+              <a:t>Quinto nível</a:t>
+            </a:r>
+          </a:p>
+        </p:txBody>
+      </p:sp>
+      <p:sp>
+        <p:nvSpPr>
+          <p:cNvPr id="5" name="Espaço Reservado para Data 4">
+            <a:extLst>
+              <a:ext uri="{FF2B5EF4-FFF2-40B4-BE49-F238E27FC236}">
+                <a16:creationId xmlns:a16="http://schemas.microsoft.com/office/drawing/2014/main" id="{68C86B3D-52C9-C8A2-0355-D8CC95D62DBE}"/>
+              </a:ext>
+            </a:extLst>
+          </p:cNvPr>
+          <p:cNvSpPr>
+            <a:spLocks noGrp="1"/>
+          </p:cNvSpPr>
+          <p:nvPr>
+            <p:ph type="dt" sz="half" idx="10"/>
+          </p:nvPr>
+        </p:nvSpPr>
+        <p:spPr/>
+        <p:txBody>
+          <a:bodyPr/>
+          <a:lstStyle/>
+          <a:p>
+            <a:fld id="{DF3BA240-B913-406D-9931-D276DDAD6772}" type="datetimeFigureOut">
+              <a:rPr lang="pt-BR" smtClean="0"/>
+              <a:t>22/08/2023</a:t>
+            </a:fld>
+            <a:endParaRPr lang="pt-BR"/>
+          </a:p>
+        </p:txBody>
+      </p:sp>
+      <p:sp>
+        <p:nvSpPr>
+          <p:cNvPr id="6" name="Espaço Reservado para Rodapé 5">
+            <a:extLst>
+              <a:ext uri="{FF2B5EF4-FFF2-40B4-BE49-F238E27FC236}">
+                <a16:creationId xmlns:a16="http://schemas.microsoft.com/office/drawing/2014/main" id="{A80DA565-216B-6859-D625-9CC351745260}"/>
+              </a:ext>
+            </a:extLst>
+          </p:cNvPr>
+          <p:cNvSpPr>
+            <a:spLocks noGrp="1"/>
+          </p:cNvSpPr>
+          <p:nvPr>
+            <p:ph type="ftr" sz="quarter" idx="11"/>
+          </p:nvPr>
+        </p:nvSpPr>
+        <p:spPr/>
+        <p:txBody>
+          <a:bodyPr/>
+          <a:lstStyle/>
+          <a:p>
+            <a:endParaRPr lang="pt-BR"/>
+          </a:p>
+        </p:txBody>
+      </p:sp>
+      <p:sp>
+        <p:nvSpPr>
+          <p:cNvPr id="7" name="Espaço Reservado para Número de Slide 6">
+            <a:extLst>
+              <a:ext uri="{FF2B5EF4-FFF2-40B4-BE49-F238E27FC236}">
+                <a16:creationId xmlns:a16="http://schemas.microsoft.com/office/drawing/2014/main" id="{C19E9F5F-9BEA-39CC-EB05-285BF02A40E0}"/>
+              </a:ext>
+            </a:extLst>
+          </p:cNvPr>
+          <p:cNvSpPr>
+            <a:spLocks noGrp="1"/>
+          </p:cNvSpPr>
+          <p:nvPr>
+            <p:ph type="sldNum" sz="quarter" idx="12"/>
+          </p:nvPr>
+        </p:nvSpPr>
+        <p:spPr/>
+        <p:txBody>
+          <a:bodyPr/>
+          <a:lstStyle/>
+          <a:p>
+            <a:fld id="{3B9F9B92-6EFB-407C-9F10-A4E1F585DE86}" type="slidenum">
+              <a:rPr lang="pt-BR" smtClean="0"/>
+              <a:t>‹nº›</a:t>
+            </a:fld>
+            <a:endParaRPr lang="pt-BR"/>
+          </a:p>
+        </p:txBody>
+      </p:sp>
+    </p:spTree>
+    <p:extLst>
+      <p:ext uri="{BB962C8B-B14F-4D97-AF65-F5344CB8AC3E}">
+        <p14:creationId xmlns:p14="http://schemas.microsoft.com/office/powerpoint/2010/main" val="2507555395"/>
+      </p:ext>
+    </p:extLst>
+  </p:cSld>
+  <p:clrMapOvr>
+    <a:masterClrMapping/>
+  </p:clrMapOvr>
+</p:sldLayout>
+</file>
+
+<file path=ppt/slideLayouts/slideLayout17.xml><?xml version="1.0" encoding="utf-8"?>
+<p:sldLayout xmlns:a="http://schemas.openxmlformats.org/drawingml/2006/main" xmlns:r="http://schemas.openxmlformats.org/officeDocument/2006/relationships" xmlns:p="http://schemas.openxmlformats.org/presentationml/2006/main" type="twoTxTwoObj" preserve="1">
+  <p:cSld name="Comparação">
+    <p:spTree>
+      <p:nvGrpSpPr>
+        <p:cNvPr id="1" name=""/>
+        <p:cNvGrpSpPr/>
+        <p:nvPr/>
+      </p:nvGrpSpPr>
+      <p:grpSpPr>
+        <a:xfrm>
+          <a:off x="0" y="0"/>
+          <a:ext cx="0" cy="0"/>
+          <a:chOff x="0" y="0"/>
+          <a:chExt cx="0" cy="0"/>
+        </a:xfrm>
+      </p:grpSpPr>
+      <p:sp>
+        <p:nvSpPr>
+          <p:cNvPr id="2" name="Título 1">
+            <a:extLst>
+              <a:ext uri="{FF2B5EF4-FFF2-40B4-BE49-F238E27FC236}">
+                <a16:creationId xmlns:a16="http://schemas.microsoft.com/office/drawing/2014/main" id="{7CD9756A-4487-33F0-E94F-501395F2DC42}"/>
+              </a:ext>
+            </a:extLst>
+          </p:cNvPr>
+          <p:cNvSpPr>
+            <a:spLocks noGrp="1"/>
+          </p:cNvSpPr>
+          <p:nvPr>
+            <p:ph type="title"/>
+          </p:nvPr>
+        </p:nvSpPr>
+        <p:spPr>
+          <a:xfrm>
+            <a:off x="839788" y="365125"/>
+            <a:ext cx="10515600" cy="1325563"/>
+          </a:xfrm>
+        </p:spPr>
+        <p:txBody>
+          <a:bodyPr/>
+          <a:lstStyle/>
+          <a:p>
+            <a:r>
+              <a:rPr lang="pt-BR"/>
+              <a:t>Clique para editar o título Mestre</a:t>
+            </a:r>
+          </a:p>
+        </p:txBody>
+      </p:sp>
+      <p:sp>
+        <p:nvSpPr>
+          <p:cNvPr id="3" name="Espaço Reservado para Texto 2">
+            <a:extLst>
+              <a:ext uri="{FF2B5EF4-FFF2-40B4-BE49-F238E27FC236}">
+                <a16:creationId xmlns:a16="http://schemas.microsoft.com/office/drawing/2014/main" id="{2CFB3FFF-50D3-C12C-D6BA-44C0104E20CF}"/>
+              </a:ext>
+            </a:extLst>
+          </p:cNvPr>
+          <p:cNvSpPr>
+            <a:spLocks noGrp="1"/>
+          </p:cNvSpPr>
+          <p:nvPr>
+            <p:ph type="body" idx="1"/>
+          </p:nvPr>
+        </p:nvSpPr>
+        <p:spPr>
+          <a:xfrm>
+            <a:off x="839788" y="1681163"/>
+            <a:ext cx="5157787" cy="823912"/>
+          </a:xfrm>
+        </p:spPr>
+        <p:txBody>
+          <a:bodyPr anchor="b"/>
+          <a:lstStyle>
+            <a:lvl1pPr marL="0" indent="0">
+              <a:buNone/>
+              <a:defRPr sz="2400" b="1"/>
+            </a:lvl1pPr>
+            <a:lvl2pPr marL="457200" indent="0">
+              <a:buNone/>
+              <a:defRPr sz="2000" b="1"/>
+            </a:lvl2pPr>
+            <a:lvl3pPr marL="914400" indent="0">
+              <a:buNone/>
+              <a:defRPr sz="1800" b="1"/>
+            </a:lvl3pPr>
+            <a:lvl4pPr marL="1371600" indent="0">
+              <a:buNone/>
+              <a:defRPr sz="1600" b="1"/>
+            </a:lvl4pPr>
+            <a:lvl5pPr marL="1828800" indent="0">
+              <a:buNone/>
+              <a:defRPr sz="1600" b="1"/>
+            </a:lvl5pPr>
+            <a:lvl6pPr marL="2286000" indent="0">
+              <a:buNone/>
+              <a:defRPr sz="1600" b="1"/>
+            </a:lvl6pPr>
+            <a:lvl7pPr marL="2743200" indent="0">
+              <a:buNone/>
+              <a:defRPr sz="1600" b="1"/>
+            </a:lvl7pPr>
+            <a:lvl8pPr marL="3200400" indent="0">
+              <a:buNone/>
+              <a:defRPr sz="1600" b="1"/>
+            </a:lvl8pPr>
+            <a:lvl9pPr marL="3657600" indent="0">
+              <a:buNone/>
+              <a:defRPr sz="1600" b="1"/>
+            </a:lvl9pPr>
+          </a:lstStyle>
+          <a:p>
+            <a:pPr lvl="0"/>
+            <a:r>
+              <a:rPr lang="pt-BR"/>
+              <a:t>Clique para editar os estilos de texto Mestres</a:t>
+            </a:r>
+          </a:p>
+        </p:txBody>
+      </p:sp>
+      <p:sp>
+        <p:nvSpPr>
+          <p:cNvPr id="4" name="Espaço Reservado para Conteúdo 3">
+            <a:extLst>
+              <a:ext uri="{FF2B5EF4-FFF2-40B4-BE49-F238E27FC236}">
+                <a16:creationId xmlns:a16="http://schemas.microsoft.com/office/drawing/2014/main" id="{DE995444-A626-3F10-BC72-FA63814C6EDE}"/>
+              </a:ext>
+            </a:extLst>
+          </p:cNvPr>
+          <p:cNvSpPr>
+            <a:spLocks noGrp="1"/>
+          </p:cNvSpPr>
+          <p:nvPr>
+            <p:ph sz="half" idx="2"/>
+          </p:nvPr>
+        </p:nvSpPr>
+        <p:spPr>
+          <a:xfrm>
+            <a:off x="839788" y="2505075"/>
+            <a:ext cx="5157787" cy="3684588"/>
+          </a:xfrm>
+        </p:spPr>
+        <p:txBody>
+          <a:bodyPr/>
+          <a:lstStyle/>
+          <a:p>
+            <a:pPr lvl="0"/>
+            <a:r>
+              <a:rPr lang="pt-BR"/>
+              <a:t>Clique para editar os estilos de texto Mestres</a:t>
+            </a:r>
+          </a:p>
+          <a:p>
+            <a:pPr lvl="1"/>
+            <a:r>
+              <a:rPr lang="pt-BR"/>
+              <a:t>Segundo nível</a:t>
+            </a:r>
+          </a:p>
+          <a:p>
+            <a:pPr lvl="2"/>
+            <a:r>
+              <a:rPr lang="pt-BR"/>
+              <a:t>Terceiro nível</a:t>
+            </a:r>
+          </a:p>
+          <a:p>
+            <a:pPr lvl="3"/>
+            <a:r>
+              <a:rPr lang="pt-BR"/>
+              <a:t>Quarto nível</a:t>
+            </a:r>
+          </a:p>
+          <a:p>
+            <a:pPr lvl="4"/>
+            <a:r>
+              <a:rPr lang="pt-BR"/>
+              <a:t>Quinto nível</a:t>
+            </a:r>
+          </a:p>
+        </p:txBody>
+      </p:sp>
+      <p:sp>
+        <p:nvSpPr>
+          <p:cNvPr id="5" name="Espaço Reservado para Texto 4">
+            <a:extLst>
+              <a:ext uri="{FF2B5EF4-FFF2-40B4-BE49-F238E27FC236}">
+                <a16:creationId xmlns:a16="http://schemas.microsoft.com/office/drawing/2014/main" id="{60455C24-8811-5FFC-F4B1-DA809821E2E6}"/>
+              </a:ext>
+            </a:extLst>
+          </p:cNvPr>
+          <p:cNvSpPr>
+            <a:spLocks noGrp="1"/>
+          </p:cNvSpPr>
+          <p:nvPr>
+            <p:ph type="body" sz="quarter" idx="3"/>
+          </p:nvPr>
+        </p:nvSpPr>
+        <p:spPr>
+          <a:xfrm>
+            <a:off x="6172200" y="1681163"/>
+            <a:ext cx="5183188" cy="823912"/>
+          </a:xfrm>
+        </p:spPr>
+        <p:txBody>
+          <a:bodyPr anchor="b"/>
+          <a:lstStyle>
+            <a:lvl1pPr marL="0" indent="0">
+              <a:buNone/>
+              <a:defRPr sz="2400" b="1"/>
+            </a:lvl1pPr>
+            <a:lvl2pPr marL="457200" indent="0">
+              <a:buNone/>
+              <a:defRPr sz="2000" b="1"/>
+            </a:lvl2pPr>
+            <a:lvl3pPr marL="914400" indent="0">
+              <a:buNone/>
+              <a:defRPr sz="1800" b="1"/>
+            </a:lvl3pPr>
+            <a:lvl4pPr marL="1371600" indent="0">
+              <a:buNone/>
+              <a:defRPr sz="1600" b="1"/>
+            </a:lvl4pPr>
+            <a:lvl5pPr marL="1828800" indent="0">
+              <a:buNone/>
+              <a:defRPr sz="1600" b="1"/>
+            </a:lvl5pPr>
+            <a:lvl6pPr marL="2286000" indent="0">
+              <a:buNone/>
+              <a:defRPr sz="1600" b="1"/>
+            </a:lvl6pPr>
+            <a:lvl7pPr marL="2743200" indent="0">
+              <a:buNone/>
+              <a:defRPr sz="1600" b="1"/>
+            </a:lvl7pPr>
+            <a:lvl8pPr marL="3200400" indent="0">
+              <a:buNone/>
+              <a:defRPr sz="1600" b="1"/>
+            </a:lvl8pPr>
+            <a:lvl9pPr marL="3657600" indent="0">
+              <a:buNone/>
+              <a:defRPr sz="1600" b="1"/>
+            </a:lvl9pPr>
+          </a:lstStyle>
+          <a:p>
+            <a:pPr lvl="0"/>
+            <a:r>
+              <a:rPr lang="pt-BR"/>
+              <a:t>Clique para editar os estilos de texto Mestres</a:t>
+            </a:r>
+          </a:p>
+        </p:txBody>
+      </p:sp>
+      <p:sp>
+        <p:nvSpPr>
+          <p:cNvPr id="6" name="Espaço Reservado para Conteúdo 5">
+            <a:extLst>
+              <a:ext uri="{FF2B5EF4-FFF2-40B4-BE49-F238E27FC236}">
+                <a16:creationId xmlns:a16="http://schemas.microsoft.com/office/drawing/2014/main" id="{5C3259BA-40AD-8206-B4D4-359A3A4002EF}"/>
+              </a:ext>
+            </a:extLst>
+          </p:cNvPr>
+          <p:cNvSpPr>
+            <a:spLocks noGrp="1"/>
+          </p:cNvSpPr>
+          <p:nvPr>
+            <p:ph sz="quarter" idx="4"/>
+          </p:nvPr>
+        </p:nvSpPr>
+        <p:spPr>
+          <a:xfrm>
+            <a:off x="6172200" y="2505075"/>
+            <a:ext cx="5183188" cy="3684588"/>
+          </a:xfrm>
+        </p:spPr>
+        <p:txBody>
+          <a:bodyPr/>
+          <a:lstStyle/>
+          <a:p>
+            <a:pPr lvl="0"/>
+            <a:r>
+              <a:rPr lang="pt-BR"/>
+              <a:t>Clique para editar os estilos de texto Mestres</a:t>
+            </a:r>
+          </a:p>
+          <a:p>
+            <a:pPr lvl="1"/>
+            <a:r>
+              <a:rPr lang="pt-BR"/>
+              <a:t>Segundo nível</a:t>
+            </a:r>
+          </a:p>
+          <a:p>
+            <a:pPr lvl="2"/>
+            <a:r>
+              <a:rPr lang="pt-BR"/>
+              <a:t>Terceiro nível</a:t>
+            </a:r>
+          </a:p>
+          <a:p>
+            <a:pPr lvl="3"/>
+            <a:r>
+              <a:rPr lang="pt-BR"/>
+              <a:t>Quarto nível</a:t>
+            </a:r>
+          </a:p>
+          <a:p>
+            <a:pPr lvl="4"/>
+            <a:r>
+              <a:rPr lang="pt-BR"/>
+              <a:t>Quinto nível</a:t>
+            </a:r>
+          </a:p>
+        </p:txBody>
+      </p:sp>
+      <p:sp>
+        <p:nvSpPr>
+          <p:cNvPr id="7" name="Espaço Reservado para Data 6">
+            <a:extLst>
+              <a:ext uri="{FF2B5EF4-FFF2-40B4-BE49-F238E27FC236}">
+                <a16:creationId xmlns:a16="http://schemas.microsoft.com/office/drawing/2014/main" id="{6926DF11-7354-6544-7990-153809497BF2}"/>
+              </a:ext>
+            </a:extLst>
+          </p:cNvPr>
+          <p:cNvSpPr>
+            <a:spLocks noGrp="1"/>
+          </p:cNvSpPr>
+          <p:nvPr>
+            <p:ph type="dt" sz="half" idx="10"/>
+          </p:nvPr>
+        </p:nvSpPr>
+        <p:spPr/>
+        <p:txBody>
+          <a:bodyPr/>
+          <a:lstStyle/>
+          <a:p>
+            <a:fld id="{DF3BA240-B913-406D-9931-D276DDAD6772}" type="datetimeFigureOut">
+              <a:rPr lang="pt-BR" smtClean="0"/>
+              <a:t>22/08/2023</a:t>
+            </a:fld>
+            <a:endParaRPr lang="pt-BR"/>
+          </a:p>
+        </p:txBody>
+      </p:sp>
+      <p:sp>
+        <p:nvSpPr>
+          <p:cNvPr id="8" name="Espaço Reservado para Rodapé 7">
+            <a:extLst>
+              <a:ext uri="{FF2B5EF4-FFF2-40B4-BE49-F238E27FC236}">
+                <a16:creationId xmlns:a16="http://schemas.microsoft.com/office/drawing/2014/main" id="{1634ED4C-E8AA-1BDF-9A88-627AB159309E}"/>
+              </a:ext>
+            </a:extLst>
+          </p:cNvPr>
+          <p:cNvSpPr>
+            <a:spLocks noGrp="1"/>
+          </p:cNvSpPr>
+          <p:nvPr>
+            <p:ph type="ftr" sz="quarter" idx="11"/>
+          </p:nvPr>
+        </p:nvSpPr>
+        <p:spPr/>
+        <p:txBody>
+          <a:bodyPr/>
+          <a:lstStyle/>
+          <a:p>
+            <a:endParaRPr lang="pt-BR"/>
+          </a:p>
+        </p:txBody>
+      </p:sp>
+      <p:sp>
+        <p:nvSpPr>
+          <p:cNvPr id="9" name="Espaço Reservado para Número de Slide 8">
+            <a:extLst>
+              <a:ext uri="{FF2B5EF4-FFF2-40B4-BE49-F238E27FC236}">
+                <a16:creationId xmlns:a16="http://schemas.microsoft.com/office/drawing/2014/main" id="{9CF81090-A1A3-D8ED-3DE6-A1E08274EDE1}"/>
+              </a:ext>
+            </a:extLst>
+          </p:cNvPr>
+          <p:cNvSpPr>
+            <a:spLocks noGrp="1"/>
+          </p:cNvSpPr>
+          <p:nvPr>
+            <p:ph type="sldNum" sz="quarter" idx="12"/>
+          </p:nvPr>
+        </p:nvSpPr>
+        <p:spPr/>
+        <p:txBody>
+          <a:bodyPr/>
+          <a:lstStyle/>
+          <a:p>
+            <a:fld id="{3B9F9B92-6EFB-407C-9F10-A4E1F585DE86}" type="slidenum">
+              <a:rPr lang="pt-BR" smtClean="0"/>
+              <a:t>‹nº›</a:t>
+            </a:fld>
+            <a:endParaRPr lang="pt-BR"/>
+          </a:p>
+        </p:txBody>
+      </p:sp>
+    </p:spTree>
+    <p:extLst>
+      <p:ext uri="{BB962C8B-B14F-4D97-AF65-F5344CB8AC3E}">
+        <p14:creationId xmlns:p14="http://schemas.microsoft.com/office/powerpoint/2010/main" val="3112042592"/>
+      </p:ext>
+    </p:extLst>
+  </p:cSld>
+  <p:clrMapOvr>
+    <a:masterClrMapping/>
+  </p:clrMapOvr>
+</p:sldLayout>
+</file>
+
+<file path=ppt/slideLayouts/slideLayout18.xml><?xml version="1.0" encoding="utf-8"?>
+<p:sldLayout xmlns:a="http://schemas.openxmlformats.org/drawingml/2006/main" xmlns:r="http://schemas.openxmlformats.org/officeDocument/2006/relationships" xmlns:p="http://schemas.openxmlformats.org/presentationml/2006/main" type="titleOnly" preserve="1">
+  <p:cSld name="Somente Título">
+    <p:spTree>
+      <p:nvGrpSpPr>
+        <p:cNvPr id="1" name=""/>
+        <p:cNvGrpSpPr/>
+        <p:nvPr/>
+      </p:nvGrpSpPr>
+      <p:grpSpPr>
+        <a:xfrm>
+          <a:off x="0" y="0"/>
+          <a:ext cx="0" cy="0"/>
+          <a:chOff x="0" y="0"/>
+          <a:chExt cx="0" cy="0"/>
+        </a:xfrm>
+      </p:grpSpPr>
+      <p:sp>
+        <p:nvSpPr>
+          <p:cNvPr id="2" name="Título 1">
+            <a:extLst>
+              <a:ext uri="{FF2B5EF4-FFF2-40B4-BE49-F238E27FC236}">
+                <a16:creationId xmlns:a16="http://schemas.microsoft.com/office/drawing/2014/main" id="{09015D24-3E6A-0BD1-B603-128F4E2E7E4F}"/>
+              </a:ext>
+            </a:extLst>
+          </p:cNvPr>
+          <p:cNvSpPr>
+            <a:spLocks noGrp="1"/>
+          </p:cNvSpPr>
+          <p:nvPr>
+            <p:ph type="title"/>
+          </p:nvPr>
+        </p:nvSpPr>
+        <p:spPr/>
+        <p:txBody>
+          <a:bodyPr/>
+          <a:lstStyle/>
+          <a:p>
+            <a:r>
+              <a:rPr lang="pt-BR"/>
+              <a:t>Clique para editar o título Mestre</a:t>
+            </a:r>
+          </a:p>
+        </p:txBody>
+      </p:sp>
+      <p:sp>
+        <p:nvSpPr>
+          <p:cNvPr id="3" name="Espaço Reservado para Data 2">
+            <a:extLst>
+              <a:ext uri="{FF2B5EF4-FFF2-40B4-BE49-F238E27FC236}">
+                <a16:creationId xmlns:a16="http://schemas.microsoft.com/office/drawing/2014/main" id="{7EDFD205-E21D-3FF6-A176-0D8D0FE9AD4E}"/>
+              </a:ext>
+            </a:extLst>
+          </p:cNvPr>
+          <p:cNvSpPr>
+            <a:spLocks noGrp="1"/>
+          </p:cNvSpPr>
+          <p:nvPr>
+            <p:ph type="dt" sz="half" idx="10"/>
+          </p:nvPr>
+        </p:nvSpPr>
+        <p:spPr/>
+        <p:txBody>
+          <a:bodyPr/>
+          <a:lstStyle/>
+          <a:p>
+            <a:fld id="{DF3BA240-B913-406D-9931-D276DDAD6772}" type="datetimeFigureOut">
+              <a:rPr lang="pt-BR" smtClean="0"/>
+              <a:t>22/08/2023</a:t>
+            </a:fld>
+            <a:endParaRPr lang="pt-BR"/>
+          </a:p>
+        </p:txBody>
+      </p:sp>
+      <p:sp>
+        <p:nvSpPr>
+          <p:cNvPr id="4" name="Espaço Reservado para Rodapé 3">
+            <a:extLst>
+              <a:ext uri="{FF2B5EF4-FFF2-40B4-BE49-F238E27FC236}">
+                <a16:creationId xmlns:a16="http://schemas.microsoft.com/office/drawing/2014/main" id="{06153571-1588-12A7-2F97-5DAA45A94F58}"/>
+              </a:ext>
+            </a:extLst>
+          </p:cNvPr>
+          <p:cNvSpPr>
+            <a:spLocks noGrp="1"/>
+          </p:cNvSpPr>
+          <p:nvPr>
+            <p:ph type="ftr" sz="quarter" idx="11"/>
+          </p:nvPr>
+        </p:nvSpPr>
+        <p:spPr/>
+        <p:txBody>
+          <a:bodyPr/>
+          <a:lstStyle/>
+          <a:p>
+            <a:endParaRPr lang="pt-BR"/>
+          </a:p>
+        </p:txBody>
+      </p:sp>
+      <p:sp>
+        <p:nvSpPr>
+          <p:cNvPr id="5" name="Espaço Reservado para Número de Slide 4">
+            <a:extLst>
+              <a:ext uri="{FF2B5EF4-FFF2-40B4-BE49-F238E27FC236}">
+                <a16:creationId xmlns:a16="http://schemas.microsoft.com/office/drawing/2014/main" id="{F956CF32-1A83-2ED8-067E-4FE1F21A3CA6}"/>
+              </a:ext>
+            </a:extLst>
+          </p:cNvPr>
+          <p:cNvSpPr>
+            <a:spLocks noGrp="1"/>
+          </p:cNvSpPr>
+          <p:nvPr>
+            <p:ph type="sldNum" sz="quarter" idx="12"/>
+          </p:nvPr>
+        </p:nvSpPr>
+        <p:spPr/>
+        <p:txBody>
+          <a:bodyPr/>
+          <a:lstStyle/>
+          <a:p>
+            <a:fld id="{3B9F9B92-6EFB-407C-9F10-A4E1F585DE86}" type="slidenum">
+              <a:rPr lang="pt-BR" smtClean="0"/>
+              <a:t>‹nº›</a:t>
+            </a:fld>
+            <a:endParaRPr lang="pt-BR"/>
+          </a:p>
+        </p:txBody>
+      </p:sp>
+    </p:spTree>
+    <p:extLst>
+      <p:ext uri="{BB962C8B-B14F-4D97-AF65-F5344CB8AC3E}">
+        <p14:creationId xmlns:p14="http://schemas.microsoft.com/office/powerpoint/2010/main" val="2680688121"/>
+      </p:ext>
+    </p:extLst>
+  </p:cSld>
+  <p:clrMapOvr>
+    <a:masterClrMapping/>
+  </p:clrMapOvr>
+</p:sldLayout>
+</file>
+
+<file path=ppt/slideLayouts/slideLayout19.xml><?xml version="1.0" encoding="utf-8"?>
+<p:sldLayout xmlns:a="http://schemas.openxmlformats.org/drawingml/2006/main" xmlns:r="http://schemas.openxmlformats.org/officeDocument/2006/relationships" xmlns:p="http://schemas.openxmlformats.org/presentationml/2006/main" type="blank" preserve="1">
+  <p:cSld name="Em Branco">
+    <p:spTree>
+      <p:nvGrpSpPr>
+        <p:cNvPr id="1" name=""/>
+        <p:cNvGrpSpPr/>
+        <p:nvPr/>
+      </p:nvGrpSpPr>
+      <p:grpSpPr>
+        <a:xfrm>
+          <a:off x="0" y="0"/>
+          <a:ext cx="0" cy="0"/>
+          <a:chOff x="0" y="0"/>
+          <a:chExt cx="0" cy="0"/>
+        </a:xfrm>
+      </p:grpSpPr>
+      <p:sp>
+        <p:nvSpPr>
+          <p:cNvPr id="2" name="Espaço Reservado para Data 1">
+            <a:extLst>
+              <a:ext uri="{FF2B5EF4-FFF2-40B4-BE49-F238E27FC236}">
+                <a16:creationId xmlns:a16="http://schemas.microsoft.com/office/drawing/2014/main" id="{B99AECDD-37CE-A784-AC4B-DD8639129493}"/>
+              </a:ext>
+            </a:extLst>
+          </p:cNvPr>
+          <p:cNvSpPr>
+            <a:spLocks noGrp="1"/>
+          </p:cNvSpPr>
+          <p:nvPr>
+            <p:ph type="dt" sz="half" idx="10"/>
+          </p:nvPr>
+        </p:nvSpPr>
+        <p:spPr/>
+        <p:txBody>
+          <a:bodyPr/>
+          <a:lstStyle/>
+          <a:p>
+            <a:fld id="{DF3BA240-B913-406D-9931-D276DDAD6772}" type="datetimeFigureOut">
+              <a:rPr lang="pt-BR" smtClean="0"/>
+              <a:t>22/08/2023</a:t>
+            </a:fld>
+            <a:endParaRPr lang="pt-BR"/>
+          </a:p>
+        </p:txBody>
+      </p:sp>
+      <p:sp>
+        <p:nvSpPr>
+          <p:cNvPr id="3" name="Espaço Reservado para Rodapé 2">
+            <a:extLst>
+              <a:ext uri="{FF2B5EF4-FFF2-40B4-BE49-F238E27FC236}">
+                <a16:creationId xmlns:a16="http://schemas.microsoft.com/office/drawing/2014/main" id="{06040599-D358-5C38-8E51-7A1A3AD9096C}"/>
+              </a:ext>
+            </a:extLst>
+          </p:cNvPr>
+          <p:cNvSpPr>
+            <a:spLocks noGrp="1"/>
+          </p:cNvSpPr>
+          <p:nvPr>
+            <p:ph type="ftr" sz="quarter" idx="11"/>
+          </p:nvPr>
+        </p:nvSpPr>
+        <p:spPr/>
+        <p:txBody>
+          <a:bodyPr/>
+          <a:lstStyle/>
+          <a:p>
+            <a:endParaRPr lang="pt-BR"/>
+          </a:p>
+        </p:txBody>
+      </p:sp>
+      <p:sp>
+        <p:nvSpPr>
+          <p:cNvPr id="4" name="Espaço Reservado para Número de Slide 3">
+            <a:extLst>
+              <a:ext uri="{FF2B5EF4-FFF2-40B4-BE49-F238E27FC236}">
+                <a16:creationId xmlns:a16="http://schemas.microsoft.com/office/drawing/2014/main" id="{A9F40FE2-5FD8-3509-ED8C-6509FF409F63}"/>
+              </a:ext>
+            </a:extLst>
+          </p:cNvPr>
+          <p:cNvSpPr>
+            <a:spLocks noGrp="1"/>
+          </p:cNvSpPr>
+          <p:nvPr>
+            <p:ph type="sldNum" sz="quarter" idx="12"/>
+          </p:nvPr>
+        </p:nvSpPr>
+        <p:spPr/>
+        <p:txBody>
+          <a:bodyPr/>
+          <a:lstStyle/>
+          <a:p>
+            <a:fld id="{3B9F9B92-6EFB-407C-9F10-A4E1F585DE86}" type="slidenum">
+              <a:rPr lang="pt-BR" smtClean="0"/>
+              <a:t>‹nº›</a:t>
+            </a:fld>
+            <a:endParaRPr lang="pt-BR"/>
+          </a:p>
+        </p:txBody>
+      </p:sp>
+    </p:spTree>
+    <p:extLst>
+      <p:ext uri="{BB962C8B-B14F-4D97-AF65-F5344CB8AC3E}">
+        <p14:creationId xmlns:p14="http://schemas.microsoft.com/office/powerpoint/2010/main" val="1176406532"/>
       </p:ext>
     </p:extLst>
   </p:cSld>
@@ -869,7 +2783,7 @@
           <a:p>
             <a:fld id="{407848BC-D821-47B2-8F63-406C743A7E5A}" type="datetimeFigureOut">
               <a:rPr lang="pt-BR" smtClean="0"/>
-              <a:t>15/08/2023</a:t>
+              <a:t>22/08/2023</a:t>
             </a:fld>
             <a:endParaRPr lang="pt-BR"/>
           </a:p>
@@ -933,6 +2847,1011 @@
     <p:extLst>
       <p:ext uri="{BB962C8B-B14F-4D97-AF65-F5344CB8AC3E}">
         <p14:creationId xmlns:p14="http://schemas.microsoft.com/office/powerpoint/2010/main" val="2464857656"/>
+      </p:ext>
+    </p:extLst>
+  </p:cSld>
+  <p:clrMapOvr>
+    <a:masterClrMapping/>
+  </p:clrMapOvr>
+</p:sldLayout>
+</file>
+
+<file path=ppt/slideLayouts/slideLayout20.xml><?xml version="1.0" encoding="utf-8"?>
+<p:sldLayout xmlns:a="http://schemas.openxmlformats.org/drawingml/2006/main" xmlns:r="http://schemas.openxmlformats.org/officeDocument/2006/relationships" xmlns:p="http://schemas.openxmlformats.org/presentationml/2006/main" type="objTx" preserve="1">
+  <p:cSld name="Conteúdo com Legenda">
+    <p:spTree>
+      <p:nvGrpSpPr>
+        <p:cNvPr id="1" name=""/>
+        <p:cNvGrpSpPr/>
+        <p:nvPr/>
+      </p:nvGrpSpPr>
+      <p:grpSpPr>
+        <a:xfrm>
+          <a:off x="0" y="0"/>
+          <a:ext cx="0" cy="0"/>
+          <a:chOff x="0" y="0"/>
+          <a:chExt cx="0" cy="0"/>
+        </a:xfrm>
+      </p:grpSpPr>
+      <p:sp>
+        <p:nvSpPr>
+          <p:cNvPr id="2" name="Título 1">
+            <a:extLst>
+              <a:ext uri="{FF2B5EF4-FFF2-40B4-BE49-F238E27FC236}">
+                <a16:creationId xmlns:a16="http://schemas.microsoft.com/office/drawing/2014/main" id="{4AD4F62C-DE07-F6B1-2FAF-CA0AD7AC1EE0}"/>
+              </a:ext>
+            </a:extLst>
+          </p:cNvPr>
+          <p:cNvSpPr>
+            <a:spLocks noGrp="1"/>
+          </p:cNvSpPr>
+          <p:nvPr>
+            <p:ph type="title"/>
+          </p:nvPr>
+        </p:nvSpPr>
+        <p:spPr>
+          <a:xfrm>
+            <a:off x="839788" y="457200"/>
+            <a:ext cx="3932237" cy="1600200"/>
+          </a:xfrm>
+        </p:spPr>
+        <p:txBody>
+          <a:bodyPr anchor="b"/>
+          <a:lstStyle>
+            <a:lvl1pPr>
+              <a:defRPr sz="3200"/>
+            </a:lvl1pPr>
+          </a:lstStyle>
+          <a:p>
+            <a:r>
+              <a:rPr lang="pt-BR"/>
+              <a:t>Clique para editar o título Mestre</a:t>
+            </a:r>
+          </a:p>
+        </p:txBody>
+      </p:sp>
+      <p:sp>
+        <p:nvSpPr>
+          <p:cNvPr id="3" name="Espaço Reservado para Conteúdo 2">
+            <a:extLst>
+              <a:ext uri="{FF2B5EF4-FFF2-40B4-BE49-F238E27FC236}">
+                <a16:creationId xmlns:a16="http://schemas.microsoft.com/office/drawing/2014/main" id="{8F7C6AFB-7413-32F7-8008-A3A174B04FDB}"/>
+              </a:ext>
+            </a:extLst>
+          </p:cNvPr>
+          <p:cNvSpPr>
+            <a:spLocks noGrp="1"/>
+          </p:cNvSpPr>
+          <p:nvPr>
+            <p:ph idx="1"/>
+          </p:nvPr>
+        </p:nvSpPr>
+        <p:spPr>
+          <a:xfrm>
+            <a:off x="5183188" y="987425"/>
+            <a:ext cx="6172200" cy="4873625"/>
+          </a:xfrm>
+        </p:spPr>
+        <p:txBody>
+          <a:bodyPr/>
+          <a:lstStyle>
+            <a:lvl1pPr>
+              <a:defRPr sz="3200"/>
+            </a:lvl1pPr>
+            <a:lvl2pPr>
+              <a:defRPr sz="2800"/>
+            </a:lvl2pPr>
+            <a:lvl3pPr>
+              <a:defRPr sz="2400"/>
+            </a:lvl3pPr>
+            <a:lvl4pPr>
+              <a:defRPr sz="2000"/>
+            </a:lvl4pPr>
+            <a:lvl5pPr>
+              <a:defRPr sz="2000"/>
+            </a:lvl5pPr>
+            <a:lvl6pPr>
+              <a:defRPr sz="2000"/>
+            </a:lvl6pPr>
+            <a:lvl7pPr>
+              <a:defRPr sz="2000"/>
+            </a:lvl7pPr>
+            <a:lvl8pPr>
+              <a:defRPr sz="2000"/>
+            </a:lvl8pPr>
+            <a:lvl9pPr>
+              <a:defRPr sz="2000"/>
+            </a:lvl9pPr>
+          </a:lstStyle>
+          <a:p>
+            <a:pPr lvl="0"/>
+            <a:r>
+              <a:rPr lang="pt-BR"/>
+              <a:t>Clique para editar os estilos de texto Mestres</a:t>
+            </a:r>
+          </a:p>
+          <a:p>
+            <a:pPr lvl="1"/>
+            <a:r>
+              <a:rPr lang="pt-BR"/>
+              <a:t>Segundo nível</a:t>
+            </a:r>
+          </a:p>
+          <a:p>
+            <a:pPr lvl="2"/>
+            <a:r>
+              <a:rPr lang="pt-BR"/>
+              <a:t>Terceiro nível</a:t>
+            </a:r>
+          </a:p>
+          <a:p>
+            <a:pPr lvl="3"/>
+            <a:r>
+              <a:rPr lang="pt-BR"/>
+              <a:t>Quarto nível</a:t>
+            </a:r>
+          </a:p>
+          <a:p>
+            <a:pPr lvl="4"/>
+            <a:r>
+              <a:rPr lang="pt-BR"/>
+              <a:t>Quinto nível</a:t>
+            </a:r>
+          </a:p>
+        </p:txBody>
+      </p:sp>
+      <p:sp>
+        <p:nvSpPr>
+          <p:cNvPr id="4" name="Espaço Reservado para Texto 3">
+            <a:extLst>
+              <a:ext uri="{FF2B5EF4-FFF2-40B4-BE49-F238E27FC236}">
+                <a16:creationId xmlns:a16="http://schemas.microsoft.com/office/drawing/2014/main" id="{AC75C1B7-11BD-A78E-2E5A-337B835F472E}"/>
+              </a:ext>
+            </a:extLst>
+          </p:cNvPr>
+          <p:cNvSpPr>
+            <a:spLocks noGrp="1"/>
+          </p:cNvSpPr>
+          <p:nvPr>
+            <p:ph type="body" sz="half" idx="2"/>
+          </p:nvPr>
+        </p:nvSpPr>
+        <p:spPr>
+          <a:xfrm>
+            <a:off x="839788" y="2057400"/>
+            <a:ext cx="3932237" cy="3811588"/>
+          </a:xfrm>
+        </p:spPr>
+        <p:txBody>
+          <a:bodyPr/>
+          <a:lstStyle>
+            <a:lvl1pPr marL="0" indent="0">
+              <a:buNone/>
+              <a:defRPr sz="1600"/>
+            </a:lvl1pPr>
+            <a:lvl2pPr marL="457200" indent="0">
+              <a:buNone/>
+              <a:defRPr sz="1400"/>
+            </a:lvl2pPr>
+            <a:lvl3pPr marL="914400" indent="0">
+              <a:buNone/>
+              <a:defRPr sz="1200"/>
+            </a:lvl3pPr>
+            <a:lvl4pPr marL="1371600" indent="0">
+              <a:buNone/>
+              <a:defRPr sz="1000"/>
+            </a:lvl4pPr>
+            <a:lvl5pPr marL="1828800" indent="0">
+              <a:buNone/>
+              <a:defRPr sz="1000"/>
+            </a:lvl5pPr>
+            <a:lvl6pPr marL="2286000" indent="0">
+              <a:buNone/>
+              <a:defRPr sz="1000"/>
+            </a:lvl6pPr>
+            <a:lvl7pPr marL="2743200" indent="0">
+              <a:buNone/>
+              <a:defRPr sz="1000"/>
+            </a:lvl7pPr>
+            <a:lvl8pPr marL="3200400" indent="0">
+              <a:buNone/>
+              <a:defRPr sz="1000"/>
+            </a:lvl8pPr>
+            <a:lvl9pPr marL="3657600" indent="0">
+              <a:buNone/>
+              <a:defRPr sz="1000"/>
+            </a:lvl9pPr>
+          </a:lstStyle>
+          <a:p>
+            <a:pPr lvl="0"/>
+            <a:r>
+              <a:rPr lang="pt-BR"/>
+              <a:t>Clique para editar os estilos de texto Mestres</a:t>
+            </a:r>
+          </a:p>
+        </p:txBody>
+      </p:sp>
+      <p:sp>
+        <p:nvSpPr>
+          <p:cNvPr id="5" name="Espaço Reservado para Data 4">
+            <a:extLst>
+              <a:ext uri="{FF2B5EF4-FFF2-40B4-BE49-F238E27FC236}">
+                <a16:creationId xmlns:a16="http://schemas.microsoft.com/office/drawing/2014/main" id="{5F9C83CD-8888-AE7A-8A1F-178C0970D0E0}"/>
+              </a:ext>
+            </a:extLst>
+          </p:cNvPr>
+          <p:cNvSpPr>
+            <a:spLocks noGrp="1"/>
+          </p:cNvSpPr>
+          <p:nvPr>
+            <p:ph type="dt" sz="half" idx="10"/>
+          </p:nvPr>
+        </p:nvSpPr>
+        <p:spPr/>
+        <p:txBody>
+          <a:bodyPr/>
+          <a:lstStyle/>
+          <a:p>
+            <a:fld id="{DF3BA240-B913-406D-9931-D276DDAD6772}" type="datetimeFigureOut">
+              <a:rPr lang="pt-BR" smtClean="0"/>
+              <a:t>22/08/2023</a:t>
+            </a:fld>
+            <a:endParaRPr lang="pt-BR"/>
+          </a:p>
+        </p:txBody>
+      </p:sp>
+      <p:sp>
+        <p:nvSpPr>
+          <p:cNvPr id="6" name="Espaço Reservado para Rodapé 5">
+            <a:extLst>
+              <a:ext uri="{FF2B5EF4-FFF2-40B4-BE49-F238E27FC236}">
+                <a16:creationId xmlns:a16="http://schemas.microsoft.com/office/drawing/2014/main" id="{31D71AA2-4973-F0B5-5D99-746BA58141D9}"/>
+              </a:ext>
+            </a:extLst>
+          </p:cNvPr>
+          <p:cNvSpPr>
+            <a:spLocks noGrp="1"/>
+          </p:cNvSpPr>
+          <p:nvPr>
+            <p:ph type="ftr" sz="quarter" idx="11"/>
+          </p:nvPr>
+        </p:nvSpPr>
+        <p:spPr/>
+        <p:txBody>
+          <a:bodyPr/>
+          <a:lstStyle/>
+          <a:p>
+            <a:endParaRPr lang="pt-BR"/>
+          </a:p>
+        </p:txBody>
+      </p:sp>
+      <p:sp>
+        <p:nvSpPr>
+          <p:cNvPr id="7" name="Espaço Reservado para Número de Slide 6">
+            <a:extLst>
+              <a:ext uri="{FF2B5EF4-FFF2-40B4-BE49-F238E27FC236}">
+                <a16:creationId xmlns:a16="http://schemas.microsoft.com/office/drawing/2014/main" id="{63F0FD39-32DE-CBAE-B699-4686919C8C23}"/>
+              </a:ext>
+            </a:extLst>
+          </p:cNvPr>
+          <p:cNvSpPr>
+            <a:spLocks noGrp="1"/>
+          </p:cNvSpPr>
+          <p:nvPr>
+            <p:ph type="sldNum" sz="quarter" idx="12"/>
+          </p:nvPr>
+        </p:nvSpPr>
+        <p:spPr/>
+        <p:txBody>
+          <a:bodyPr/>
+          <a:lstStyle/>
+          <a:p>
+            <a:fld id="{3B9F9B92-6EFB-407C-9F10-A4E1F585DE86}" type="slidenum">
+              <a:rPr lang="pt-BR" smtClean="0"/>
+              <a:t>‹nº›</a:t>
+            </a:fld>
+            <a:endParaRPr lang="pt-BR"/>
+          </a:p>
+        </p:txBody>
+      </p:sp>
+    </p:spTree>
+    <p:extLst>
+      <p:ext uri="{BB962C8B-B14F-4D97-AF65-F5344CB8AC3E}">
+        <p14:creationId xmlns:p14="http://schemas.microsoft.com/office/powerpoint/2010/main" val="1522465535"/>
+      </p:ext>
+    </p:extLst>
+  </p:cSld>
+  <p:clrMapOvr>
+    <a:masterClrMapping/>
+  </p:clrMapOvr>
+</p:sldLayout>
+</file>
+
+<file path=ppt/slideLayouts/slideLayout21.xml><?xml version="1.0" encoding="utf-8"?>
+<p:sldLayout xmlns:a="http://schemas.openxmlformats.org/drawingml/2006/main" xmlns:r="http://schemas.openxmlformats.org/officeDocument/2006/relationships" xmlns:p="http://schemas.openxmlformats.org/presentationml/2006/main" type="picTx" preserve="1">
+  <p:cSld name="Imagem com Legenda">
+    <p:spTree>
+      <p:nvGrpSpPr>
+        <p:cNvPr id="1" name=""/>
+        <p:cNvGrpSpPr/>
+        <p:nvPr/>
+      </p:nvGrpSpPr>
+      <p:grpSpPr>
+        <a:xfrm>
+          <a:off x="0" y="0"/>
+          <a:ext cx="0" cy="0"/>
+          <a:chOff x="0" y="0"/>
+          <a:chExt cx="0" cy="0"/>
+        </a:xfrm>
+      </p:grpSpPr>
+      <p:sp>
+        <p:nvSpPr>
+          <p:cNvPr id="2" name="Título 1">
+            <a:extLst>
+              <a:ext uri="{FF2B5EF4-FFF2-40B4-BE49-F238E27FC236}">
+                <a16:creationId xmlns:a16="http://schemas.microsoft.com/office/drawing/2014/main" id="{9F7168FE-C0A1-9A65-E815-5E491513A4F7}"/>
+              </a:ext>
+            </a:extLst>
+          </p:cNvPr>
+          <p:cNvSpPr>
+            <a:spLocks noGrp="1"/>
+          </p:cNvSpPr>
+          <p:nvPr>
+            <p:ph type="title"/>
+          </p:nvPr>
+        </p:nvSpPr>
+        <p:spPr>
+          <a:xfrm>
+            <a:off x="839788" y="457200"/>
+            <a:ext cx="3932237" cy="1600200"/>
+          </a:xfrm>
+        </p:spPr>
+        <p:txBody>
+          <a:bodyPr anchor="b"/>
+          <a:lstStyle>
+            <a:lvl1pPr>
+              <a:defRPr sz="3200"/>
+            </a:lvl1pPr>
+          </a:lstStyle>
+          <a:p>
+            <a:r>
+              <a:rPr lang="pt-BR"/>
+              <a:t>Clique para editar o título Mestre</a:t>
+            </a:r>
+          </a:p>
+        </p:txBody>
+      </p:sp>
+      <p:sp>
+        <p:nvSpPr>
+          <p:cNvPr id="3" name="Espaço Reservado para Imagem 2">
+            <a:extLst>
+              <a:ext uri="{FF2B5EF4-FFF2-40B4-BE49-F238E27FC236}">
+                <a16:creationId xmlns:a16="http://schemas.microsoft.com/office/drawing/2014/main" id="{66D64AF2-3317-656D-B033-ACB38EED3DF3}"/>
+              </a:ext>
+            </a:extLst>
+          </p:cNvPr>
+          <p:cNvSpPr>
+            <a:spLocks noGrp="1"/>
+          </p:cNvSpPr>
+          <p:nvPr>
+            <p:ph type="pic" idx="1"/>
+          </p:nvPr>
+        </p:nvSpPr>
+        <p:spPr>
+          <a:xfrm>
+            <a:off x="5183188" y="987425"/>
+            <a:ext cx="6172200" cy="4873625"/>
+          </a:xfrm>
+        </p:spPr>
+        <p:txBody>
+          <a:bodyPr/>
+          <a:lstStyle>
+            <a:lvl1pPr marL="0" indent="0">
+              <a:buNone/>
+              <a:defRPr sz="3200"/>
+            </a:lvl1pPr>
+            <a:lvl2pPr marL="457200" indent="0">
+              <a:buNone/>
+              <a:defRPr sz="2800"/>
+            </a:lvl2pPr>
+            <a:lvl3pPr marL="914400" indent="0">
+              <a:buNone/>
+              <a:defRPr sz="2400"/>
+            </a:lvl3pPr>
+            <a:lvl4pPr marL="1371600" indent="0">
+              <a:buNone/>
+              <a:defRPr sz="2000"/>
+            </a:lvl4pPr>
+            <a:lvl5pPr marL="1828800" indent="0">
+              <a:buNone/>
+              <a:defRPr sz="2000"/>
+            </a:lvl5pPr>
+            <a:lvl6pPr marL="2286000" indent="0">
+              <a:buNone/>
+              <a:defRPr sz="2000"/>
+            </a:lvl6pPr>
+            <a:lvl7pPr marL="2743200" indent="0">
+              <a:buNone/>
+              <a:defRPr sz="2000"/>
+            </a:lvl7pPr>
+            <a:lvl8pPr marL="3200400" indent="0">
+              <a:buNone/>
+              <a:defRPr sz="2000"/>
+            </a:lvl8pPr>
+            <a:lvl9pPr marL="3657600" indent="0">
+              <a:buNone/>
+              <a:defRPr sz="2000"/>
+            </a:lvl9pPr>
+          </a:lstStyle>
+          <a:p>
+            <a:endParaRPr lang="pt-BR"/>
+          </a:p>
+        </p:txBody>
+      </p:sp>
+      <p:sp>
+        <p:nvSpPr>
+          <p:cNvPr id="4" name="Espaço Reservado para Texto 3">
+            <a:extLst>
+              <a:ext uri="{FF2B5EF4-FFF2-40B4-BE49-F238E27FC236}">
+                <a16:creationId xmlns:a16="http://schemas.microsoft.com/office/drawing/2014/main" id="{B49CB924-4922-01E5-36B0-0F2F53AF1C48}"/>
+              </a:ext>
+            </a:extLst>
+          </p:cNvPr>
+          <p:cNvSpPr>
+            <a:spLocks noGrp="1"/>
+          </p:cNvSpPr>
+          <p:nvPr>
+            <p:ph type="body" sz="half" idx="2"/>
+          </p:nvPr>
+        </p:nvSpPr>
+        <p:spPr>
+          <a:xfrm>
+            <a:off x="839788" y="2057400"/>
+            <a:ext cx="3932237" cy="3811588"/>
+          </a:xfrm>
+        </p:spPr>
+        <p:txBody>
+          <a:bodyPr/>
+          <a:lstStyle>
+            <a:lvl1pPr marL="0" indent="0">
+              <a:buNone/>
+              <a:defRPr sz="1600"/>
+            </a:lvl1pPr>
+            <a:lvl2pPr marL="457200" indent="0">
+              <a:buNone/>
+              <a:defRPr sz="1400"/>
+            </a:lvl2pPr>
+            <a:lvl3pPr marL="914400" indent="0">
+              <a:buNone/>
+              <a:defRPr sz="1200"/>
+            </a:lvl3pPr>
+            <a:lvl4pPr marL="1371600" indent="0">
+              <a:buNone/>
+              <a:defRPr sz="1000"/>
+            </a:lvl4pPr>
+            <a:lvl5pPr marL="1828800" indent="0">
+              <a:buNone/>
+              <a:defRPr sz="1000"/>
+            </a:lvl5pPr>
+            <a:lvl6pPr marL="2286000" indent="0">
+              <a:buNone/>
+              <a:defRPr sz="1000"/>
+            </a:lvl6pPr>
+            <a:lvl7pPr marL="2743200" indent="0">
+              <a:buNone/>
+              <a:defRPr sz="1000"/>
+            </a:lvl7pPr>
+            <a:lvl8pPr marL="3200400" indent="0">
+              <a:buNone/>
+              <a:defRPr sz="1000"/>
+            </a:lvl8pPr>
+            <a:lvl9pPr marL="3657600" indent="0">
+              <a:buNone/>
+              <a:defRPr sz="1000"/>
+            </a:lvl9pPr>
+          </a:lstStyle>
+          <a:p>
+            <a:pPr lvl="0"/>
+            <a:r>
+              <a:rPr lang="pt-BR"/>
+              <a:t>Clique para editar os estilos de texto Mestres</a:t>
+            </a:r>
+          </a:p>
+        </p:txBody>
+      </p:sp>
+      <p:sp>
+        <p:nvSpPr>
+          <p:cNvPr id="5" name="Espaço Reservado para Data 4">
+            <a:extLst>
+              <a:ext uri="{FF2B5EF4-FFF2-40B4-BE49-F238E27FC236}">
+                <a16:creationId xmlns:a16="http://schemas.microsoft.com/office/drawing/2014/main" id="{6A59A3E4-8830-4E33-4B20-C45840FBBDA9}"/>
+              </a:ext>
+            </a:extLst>
+          </p:cNvPr>
+          <p:cNvSpPr>
+            <a:spLocks noGrp="1"/>
+          </p:cNvSpPr>
+          <p:nvPr>
+            <p:ph type="dt" sz="half" idx="10"/>
+          </p:nvPr>
+        </p:nvSpPr>
+        <p:spPr/>
+        <p:txBody>
+          <a:bodyPr/>
+          <a:lstStyle/>
+          <a:p>
+            <a:fld id="{DF3BA240-B913-406D-9931-D276DDAD6772}" type="datetimeFigureOut">
+              <a:rPr lang="pt-BR" smtClean="0"/>
+              <a:t>22/08/2023</a:t>
+            </a:fld>
+            <a:endParaRPr lang="pt-BR"/>
+          </a:p>
+        </p:txBody>
+      </p:sp>
+      <p:sp>
+        <p:nvSpPr>
+          <p:cNvPr id="6" name="Espaço Reservado para Rodapé 5">
+            <a:extLst>
+              <a:ext uri="{FF2B5EF4-FFF2-40B4-BE49-F238E27FC236}">
+                <a16:creationId xmlns:a16="http://schemas.microsoft.com/office/drawing/2014/main" id="{C19B5C8D-2887-CB77-8C84-DDC17F9F375E}"/>
+              </a:ext>
+            </a:extLst>
+          </p:cNvPr>
+          <p:cNvSpPr>
+            <a:spLocks noGrp="1"/>
+          </p:cNvSpPr>
+          <p:nvPr>
+            <p:ph type="ftr" sz="quarter" idx="11"/>
+          </p:nvPr>
+        </p:nvSpPr>
+        <p:spPr/>
+        <p:txBody>
+          <a:bodyPr/>
+          <a:lstStyle/>
+          <a:p>
+            <a:endParaRPr lang="pt-BR"/>
+          </a:p>
+        </p:txBody>
+      </p:sp>
+      <p:sp>
+        <p:nvSpPr>
+          <p:cNvPr id="7" name="Espaço Reservado para Número de Slide 6">
+            <a:extLst>
+              <a:ext uri="{FF2B5EF4-FFF2-40B4-BE49-F238E27FC236}">
+                <a16:creationId xmlns:a16="http://schemas.microsoft.com/office/drawing/2014/main" id="{AC35C893-9645-F304-CAAE-27754CBB786A}"/>
+              </a:ext>
+            </a:extLst>
+          </p:cNvPr>
+          <p:cNvSpPr>
+            <a:spLocks noGrp="1"/>
+          </p:cNvSpPr>
+          <p:nvPr>
+            <p:ph type="sldNum" sz="quarter" idx="12"/>
+          </p:nvPr>
+        </p:nvSpPr>
+        <p:spPr/>
+        <p:txBody>
+          <a:bodyPr/>
+          <a:lstStyle/>
+          <a:p>
+            <a:fld id="{3B9F9B92-6EFB-407C-9F10-A4E1F585DE86}" type="slidenum">
+              <a:rPr lang="pt-BR" smtClean="0"/>
+              <a:t>‹nº›</a:t>
+            </a:fld>
+            <a:endParaRPr lang="pt-BR"/>
+          </a:p>
+        </p:txBody>
+      </p:sp>
+    </p:spTree>
+    <p:extLst>
+      <p:ext uri="{BB962C8B-B14F-4D97-AF65-F5344CB8AC3E}">
+        <p14:creationId xmlns:p14="http://schemas.microsoft.com/office/powerpoint/2010/main" val="4085960814"/>
+      </p:ext>
+    </p:extLst>
+  </p:cSld>
+  <p:clrMapOvr>
+    <a:masterClrMapping/>
+  </p:clrMapOvr>
+</p:sldLayout>
+</file>
+
+<file path=ppt/slideLayouts/slideLayout22.xml><?xml version="1.0" encoding="utf-8"?>
+<p:sldLayout xmlns:a="http://schemas.openxmlformats.org/drawingml/2006/main" xmlns:r="http://schemas.openxmlformats.org/officeDocument/2006/relationships" xmlns:p="http://schemas.openxmlformats.org/presentationml/2006/main" type="vertTx" preserve="1">
+  <p:cSld name="Título e Texto Vertical">
+    <p:spTree>
+      <p:nvGrpSpPr>
+        <p:cNvPr id="1" name=""/>
+        <p:cNvGrpSpPr/>
+        <p:nvPr/>
+      </p:nvGrpSpPr>
+      <p:grpSpPr>
+        <a:xfrm>
+          <a:off x="0" y="0"/>
+          <a:ext cx="0" cy="0"/>
+          <a:chOff x="0" y="0"/>
+          <a:chExt cx="0" cy="0"/>
+        </a:xfrm>
+      </p:grpSpPr>
+      <p:sp>
+        <p:nvSpPr>
+          <p:cNvPr id="2" name="Título 1">
+            <a:extLst>
+              <a:ext uri="{FF2B5EF4-FFF2-40B4-BE49-F238E27FC236}">
+                <a16:creationId xmlns:a16="http://schemas.microsoft.com/office/drawing/2014/main" id="{0F5ADBEF-4A65-60C5-3BF1-5169253453EF}"/>
+              </a:ext>
+            </a:extLst>
+          </p:cNvPr>
+          <p:cNvSpPr>
+            <a:spLocks noGrp="1"/>
+          </p:cNvSpPr>
+          <p:nvPr>
+            <p:ph type="title"/>
+          </p:nvPr>
+        </p:nvSpPr>
+        <p:spPr/>
+        <p:txBody>
+          <a:bodyPr/>
+          <a:lstStyle/>
+          <a:p>
+            <a:r>
+              <a:rPr lang="pt-BR"/>
+              <a:t>Clique para editar o título Mestre</a:t>
+            </a:r>
+          </a:p>
+        </p:txBody>
+      </p:sp>
+      <p:sp>
+        <p:nvSpPr>
+          <p:cNvPr id="3" name="Espaço Reservado para Texto Vertical 2">
+            <a:extLst>
+              <a:ext uri="{FF2B5EF4-FFF2-40B4-BE49-F238E27FC236}">
+                <a16:creationId xmlns:a16="http://schemas.microsoft.com/office/drawing/2014/main" id="{956102DE-702F-58EF-E6F0-096A286EBE10}"/>
+              </a:ext>
+            </a:extLst>
+          </p:cNvPr>
+          <p:cNvSpPr>
+            <a:spLocks noGrp="1"/>
+          </p:cNvSpPr>
+          <p:nvPr>
+            <p:ph type="body" orient="vert" idx="1"/>
+          </p:nvPr>
+        </p:nvSpPr>
+        <p:spPr/>
+        <p:txBody>
+          <a:bodyPr vert="eaVert"/>
+          <a:lstStyle/>
+          <a:p>
+            <a:pPr lvl="0"/>
+            <a:r>
+              <a:rPr lang="pt-BR"/>
+              <a:t>Clique para editar os estilos de texto Mestres</a:t>
+            </a:r>
+          </a:p>
+          <a:p>
+            <a:pPr lvl="1"/>
+            <a:r>
+              <a:rPr lang="pt-BR"/>
+              <a:t>Segundo nível</a:t>
+            </a:r>
+          </a:p>
+          <a:p>
+            <a:pPr lvl="2"/>
+            <a:r>
+              <a:rPr lang="pt-BR"/>
+              <a:t>Terceiro nível</a:t>
+            </a:r>
+          </a:p>
+          <a:p>
+            <a:pPr lvl="3"/>
+            <a:r>
+              <a:rPr lang="pt-BR"/>
+              <a:t>Quarto nível</a:t>
+            </a:r>
+          </a:p>
+          <a:p>
+            <a:pPr lvl="4"/>
+            <a:r>
+              <a:rPr lang="pt-BR"/>
+              <a:t>Quinto nível</a:t>
+            </a:r>
+          </a:p>
+        </p:txBody>
+      </p:sp>
+      <p:sp>
+        <p:nvSpPr>
+          <p:cNvPr id="4" name="Espaço Reservado para Data 3">
+            <a:extLst>
+              <a:ext uri="{FF2B5EF4-FFF2-40B4-BE49-F238E27FC236}">
+                <a16:creationId xmlns:a16="http://schemas.microsoft.com/office/drawing/2014/main" id="{BE5EFC9E-D3A5-1253-7E53-B67AE9CD2741}"/>
+              </a:ext>
+            </a:extLst>
+          </p:cNvPr>
+          <p:cNvSpPr>
+            <a:spLocks noGrp="1"/>
+          </p:cNvSpPr>
+          <p:nvPr>
+            <p:ph type="dt" sz="half" idx="10"/>
+          </p:nvPr>
+        </p:nvSpPr>
+        <p:spPr/>
+        <p:txBody>
+          <a:bodyPr/>
+          <a:lstStyle/>
+          <a:p>
+            <a:fld id="{DF3BA240-B913-406D-9931-D276DDAD6772}" type="datetimeFigureOut">
+              <a:rPr lang="pt-BR" smtClean="0"/>
+              <a:t>22/08/2023</a:t>
+            </a:fld>
+            <a:endParaRPr lang="pt-BR"/>
+          </a:p>
+        </p:txBody>
+      </p:sp>
+      <p:sp>
+        <p:nvSpPr>
+          <p:cNvPr id="5" name="Espaço Reservado para Rodapé 4">
+            <a:extLst>
+              <a:ext uri="{FF2B5EF4-FFF2-40B4-BE49-F238E27FC236}">
+                <a16:creationId xmlns:a16="http://schemas.microsoft.com/office/drawing/2014/main" id="{8258D1A4-E6F3-B8D3-0C15-F2F0B95CBF03}"/>
+              </a:ext>
+            </a:extLst>
+          </p:cNvPr>
+          <p:cNvSpPr>
+            <a:spLocks noGrp="1"/>
+          </p:cNvSpPr>
+          <p:nvPr>
+            <p:ph type="ftr" sz="quarter" idx="11"/>
+          </p:nvPr>
+        </p:nvSpPr>
+        <p:spPr/>
+        <p:txBody>
+          <a:bodyPr/>
+          <a:lstStyle/>
+          <a:p>
+            <a:endParaRPr lang="pt-BR"/>
+          </a:p>
+        </p:txBody>
+      </p:sp>
+      <p:sp>
+        <p:nvSpPr>
+          <p:cNvPr id="6" name="Espaço Reservado para Número de Slide 5">
+            <a:extLst>
+              <a:ext uri="{FF2B5EF4-FFF2-40B4-BE49-F238E27FC236}">
+                <a16:creationId xmlns:a16="http://schemas.microsoft.com/office/drawing/2014/main" id="{79EE276E-8D6B-BD95-CEC2-50A70FCACB64}"/>
+              </a:ext>
+            </a:extLst>
+          </p:cNvPr>
+          <p:cNvSpPr>
+            <a:spLocks noGrp="1"/>
+          </p:cNvSpPr>
+          <p:nvPr>
+            <p:ph type="sldNum" sz="quarter" idx="12"/>
+          </p:nvPr>
+        </p:nvSpPr>
+        <p:spPr/>
+        <p:txBody>
+          <a:bodyPr/>
+          <a:lstStyle/>
+          <a:p>
+            <a:fld id="{3B9F9B92-6EFB-407C-9F10-A4E1F585DE86}" type="slidenum">
+              <a:rPr lang="pt-BR" smtClean="0"/>
+              <a:t>‹nº›</a:t>
+            </a:fld>
+            <a:endParaRPr lang="pt-BR"/>
+          </a:p>
+        </p:txBody>
+      </p:sp>
+    </p:spTree>
+    <p:extLst>
+      <p:ext uri="{BB962C8B-B14F-4D97-AF65-F5344CB8AC3E}">
+        <p14:creationId xmlns:p14="http://schemas.microsoft.com/office/powerpoint/2010/main" val="2780754262"/>
+      </p:ext>
+    </p:extLst>
+  </p:cSld>
+  <p:clrMapOvr>
+    <a:masterClrMapping/>
+  </p:clrMapOvr>
+</p:sldLayout>
+</file>
+
+<file path=ppt/slideLayouts/slideLayout23.xml><?xml version="1.0" encoding="utf-8"?>
+<p:sldLayout xmlns:a="http://schemas.openxmlformats.org/drawingml/2006/main" xmlns:r="http://schemas.openxmlformats.org/officeDocument/2006/relationships" xmlns:p="http://schemas.openxmlformats.org/presentationml/2006/main" type="vertTitleAndTx" preserve="1">
+  <p:cSld name="Texto e Título Vertical">
+    <p:spTree>
+      <p:nvGrpSpPr>
+        <p:cNvPr id="1" name=""/>
+        <p:cNvGrpSpPr/>
+        <p:nvPr/>
+      </p:nvGrpSpPr>
+      <p:grpSpPr>
+        <a:xfrm>
+          <a:off x="0" y="0"/>
+          <a:ext cx="0" cy="0"/>
+          <a:chOff x="0" y="0"/>
+          <a:chExt cx="0" cy="0"/>
+        </a:xfrm>
+      </p:grpSpPr>
+      <p:sp>
+        <p:nvSpPr>
+          <p:cNvPr id="2" name="Título Vertical 1">
+            <a:extLst>
+              <a:ext uri="{FF2B5EF4-FFF2-40B4-BE49-F238E27FC236}">
+                <a16:creationId xmlns:a16="http://schemas.microsoft.com/office/drawing/2014/main" id="{94E612E5-3AAC-0E22-F503-398691195A5E}"/>
+              </a:ext>
+            </a:extLst>
+          </p:cNvPr>
+          <p:cNvSpPr>
+            <a:spLocks noGrp="1"/>
+          </p:cNvSpPr>
+          <p:nvPr>
+            <p:ph type="title" orient="vert"/>
+          </p:nvPr>
+        </p:nvSpPr>
+        <p:spPr>
+          <a:xfrm>
+            <a:off x="8724900" y="365125"/>
+            <a:ext cx="2628900" cy="5811838"/>
+          </a:xfrm>
+        </p:spPr>
+        <p:txBody>
+          <a:bodyPr vert="eaVert"/>
+          <a:lstStyle/>
+          <a:p>
+            <a:r>
+              <a:rPr lang="pt-BR"/>
+              <a:t>Clique para editar o título Mestre</a:t>
+            </a:r>
+          </a:p>
+        </p:txBody>
+      </p:sp>
+      <p:sp>
+        <p:nvSpPr>
+          <p:cNvPr id="3" name="Espaço Reservado para Texto Vertical 2">
+            <a:extLst>
+              <a:ext uri="{FF2B5EF4-FFF2-40B4-BE49-F238E27FC236}">
+                <a16:creationId xmlns:a16="http://schemas.microsoft.com/office/drawing/2014/main" id="{763E9E69-4D4F-30DC-EA2D-3B33C1ADE8F2}"/>
+              </a:ext>
+            </a:extLst>
+          </p:cNvPr>
+          <p:cNvSpPr>
+            <a:spLocks noGrp="1"/>
+          </p:cNvSpPr>
+          <p:nvPr>
+            <p:ph type="body" orient="vert" idx="1"/>
+          </p:nvPr>
+        </p:nvSpPr>
+        <p:spPr>
+          <a:xfrm>
+            <a:off x="838200" y="365125"/>
+            <a:ext cx="7734300" cy="5811838"/>
+          </a:xfrm>
+        </p:spPr>
+        <p:txBody>
+          <a:bodyPr vert="eaVert"/>
+          <a:lstStyle/>
+          <a:p>
+            <a:pPr lvl="0"/>
+            <a:r>
+              <a:rPr lang="pt-BR"/>
+              <a:t>Clique para editar os estilos de texto Mestres</a:t>
+            </a:r>
+          </a:p>
+          <a:p>
+            <a:pPr lvl="1"/>
+            <a:r>
+              <a:rPr lang="pt-BR"/>
+              <a:t>Segundo nível</a:t>
+            </a:r>
+          </a:p>
+          <a:p>
+            <a:pPr lvl="2"/>
+            <a:r>
+              <a:rPr lang="pt-BR"/>
+              <a:t>Terceiro nível</a:t>
+            </a:r>
+          </a:p>
+          <a:p>
+            <a:pPr lvl="3"/>
+            <a:r>
+              <a:rPr lang="pt-BR"/>
+              <a:t>Quarto nível</a:t>
+            </a:r>
+          </a:p>
+          <a:p>
+            <a:pPr lvl="4"/>
+            <a:r>
+              <a:rPr lang="pt-BR"/>
+              <a:t>Quinto nível</a:t>
+            </a:r>
+          </a:p>
+        </p:txBody>
+      </p:sp>
+      <p:sp>
+        <p:nvSpPr>
+          <p:cNvPr id="4" name="Espaço Reservado para Data 3">
+            <a:extLst>
+              <a:ext uri="{FF2B5EF4-FFF2-40B4-BE49-F238E27FC236}">
+                <a16:creationId xmlns:a16="http://schemas.microsoft.com/office/drawing/2014/main" id="{BC25BA04-3823-F783-84CE-F717AC26C71A}"/>
+              </a:ext>
+            </a:extLst>
+          </p:cNvPr>
+          <p:cNvSpPr>
+            <a:spLocks noGrp="1"/>
+          </p:cNvSpPr>
+          <p:nvPr>
+            <p:ph type="dt" sz="half" idx="10"/>
+          </p:nvPr>
+        </p:nvSpPr>
+        <p:spPr/>
+        <p:txBody>
+          <a:bodyPr/>
+          <a:lstStyle/>
+          <a:p>
+            <a:fld id="{DF3BA240-B913-406D-9931-D276DDAD6772}" type="datetimeFigureOut">
+              <a:rPr lang="pt-BR" smtClean="0"/>
+              <a:t>22/08/2023</a:t>
+            </a:fld>
+            <a:endParaRPr lang="pt-BR"/>
+          </a:p>
+        </p:txBody>
+      </p:sp>
+      <p:sp>
+        <p:nvSpPr>
+          <p:cNvPr id="5" name="Espaço Reservado para Rodapé 4">
+            <a:extLst>
+              <a:ext uri="{FF2B5EF4-FFF2-40B4-BE49-F238E27FC236}">
+                <a16:creationId xmlns:a16="http://schemas.microsoft.com/office/drawing/2014/main" id="{45C043EE-2991-DFC1-B7F7-DD7D6F790EA4}"/>
+              </a:ext>
+            </a:extLst>
+          </p:cNvPr>
+          <p:cNvSpPr>
+            <a:spLocks noGrp="1"/>
+          </p:cNvSpPr>
+          <p:nvPr>
+            <p:ph type="ftr" sz="quarter" idx="11"/>
+          </p:nvPr>
+        </p:nvSpPr>
+        <p:spPr/>
+        <p:txBody>
+          <a:bodyPr/>
+          <a:lstStyle/>
+          <a:p>
+            <a:endParaRPr lang="pt-BR"/>
+          </a:p>
+        </p:txBody>
+      </p:sp>
+      <p:sp>
+        <p:nvSpPr>
+          <p:cNvPr id="6" name="Espaço Reservado para Número de Slide 5">
+            <a:extLst>
+              <a:ext uri="{FF2B5EF4-FFF2-40B4-BE49-F238E27FC236}">
+                <a16:creationId xmlns:a16="http://schemas.microsoft.com/office/drawing/2014/main" id="{49ACCB1E-8EFE-E09B-A1B4-54CFA3D70259}"/>
+              </a:ext>
+            </a:extLst>
+          </p:cNvPr>
+          <p:cNvSpPr>
+            <a:spLocks noGrp="1"/>
+          </p:cNvSpPr>
+          <p:nvPr>
+            <p:ph type="sldNum" sz="quarter" idx="12"/>
+          </p:nvPr>
+        </p:nvSpPr>
+        <p:spPr/>
+        <p:txBody>
+          <a:bodyPr/>
+          <a:lstStyle/>
+          <a:p>
+            <a:fld id="{3B9F9B92-6EFB-407C-9F10-A4E1F585DE86}" type="slidenum">
+              <a:rPr lang="pt-BR" smtClean="0"/>
+              <a:t>‹nº›</a:t>
+            </a:fld>
+            <a:endParaRPr lang="pt-BR"/>
+          </a:p>
+        </p:txBody>
+      </p:sp>
+    </p:spTree>
+    <p:extLst>
+      <p:ext uri="{BB962C8B-B14F-4D97-AF65-F5344CB8AC3E}">
+        <p14:creationId xmlns:p14="http://schemas.microsoft.com/office/powerpoint/2010/main" val="259671482"/>
       </p:ext>
     </p:extLst>
   </p:cSld>
@@ -1144,7 +4063,7 @@
           <a:p>
             <a:fld id="{407848BC-D821-47B2-8F63-406C743A7E5A}" type="datetimeFigureOut">
               <a:rPr lang="pt-BR" smtClean="0"/>
-              <a:t>15/08/2023</a:t>
+              <a:t>22/08/2023</a:t>
             </a:fld>
             <a:endParaRPr lang="pt-BR"/>
           </a:p>
@@ -1409,7 +4328,7 @@
           <a:p>
             <a:fld id="{407848BC-D821-47B2-8F63-406C743A7E5A}" type="datetimeFigureOut">
               <a:rPr lang="pt-BR" smtClean="0"/>
-              <a:t>15/08/2023</a:t>
+              <a:t>22/08/2023</a:t>
             </a:fld>
             <a:endParaRPr lang="pt-BR"/>
           </a:p>
@@ -1821,7 +4740,7 @@
           <a:p>
             <a:fld id="{407848BC-D821-47B2-8F63-406C743A7E5A}" type="datetimeFigureOut">
               <a:rPr lang="pt-BR" smtClean="0"/>
-              <a:t>15/08/2023</a:t>
+              <a:t>22/08/2023</a:t>
             </a:fld>
             <a:endParaRPr lang="pt-BR"/>
           </a:p>
@@ -1895,6 +4814,147 @@
 </file>
 
 <file path=ppt/slideLayouts/slideLayout6.xml><?xml version="1.0" encoding="utf-8"?>
+<p:sldLayout xmlns:a="http://schemas.openxmlformats.org/drawingml/2006/main" xmlns:r="http://schemas.openxmlformats.org/officeDocument/2006/relationships" xmlns:p="http://schemas.openxmlformats.org/presentationml/2006/main" preserve="1" userDrawn="1">
+  <p:cSld name="Layout Personalizado">
+    <p:spTree>
+      <p:nvGrpSpPr>
+        <p:cNvPr id="1" name=""/>
+        <p:cNvGrpSpPr/>
+        <p:nvPr/>
+      </p:nvGrpSpPr>
+      <p:grpSpPr>
+        <a:xfrm>
+          <a:off x="0" y="0"/>
+          <a:ext cx="0" cy="0"/>
+          <a:chOff x="0" y="0"/>
+          <a:chExt cx="0" cy="0"/>
+        </a:xfrm>
+      </p:grpSpPr>
+      <p:sp>
+        <p:nvSpPr>
+          <p:cNvPr id="2" name="Título 1">
+            <a:extLst>
+              <a:ext uri="{FF2B5EF4-FFF2-40B4-BE49-F238E27FC236}">
+                <a16:creationId xmlns:a16="http://schemas.microsoft.com/office/drawing/2014/main" id="{F8C934E4-024E-6D6F-247C-2187C873E40E}"/>
+              </a:ext>
+            </a:extLst>
+          </p:cNvPr>
+          <p:cNvSpPr>
+            <a:spLocks noGrp="1"/>
+          </p:cNvSpPr>
+          <p:nvPr>
+            <p:ph type="title"/>
+          </p:nvPr>
+        </p:nvSpPr>
+        <p:spPr/>
+        <p:txBody>
+          <a:bodyPr/>
+          <a:lstStyle/>
+          <a:p>
+            <a:r>
+              <a:rPr lang="pt-BR"/>
+              <a:t>Clique para editar o título Mestre</a:t>
+            </a:r>
+          </a:p>
+        </p:txBody>
+      </p:sp>
+      <p:sp>
+        <p:nvSpPr>
+          <p:cNvPr id="3" name="Espaço Reservado para Data 2">
+            <a:extLst>
+              <a:ext uri="{FF2B5EF4-FFF2-40B4-BE49-F238E27FC236}">
+                <a16:creationId xmlns:a16="http://schemas.microsoft.com/office/drawing/2014/main" id="{1FBB5616-215D-7F9C-D9A0-303BEFB325B0}"/>
+              </a:ext>
+            </a:extLst>
+          </p:cNvPr>
+          <p:cNvSpPr>
+            <a:spLocks noGrp="1"/>
+          </p:cNvSpPr>
+          <p:nvPr>
+            <p:ph type="dt" sz="half" idx="10"/>
+          </p:nvPr>
+        </p:nvSpPr>
+        <p:spPr/>
+        <p:txBody>
+          <a:bodyPr/>
+          <a:lstStyle/>
+          <a:p>
+            <a:fld id="{407848BC-D821-47B2-8F63-406C743A7E5A}" type="datetimeFigureOut">
+              <a:rPr lang="pt-BR" smtClean="0"/>
+              <a:t>22/08/2023</a:t>
+            </a:fld>
+            <a:endParaRPr lang="pt-BR"/>
+          </a:p>
+        </p:txBody>
+      </p:sp>
+      <p:sp>
+        <p:nvSpPr>
+          <p:cNvPr id="4" name="Espaço Reservado para Rodapé 3">
+            <a:extLst>
+              <a:ext uri="{FF2B5EF4-FFF2-40B4-BE49-F238E27FC236}">
+                <a16:creationId xmlns:a16="http://schemas.microsoft.com/office/drawing/2014/main" id="{4A23D1FE-BDE3-9E2A-3725-7BBB43272DDC}"/>
+              </a:ext>
+            </a:extLst>
+          </p:cNvPr>
+          <p:cNvSpPr>
+            <a:spLocks noGrp="1"/>
+          </p:cNvSpPr>
+          <p:nvPr>
+            <p:ph type="ftr" sz="quarter" idx="11"/>
+          </p:nvPr>
+        </p:nvSpPr>
+        <p:spPr/>
+        <p:txBody>
+          <a:bodyPr/>
+          <a:lstStyle/>
+          <a:p>
+            <a:endParaRPr lang="pt-BR"/>
+          </a:p>
+        </p:txBody>
+      </p:sp>
+      <p:sp>
+        <p:nvSpPr>
+          <p:cNvPr id="5" name="Espaço Reservado para Número de Slide 4">
+            <a:extLst>
+              <a:ext uri="{FF2B5EF4-FFF2-40B4-BE49-F238E27FC236}">
+                <a16:creationId xmlns:a16="http://schemas.microsoft.com/office/drawing/2014/main" id="{5D6D63B2-906D-E43C-240E-FA182D0C1831}"/>
+              </a:ext>
+            </a:extLst>
+          </p:cNvPr>
+          <p:cNvSpPr>
+            <a:spLocks noGrp="1"/>
+          </p:cNvSpPr>
+          <p:nvPr>
+            <p:ph type="sldNum" sz="quarter" idx="12"/>
+          </p:nvPr>
+        </p:nvSpPr>
+        <p:spPr/>
+        <p:txBody>
+          <a:bodyPr/>
+          <a:lstStyle/>
+          <a:p>
+            <a:fld id="{19B8B17D-A58C-4715-9EF3-21DC5F2E2DE9}" type="slidenum">
+              <a:rPr lang="pt-BR" smtClean="0"/>
+              <a:t>‹nº›</a:t>
+            </a:fld>
+            <a:endParaRPr lang="pt-BR"/>
+          </a:p>
+        </p:txBody>
+      </p:sp>
+    </p:spTree>
+    <p:extLst>
+      <p:ext uri="{BB962C8B-B14F-4D97-AF65-F5344CB8AC3E}">
+        <p14:creationId xmlns:p14="http://schemas.microsoft.com/office/powerpoint/2010/main" val="4082836290"/>
+      </p:ext>
+    </p:extLst>
+  </p:cSld>
+  <p:clrMapOvr>
+    <a:masterClrMapping/>
+  </p:clrMapOvr>
+</p:sldLayout>
+</file>
+
+<file path=ppt/slideLayouts/slideLayout7.xml><?xml version="1.0" encoding="utf-8"?>
 <p:sldLayout xmlns:a="http://schemas.openxmlformats.org/drawingml/2006/main" xmlns:r="http://schemas.openxmlformats.org/officeDocument/2006/relationships" xmlns:p="http://schemas.openxmlformats.org/presentationml/2006/main" type="titleOnly" preserve="1">
   <p:cSld name="Somente Título">
     <p:spTree>
@@ -1962,7 +5022,7 @@
           <a:p>
             <a:fld id="{407848BC-D821-47B2-8F63-406C743A7E5A}" type="datetimeFigureOut">
               <a:rPr lang="pt-BR" smtClean="0"/>
-              <a:t>15/08/2023</a:t>
+              <a:t>22/08/2023</a:t>
             </a:fld>
             <a:endParaRPr lang="pt-BR"/>
           </a:p>
@@ -2035,7 +5095,7 @@
 </p:sldLayout>
 </file>
 
-<file path=ppt/slideLayouts/slideLayout7.xml><?xml version="1.0" encoding="utf-8"?>
+<file path=ppt/slideLayouts/slideLayout8.xml><?xml version="1.0" encoding="utf-8"?>
 <p:sldLayout xmlns:a="http://schemas.openxmlformats.org/drawingml/2006/main" xmlns:r="http://schemas.openxmlformats.org/officeDocument/2006/relationships" xmlns:p="http://schemas.openxmlformats.org/presentationml/2006/main" type="blank" preserve="1">
   <p:cSld name="Em Branco">
     <p:spTree>
@@ -2075,7 +5135,7 @@
           <a:p>
             <a:fld id="{407848BC-D821-47B2-8F63-406C743A7E5A}" type="datetimeFigureOut">
               <a:rPr lang="pt-BR" smtClean="0"/>
-              <a:t>15/08/2023</a:t>
+              <a:t>22/08/2023</a:t>
             </a:fld>
             <a:endParaRPr lang="pt-BR"/>
           </a:p>
@@ -2148,7 +5208,7 @@
 </p:sldLayout>
 </file>
 
-<file path=ppt/slideLayouts/slideLayout8.xml><?xml version="1.0" encoding="utf-8"?>
+<file path=ppt/slideLayouts/slideLayout9.xml><?xml version="1.0" encoding="utf-8"?>
 <p:sldLayout xmlns:a="http://schemas.openxmlformats.org/drawingml/2006/main" xmlns:r="http://schemas.openxmlformats.org/officeDocument/2006/relationships" xmlns:p="http://schemas.openxmlformats.org/presentationml/2006/main" type="objTx" preserve="1">
   <p:cSld name="Conteúdo com Legenda">
     <p:spTree>
@@ -2386,7 +5446,7 @@
           <a:p>
             <a:fld id="{407848BC-D821-47B2-8F63-406C743A7E5A}" type="datetimeFigureOut">
               <a:rPr lang="pt-BR" smtClean="0"/>
-              <a:t>15/08/2023</a:t>
+              <a:t>22/08/2023</a:t>
             </a:fld>
             <a:endParaRPr lang="pt-BR"/>
           </a:p>
@@ -2459,311 +5519,13 @@
 </p:sldLayout>
 </file>
 
-<file path=ppt/slideLayouts/slideLayout9.xml><?xml version="1.0" encoding="utf-8"?>
-<p:sldLayout xmlns:a="http://schemas.openxmlformats.org/drawingml/2006/main" xmlns:r="http://schemas.openxmlformats.org/officeDocument/2006/relationships" xmlns:p="http://schemas.openxmlformats.org/presentationml/2006/main" type="picTx" preserve="1">
-  <p:cSld name="Imagem com Legenda">
-    <p:spTree>
-      <p:nvGrpSpPr>
-        <p:cNvPr id="1" name=""/>
-        <p:cNvGrpSpPr/>
-        <p:nvPr/>
-      </p:nvGrpSpPr>
-      <p:grpSpPr>
-        <a:xfrm>
-          <a:off x="0" y="0"/>
-          <a:ext cx="0" cy="0"/>
-          <a:chOff x="0" y="0"/>
-          <a:chExt cx="0" cy="0"/>
-        </a:xfrm>
-      </p:grpSpPr>
-      <p:sp>
-        <p:nvSpPr>
-          <p:cNvPr id="2" name="Título 1">
-            <a:extLst>
-              <a:ext uri="{FF2B5EF4-FFF2-40B4-BE49-F238E27FC236}">
-                <a16:creationId xmlns:a16="http://schemas.microsoft.com/office/drawing/2014/main" id="{CB6662B5-ED71-B06D-968C-039ED0672D2D}"/>
-              </a:ext>
-            </a:extLst>
-          </p:cNvPr>
-          <p:cNvSpPr>
-            <a:spLocks noGrp="1"/>
-          </p:cNvSpPr>
-          <p:nvPr>
-            <p:ph type="title"/>
-          </p:nvPr>
-        </p:nvSpPr>
-        <p:spPr>
-          <a:xfrm>
-            <a:off x="839788" y="457200"/>
-            <a:ext cx="3932237" cy="1600200"/>
-          </a:xfrm>
-        </p:spPr>
-        <p:txBody>
-          <a:bodyPr anchor="b"/>
-          <a:lstStyle>
-            <a:lvl1pPr>
-              <a:defRPr sz="3200"/>
-            </a:lvl1pPr>
-          </a:lstStyle>
-          <a:p>
-            <a:r>
-              <a:rPr lang="pt-BR"/>
-              <a:t>Clique para editar o título Mestre</a:t>
-            </a:r>
-          </a:p>
-        </p:txBody>
-      </p:sp>
-      <p:sp>
-        <p:nvSpPr>
-          <p:cNvPr id="3" name="Espaço Reservado para Imagem 2">
-            <a:extLst>
-              <a:ext uri="{FF2B5EF4-FFF2-40B4-BE49-F238E27FC236}">
-                <a16:creationId xmlns:a16="http://schemas.microsoft.com/office/drawing/2014/main" id="{2F38D23A-D761-F945-906A-653D5590F66A}"/>
-              </a:ext>
-            </a:extLst>
-          </p:cNvPr>
-          <p:cNvSpPr>
-            <a:spLocks noGrp="1"/>
-          </p:cNvSpPr>
-          <p:nvPr>
-            <p:ph type="pic" idx="1"/>
-          </p:nvPr>
-        </p:nvSpPr>
-        <p:spPr>
-          <a:xfrm>
-            <a:off x="5183188" y="987425"/>
-            <a:ext cx="6172200" cy="4873625"/>
-          </a:xfrm>
-        </p:spPr>
-        <p:txBody>
-          <a:bodyPr/>
-          <a:lstStyle>
-            <a:lvl1pPr marL="0" indent="0">
-              <a:buNone/>
-              <a:defRPr sz="3200"/>
-            </a:lvl1pPr>
-            <a:lvl2pPr marL="457200" indent="0">
-              <a:buNone/>
-              <a:defRPr sz="2800"/>
-            </a:lvl2pPr>
-            <a:lvl3pPr marL="914400" indent="0">
-              <a:buNone/>
-              <a:defRPr sz="2400"/>
-            </a:lvl3pPr>
-            <a:lvl4pPr marL="1371600" indent="0">
-              <a:buNone/>
-              <a:defRPr sz="2000"/>
-            </a:lvl4pPr>
-            <a:lvl5pPr marL="1828800" indent="0">
-              <a:buNone/>
-              <a:defRPr sz="2000"/>
-            </a:lvl5pPr>
-            <a:lvl6pPr marL="2286000" indent="0">
-              <a:buNone/>
-              <a:defRPr sz="2000"/>
-            </a:lvl6pPr>
-            <a:lvl7pPr marL="2743200" indent="0">
-              <a:buNone/>
-              <a:defRPr sz="2000"/>
-            </a:lvl7pPr>
-            <a:lvl8pPr marL="3200400" indent="0">
-              <a:buNone/>
-              <a:defRPr sz="2000"/>
-            </a:lvl8pPr>
-            <a:lvl9pPr marL="3657600" indent="0">
-              <a:buNone/>
-              <a:defRPr sz="2000"/>
-            </a:lvl9pPr>
-          </a:lstStyle>
-          <a:p>
-            <a:endParaRPr lang="pt-BR"/>
-          </a:p>
-        </p:txBody>
-      </p:sp>
-      <p:sp>
-        <p:nvSpPr>
-          <p:cNvPr id="4" name="Espaço Reservado para Texto 3">
-            <a:extLst>
-              <a:ext uri="{FF2B5EF4-FFF2-40B4-BE49-F238E27FC236}">
-                <a16:creationId xmlns:a16="http://schemas.microsoft.com/office/drawing/2014/main" id="{3889AA67-6FD9-13A0-F0FB-6DDC3D9D6E26}"/>
-              </a:ext>
-            </a:extLst>
-          </p:cNvPr>
-          <p:cNvSpPr>
-            <a:spLocks noGrp="1"/>
-          </p:cNvSpPr>
-          <p:nvPr>
-            <p:ph type="body" sz="half" idx="2"/>
-          </p:nvPr>
-        </p:nvSpPr>
-        <p:spPr>
-          <a:xfrm>
-            <a:off x="839788" y="2057400"/>
-            <a:ext cx="3932237" cy="3811588"/>
-          </a:xfrm>
-        </p:spPr>
-        <p:txBody>
-          <a:bodyPr/>
-          <a:lstStyle>
-            <a:lvl1pPr marL="0" indent="0">
-              <a:buNone/>
-              <a:defRPr sz="1600"/>
-            </a:lvl1pPr>
-            <a:lvl2pPr marL="457200" indent="0">
-              <a:buNone/>
-              <a:defRPr sz="1400"/>
-            </a:lvl2pPr>
-            <a:lvl3pPr marL="914400" indent="0">
-              <a:buNone/>
-              <a:defRPr sz="1200"/>
-            </a:lvl3pPr>
-            <a:lvl4pPr marL="1371600" indent="0">
-              <a:buNone/>
-              <a:defRPr sz="1000"/>
-            </a:lvl4pPr>
-            <a:lvl5pPr marL="1828800" indent="0">
-              <a:buNone/>
-              <a:defRPr sz="1000"/>
-            </a:lvl5pPr>
-            <a:lvl6pPr marL="2286000" indent="0">
-              <a:buNone/>
-              <a:defRPr sz="1000"/>
-            </a:lvl6pPr>
-            <a:lvl7pPr marL="2743200" indent="0">
-              <a:buNone/>
-              <a:defRPr sz="1000"/>
-            </a:lvl7pPr>
-            <a:lvl8pPr marL="3200400" indent="0">
-              <a:buNone/>
-              <a:defRPr sz="1000"/>
-            </a:lvl8pPr>
-            <a:lvl9pPr marL="3657600" indent="0">
-              <a:buNone/>
-              <a:defRPr sz="1000"/>
-            </a:lvl9pPr>
-          </a:lstStyle>
-          <a:p>
-            <a:pPr lvl="0"/>
-            <a:r>
-              <a:rPr lang="pt-BR"/>
-              <a:t>Clique para editar os estilos de texto Mestres</a:t>
-            </a:r>
-          </a:p>
-        </p:txBody>
-      </p:sp>
-      <p:sp>
-        <p:nvSpPr>
-          <p:cNvPr id="5" name="Espaço Reservado para Data 4">
-            <a:extLst>
-              <a:ext uri="{FF2B5EF4-FFF2-40B4-BE49-F238E27FC236}">
-                <a16:creationId xmlns:a16="http://schemas.microsoft.com/office/drawing/2014/main" id="{5F07957F-519A-9856-010E-0AB4761E8B0D}"/>
-              </a:ext>
-            </a:extLst>
-          </p:cNvPr>
-          <p:cNvSpPr>
-            <a:spLocks noGrp="1"/>
-          </p:cNvSpPr>
-          <p:nvPr>
-            <p:ph type="dt" sz="half" idx="10"/>
-          </p:nvPr>
-        </p:nvSpPr>
-        <p:spPr/>
-        <p:txBody>
-          <a:bodyPr/>
-          <a:lstStyle/>
-          <a:p>
-            <a:fld id="{407848BC-D821-47B2-8F63-406C743A7E5A}" type="datetimeFigureOut">
-              <a:rPr lang="pt-BR" smtClean="0"/>
-              <a:t>15/08/2023</a:t>
-            </a:fld>
-            <a:endParaRPr lang="pt-BR"/>
-          </a:p>
-        </p:txBody>
-      </p:sp>
-      <p:sp>
-        <p:nvSpPr>
-          <p:cNvPr id="6" name="Espaço Reservado para Rodapé 5">
-            <a:extLst>
-              <a:ext uri="{FF2B5EF4-FFF2-40B4-BE49-F238E27FC236}">
-                <a16:creationId xmlns:a16="http://schemas.microsoft.com/office/drawing/2014/main" id="{B729DFA6-6A74-6083-37E2-0CBF8492E87F}"/>
-              </a:ext>
-            </a:extLst>
-          </p:cNvPr>
-          <p:cNvSpPr>
-            <a:spLocks noGrp="1"/>
-          </p:cNvSpPr>
-          <p:nvPr>
-            <p:ph type="ftr" sz="quarter" idx="11"/>
-          </p:nvPr>
-        </p:nvSpPr>
-        <p:spPr/>
-        <p:txBody>
-          <a:bodyPr/>
-          <a:lstStyle/>
-          <a:p>
-            <a:endParaRPr lang="pt-BR"/>
-          </a:p>
-        </p:txBody>
-      </p:sp>
-      <p:sp>
-        <p:nvSpPr>
-          <p:cNvPr id="7" name="Espaço Reservado para Número de Slide 6">
-            <a:extLst>
-              <a:ext uri="{FF2B5EF4-FFF2-40B4-BE49-F238E27FC236}">
-                <a16:creationId xmlns:a16="http://schemas.microsoft.com/office/drawing/2014/main" id="{9C01E03B-4E73-AFCA-E222-89D94A3E416E}"/>
-              </a:ext>
-            </a:extLst>
-          </p:cNvPr>
-          <p:cNvSpPr>
-            <a:spLocks noGrp="1"/>
-          </p:cNvSpPr>
-          <p:nvPr>
-            <p:ph type="sldNum" sz="quarter" idx="12"/>
-          </p:nvPr>
-        </p:nvSpPr>
-        <p:spPr/>
-        <p:txBody>
-          <a:bodyPr/>
-          <a:lstStyle/>
-          <a:p>
-            <a:fld id="{19B8B17D-A58C-4715-9EF3-21DC5F2E2DE9}" type="slidenum">
-              <a:rPr lang="pt-BR" smtClean="0"/>
-              <a:t>‹nº›</a:t>
-            </a:fld>
-            <a:endParaRPr lang="pt-BR"/>
-          </a:p>
-        </p:txBody>
-      </p:sp>
-    </p:spTree>
-    <p:extLst>
-      <p:ext uri="{BB962C8B-B14F-4D97-AF65-F5344CB8AC3E}">
-        <p14:creationId xmlns:p14="http://schemas.microsoft.com/office/powerpoint/2010/main" val="143031417"/>
-      </p:ext>
-    </p:extLst>
-  </p:cSld>
-  <p:clrMapOvr>
-    <a:masterClrMapping/>
-  </p:clrMapOvr>
-</p:sldLayout>
-</file>
-
 <file path=ppt/slideMasters/slideMaster1.xml><?xml version="1.0" encoding="utf-8"?>
 <p:sldMaster xmlns:a="http://schemas.openxmlformats.org/drawingml/2006/main" xmlns:r="http://schemas.openxmlformats.org/officeDocument/2006/relationships" xmlns:p="http://schemas.openxmlformats.org/presentationml/2006/main">
   <p:cSld>
     <p:bg>
-      <p:bgPr>
-        <a:blipFill dpi="0" rotWithShape="1">
-          <a:blip r:embed="rId13">
-            <a:alphaModFix amt="67000"/>
-            <a:lum/>
-          </a:blip>
-          <a:srcRect/>
-          <a:stretch>
-            <a:fillRect/>
-          </a:stretch>
-        </a:blipFill>
-        <a:effectLst/>
-      </p:bgPr>
+      <p:bgRef idx="1001">
+        <a:schemeClr val="bg1"/>
+      </p:bgRef>
     </p:bg>
     <p:spTree>
       <p:nvGrpSpPr>
@@ -2925,7 +5687,7 @@
           <a:p>
             <a:fld id="{407848BC-D821-47B2-8F63-406C743A7E5A}" type="datetimeFigureOut">
               <a:rPr lang="pt-BR" smtClean="0"/>
-              <a:t>15/08/2023</a:t>
+              <a:t>22/08/2023</a:t>
             </a:fld>
             <a:endParaRPr lang="pt-BR"/>
           </a:p>
@@ -3028,19 +5790,588 @@
       </p:ext>
     </p:extLst>
   </p:cSld>
-  <p:clrMap bg1="lt1" tx1="dk1" bg2="lt2" tx2="dk2" accent1="accent1" accent2="accent2" accent3="accent3" accent4="accent4" accent5="accent5" accent6="accent6" hlink="hlink" folHlink="folHlink"/>
+  <p:clrMap bg1="dk1" tx1="lt1" bg2="dk2" tx2="lt2" accent1="accent1" accent2="accent2" accent3="accent3" accent4="accent4" accent5="accent5" accent6="accent6" hlink="hlink" folHlink="folHlink"/>
   <p:sldLayoutIdLst>
     <p:sldLayoutId id="2147483649" r:id="rId1"/>
     <p:sldLayoutId id="2147483650" r:id="rId2"/>
     <p:sldLayoutId id="2147483651" r:id="rId3"/>
     <p:sldLayoutId id="2147483652" r:id="rId4"/>
     <p:sldLayoutId id="2147483653" r:id="rId5"/>
-    <p:sldLayoutId id="2147483654" r:id="rId6"/>
-    <p:sldLayoutId id="2147483655" r:id="rId7"/>
-    <p:sldLayoutId id="2147483656" r:id="rId8"/>
-    <p:sldLayoutId id="2147483657" r:id="rId9"/>
-    <p:sldLayoutId id="2147483658" r:id="rId10"/>
-    <p:sldLayoutId id="2147483659" r:id="rId11"/>
+    <p:sldLayoutId id="2147483672" r:id="rId6"/>
+    <p:sldLayoutId id="2147483654" r:id="rId7"/>
+    <p:sldLayoutId id="2147483655" r:id="rId8"/>
+    <p:sldLayoutId id="2147483656" r:id="rId9"/>
+    <p:sldLayoutId id="2147483657" r:id="rId10"/>
+    <p:sldLayoutId id="2147483658" r:id="rId11"/>
+    <p:sldLayoutId id="2147483659" r:id="rId12"/>
+  </p:sldLayoutIdLst>
+  <p:txStyles>
+    <p:titleStyle>
+      <a:lvl1pPr algn="l" defTabSz="914400" rtl="0" eaLnBrk="1" latinLnBrk="0" hangingPunct="1">
+        <a:lnSpc>
+          <a:spcPct val="90000"/>
+        </a:lnSpc>
+        <a:spcBef>
+          <a:spcPct val="0"/>
+        </a:spcBef>
+        <a:buNone/>
+        <a:defRPr sz="4400" kern="1200">
+          <a:solidFill>
+            <a:schemeClr val="tx1"/>
+          </a:solidFill>
+          <a:latin typeface="+mj-lt"/>
+          <a:ea typeface="+mj-ea"/>
+          <a:cs typeface="+mj-cs"/>
+        </a:defRPr>
+      </a:lvl1pPr>
+    </p:titleStyle>
+    <p:bodyStyle>
+      <a:lvl1pPr marL="228600" indent="-228600" algn="l" defTabSz="914400" rtl="0" eaLnBrk="1" latinLnBrk="0" hangingPunct="1">
+        <a:lnSpc>
+          <a:spcPct val="90000"/>
+        </a:lnSpc>
+        <a:spcBef>
+          <a:spcPts val="1000"/>
+        </a:spcBef>
+        <a:buFont typeface="Arial" panose="020B0604020202020204" pitchFamily="34" charset="0"/>
+        <a:buChar char="•"/>
+        <a:defRPr sz="2800" kern="1200">
+          <a:solidFill>
+            <a:schemeClr val="tx1"/>
+          </a:solidFill>
+          <a:latin typeface="+mn-lt"/>
+          <a:ea typeface="+mn-ea"/>
+          <a:cs typeface="+mn-cs"/>
+        </a:defRPr>
+      </a:lvl1pPr>
+      <a:lvl2pPr marL="685800" indent="-228600" algn="l" defTabSz="914400" rtl="0" eaLnBrk="1" latinLnBrk="0" hangingPunct="1">
+        <a:lnSpc>
+          <a:spcPct val="90000"/>
+        </a:lnSpc>
+        <a:spcBef>
+          <a:spcPts val="500"/>
+        </a:spcBef>
+        <a:buFont typeface="Arial" panose="020B0604020202020204" pitchFamily="34" charset="0"/>
+        <a:buChar char="•"/>
+        <a:defRPr sz="2400" kern="1200">
+          <a:solidFill>
+            <a:schemeClr val="tx1"/>
+          </a:solidFill>
+          <a:latin typeface="+mn-lt"/>
+          <a:ea typeface="+mn-ea"/>
+          <a:cs typeface="+mn-cs"/>
+        </a:defRPr>
+      </a:lvl2pPr>
+      <a:lvl3pPr marL="1143000" indent="-228600" algn="l" defTabSz="914400" rtl="0" eaLnBrk="1" latinLnBrk="0" hangingPunct="1">
+        <a:lnSpc>
+          <a:spcPct val="90000"/>
+        </a:lnSpc>
+        <a:spcBef>
+          <a:spcPts val="500"/>
+        </a:spcBef>
+        <a:buFont typeface="Arial" panose="020B0604020202020204" pitchFamily="34" charset="0"/>
+        <a:buChar char="•"/>
+        <a:defRPr sz="2000" kern="1200">
+          <a:solidFill>
+            <a:schemeClr val="tx1"/>
+          </a:solidFill>
+          <a:latin typeface="+mn-lt"/>
+          <a:ea typeface="+mn-ea"/>
+          <a:cs typeface="+mn-cs"/>
+        </a:defRPr>
+      </a:lvl3pPr>
+      <a:lvl4pPr marL="1600200" indent="-228600" algn="l" defTabSz="914400" rtl="0" eaLnBrk="1" latinLnBrk="0" hangingPunct="1">
+        <a:lnSpc>
+          <a:spcPct val="90000"/>
+        </a:lnSpc>
+        <a:spcBef>
+          <a:spcPts val="500"/>
+        </a:spcBef>
+        <a:buFont typeface="Arial" panose="020B0604020202020204" pitchFamily="34" charset="0"/>
+        <a:buChar char="•"/>
+        <a:defRPr sz="1800" kern="1200">
+          <a:solidFill>
+            <a:schemeClr val="tx1"/>
+          </a:solidFill>
+          <a:latin typeface="+mn-lt"/>
+          <a:ea typeface="+mn-ea"/>
+          <a:cs typeface="+mn-cs"/>
+        </a:defRPr>
+      </a:lvl4pPr>
+      <a:lvl5pPr marL="2057400" indent="-228600" algn="l" defTabSz="914400" rtl="0" eaLnBrk="1" latinLnBrk="0" hangingPunct="1">
+        <a:lnSpc>
+          <a:spcPct val="90000"/>
+        </a:lnSpc>
+        <a:spcBef>
+          <a:spcPts val="500"/>
+        </a:spcBef>
+        <a:buFont typeface="Arial" panose="020B0604020202020204" pitchFamily="34" charset="0"/>
+        <a:buChar char="•"/>
+        <a:defRPr sz="1800" kern="1200">
+          <a:solidFill>
+            <a:schemeClr val="tx1"/>
+          </a:solidFill>
+          <a:latin typeface="+mn-lt"/>
+          <a:ea typeface="+mn-ea"/>
+          <a:cs typeface="+mn-cs"/>
+        </a:defRPr>
+      </a:lvl5pPr>
+      <a:lvl6pPr marL="2514600" indent="-228600" algn="l" defTabSz="914400" rtl="0" eaLnBrk="1" latinLnBrk="0" hangingPunct="1">
+        <a:lnSpc>
+          <a:spcPct val="90000"/>
+        </a:lnSpc>
+        <a:spcBef>
+          <a:spcPts val="500"/>
+        </a:spcBef>
+        <a:buFont typeface="Arial" panose="020B0604020202020204" pitchFamily="34" charset="0"/>
+        <a:buChar char="•"/>
+        <a:defRPr sz="1800" kern="1200">
+          <a:solidFill>
+            <a:schemeClr val="tx1"/>
+          </a:solidFill>
+          <a:latin typeface="+mn-lt"/>
+          <a:ea typeface="+mn-ea"/>
+          <a:cs typeface="+mn-cs"/>
+        </a:defRPr>
+      </a:lvl6pPr>
+      <a:lvl7pPr marL="2971800" indent="-228600" algn="l" defTabSz="914400" rtl="0" eaLnBrk="1" latinLnBrk="0" hangingPunct="1">
+        <a:lnSpc>
+          <a:spcPct val="90000"/>
+        </a:lnSpc>
+        <a:spcBef>
+          <a:spcPts val="500"/>
+        </a:spcBef>
+        <a:buFont typeface="Arial" panose="020B0604020202020204" pitchFamily="34" charset="0"/>
+        <a:buChar char="•"/>
+        <a:defRPr sz="1800" kern="1200">
+          <a:solidFill>
+            <a:schemeClr val="tx1"/>
+          </a:solidFill>
+          <a:latin typeface="+mn-lt"/>
+          <a:ea typeface="+mn-ea"/>
+          <a:cs typeface="+mn-cs"/>
+        </a:defRPr>
+      </a:lvl7pPr>
+      <a:lvl8pPr marL="3429000" indent="-228600" algn="l" defTabSz="914400" rtl="0" eaLnBrk="1" latinLnBrk="0" hangingPunct="1">
+        <a:lnSpc>
+          <a:spcPct val="90000"/>
+        </a:lnSpc>
+        <a:spcBef>
+          <a:spcPts val="500"/>
+        </a:spcBef>
+        <a:buFont typeface="Arial" panose="020B0604020202020204" pitchFamily="34" charset="0"/>
+        <a:buChar char="•"/>
+        <a:defRPr sz="1800" kern="1200">
+          <a:solidFill>
+            <a:schemeClr val="tx1"/>
+          </a:solidFill>
+          <a:latin typeface="+mn-lt"/>
+          <a:ea typeface="+mn-ea"/>
+          <a:cs typeface="+mn-cs"/>
+        </a:defRPr>
+      </a:lvl8pPr>
+      <a:lvl9pPr marL="3886200" indent="-228600" algn="l" defTabSz="914400" rtl="0" eaLnBrk="1" latinLnBrk="0" hangingPunct="1">
+        <a:lnSpc>
+          <a:spcPct val="90000"/>
+        </a:lnSpc>
+        <a:spcBef>
+          <a:spcPts val="500"/>
+        </a:spcBef>
+        <a:buFont typeface="Arial" panose="020B0604020202020204" pitchFamily="34" charset="0"/>
+        <a:buChar char="•"/>
+        <a:defRPr sz="1800" kern="1200">
+          <a:solidFill>
+            <a:schemeClr val="tx1"/>
+          </a:solidFill>
+          <a:latin typeface="+mn-lt"/>
+          <a:ea typeface="+mn-ea"/>
+          <a:cs typeface="+mn-cs"/>
+        </a:defRPr>
+      </a:lvl9pPr>
+    </p:bodyStyle>
+    <p:otherStyle>
+      <a:defPPr>
+        <a:defRPr lang="pt-BR"/>
+      </a:defPPr>
+      <a:lvl1pPr marL="0" algn="l" defTabSz="914400" rtl="0" eaLnBrk="1" latinLnBrk="0" hangingPunct="1">
+        <a:defRPr sz="1800" kern="1200">
+          <a:solidFill>
+            <a:schemeClr val="tx1"/>
+          </a:solidFill>
+          <a:latin typeface="+mn-lt"/>
+          <a:ea typeface="+mn-ea"/>
+          <a:cs typeface="+mn-cs"/>
+        </a:defRPr>
+      </a:lvl1pPr>
+      <a:lvl2pPr marL="457200" algn="l" defTabSz="914400" rtl="0" eaLnBrk="1" latinLnBrk="0" hangingPunct="1">
+        <a:defRPr sz="1800" kern="1200">
+          <a:solidFill>
+            <a:schemeClr val="tx1"/>
+          </a:solidFill>
+          <a:latin typeface="+mn-lt"/>
+          <a:ea typeface="+mn-ea"/>
+          <a:cs typeface="+mn-cs"/>
+        </a:defRPr>
+      </a:lvl2pPr>
+      <a:lvl3pPr marL="914400" algn="l" defTabSz="914400" rtl="0" eaLnBrk="1" latinLnBrk="0" hangingPunct="1">
+        <a:defRPr sz="1800" kern="1200">
+          <a:solidFill>
+            <a:schemeClr val="tx1"/>
+          </a:solidFill>
+          <a:latin typeface="+mn-lt"/>
+          <a:ea typeface="+mn-ea"/>
+          <a:cs typeface="+mn-cs"/>
+        </a:defRPr>
+      </a:lvl3pPr>
+      <a:lvl4pPr marL="1371600" algn="l" defTabSz="914400" rtl="0" eaLnBrk="1" latinLnBrk="0" hangingPunct="1">
+        <a:defRPr sz="1800" kern="1200">
+          <a:solidFill>
+            <a:schemeClr val="tx1"/>
+          </a:solidFill>
+          <a:latin typeface="+mn-lt"/>
+          <a:ea typeface="+mn-ea"/>
+          <a:cs typeface="+mn-cs"/>
+        </a:defRPr>
+      </a:lvl4pPr>
+      <a:lvl5pPr marL="1828800" algn="l" defTabSz="914400" rtl="0" eaLnBrk="1" latinLnBrk="0" hangingPunct="1">
+        <a:defRPr sz="1800" kern="1200">
+          <a:solidFill>
+            <a:schemeClr val="tx1"/>
+          </a:solidFill>
+          <a:latin typeface="+mn-lt"/>
+          <a:ea typeface="+mn-ea"/>
+          <a:cs typeface="+mn-cs"/>
+        </a:defRPr>
+      </a:lvl5pPr>
+      <a:lvl6pPr marL="2286000" algn="l" defTabSz="914400" rtl="0" eaLnBrk="1" latinLnBrk="0" hangingPunct="1">
+        <a:defRPr sz="1800" kern="1200">
+          <a:solidFill>
+            <a:schemeClr val="tx1"/>
+          </a:solidFill>
+          <a:latin typeface="+mn-lt"/>
+          <a:ea typeface="+mn-ea"/>
+          <a:cs typeface="+mn-cs"/>
+        </a:defRPr>
+      </a:lvl6pPr>
+      <a:lvl7pPr marL="2743200" algn="l" defTabSz="914400" rtl="0" eaLnBrk="1" latinLnBrk="0" hangingPunct="1">
+        <a:defRPr sz="1800" kern="1200">
+          <a:solidFill>
+            <a:schemeClr val="tx1"/>
+          </a:solidFill>
+          <a:latin typeface="+mn-lt"/>
+          <a:ea typeface="+mn-ea"/>
+          <a:cs typeface="+mn-cs"/>
+        </a:defRPr>
+      </a:lvl7pPr>
+      <a:lvl8pPr marL="3200400" algn="l" defTabSz="914400" rtl="0" eaLnBrk="1" latinLnBrk="0" hangingPunct="1">
+        <a:defRPr sz="1800" kern="1200">
+          <a:solidFill>
+            <a:schemeClr val="tx1"/>
+          </a:solidFill>
+          <a:latin typeface="+mn-lt"/>
+          <a:ea typeface="+mn-ea"/>
+          <a:cs typeface="+mn-cs"/>
+        </a:defRPr>
+      </a:lvl8pPr>
+      <a:lvl9pPr marL="3657600" algn="l" defTabSz="914400" rtl="0" eaLnBrk="1" latinLnBrk="0" hangingPunct="1">
+        <a:defRPr sz="1800" kern="1200">
+          <a:solidFill>
+            <a:schemeClr val="tx1"/>
+          </a:solidFill>
+          <a:latin typeface="+mn-lt"/>
+          <a:ea typeface="+mn-ea"/>
+          <a:cs typeface="+mn-cs"/>
+        </a:defRPr>
+      </a:lvl9pPr>
+    </p:otherStyle>
+  </p:txStyles>
+</p:sldMaster>
+</file>
+
+<file path=ppt/slideMasters/slideMaster2.xml><?xml version="1.0" encoding="utf-8"?>
+<p:sldMaster xmlns:a="http://schemas.openxmlformats.org/drawingml/2006/main" xmlns:r="http://schemas.openxmlformats.org/officeDocument/2006/relationships" xmlns:p="http://schemas.openxmlformats.org/presentationml/2006/main" preserve="1">
+  <p:cSld>
+    <p:bg>
+      <p:bgRef idx="1001">
+        <a:schemeClr val="bg1"/>
+      </p:bgRef>
+    </p:bg>
+    <p:spTree>
+      <p:nvGrpSpPr>
+        <p:cNvPr id="1" name=""/>
+        <p:cNvGrpSpPr/>
+        <p:nvPr/>
+      </p:nvGrpSpPr>
+      <p:grpSpPr>
+        <a:xfrm>
+          <a:off x="0" y="0"/>
+          <a:ext cx="0" cy="0"/>
+          <a:chOff x="0" y="0"/>
+          <a:chExt cx="0" cy="0"/>
+        </a:xfrm>
+      </p:grpSpPr>
+      <p:sp>
+        <p:nvSpPr>
+          <p:cNvPr id="2" name="Espaço Reservado para Título 1">
+            <a:extLst>
+              <a:ext uri="{FF2B5EF4-FFF2-40B4-BE49-F238E27FC236}">
+                <a16:creationId xmlns:a16="http://schemas.microsoft.com/office/drawing/2014/main" id="{5F2E995E-2E50-97E1-8FEE-25E219BEE932}"/>
+              </a:ext>
+            </a:extLst>
+          </p:cNvPr>
+          <p:cNvSpPr>
+            <a:spLocks noGrp="1"/>
+          </p:cNvSpPr>
+          <p:nvPr>
+            <p:ph type="title"/>
+          </p:nvPr>
+        </p:nvSpPr>
+        <p:spPr>
+          <a:xfrm>
+            <a:off x="838200" y="365125"/>
+            <a:ext cx="10515600" cy="1325563"/>
+          </a:xfrm>
+          <a:prstGeom prst="rect">
+            <a:avLst/>
+          </a:prstGeom>
+        </p:spPr>
+        <p:txBody>
+          <a:bodyPr vert="horz" lIns="91440" tIns="45720" rIns="91440" bIns="45720" rtlCol="0" anchor="ctr">
+            <a:normAutofit/>
+          </a:bodyPr>
+          <a:lstStyle/>
+          <a:p>
+            <a:r>
+              <a:rPr lang="pt-BR"/>
+              <a:t>Clique para editar o título Mestre</a:t>
+            </a:r>
+          </a:p>
+        </p:txBody>
+      </p:sp>
+      <p:sp>
+        <p:nvSpPr>
+          <p:cNvPr id="3" name="Espaço Reservado para Texto 2">
+            <a:extLst>
+              <a:ext uri="{FF2B5EF4-FFF2-40B4-BE49-F238E27FC236}">
+                <a16:creationId xmlns:a16="http://schemas.microsoft.com/office/drawing/2014/main" id="{68CC0FDD-C84F-849D-FB30-71CF2ED9C1EA}"/>
+              </a:ext>
+            </a:extLst>
+          </p:cNvPr>
+          <p:cNvSpPr>
+            <a:spLocks noGrp="1"/>
+          </p:cNvSpPr>
+          <p:nvPr>
+            <p:ph type="body" idx="1"/>
+          </p:nvPr>
+        </p:nvSpPr>
+        <p:spPr>
+          <a:xfrm>
+            <a:off x="838200" y="1825625"/>
+            <a:ext cx="10515600" cy="4351338"/>
+          </a:xfrm>
+          <a:prstGeom prst="rect">
+            <a:avLst/>
+          </a:prstGeom>
+        </p:spPr>
+        <p:txBody>
+          <a:bodyPr vert="horz" lIns="91440" tIns="45720" rIns="91440" bIns="45720" rtlCol="0">
+            <a:normAutofit/>
+          </a:bodyPr>
+          <a:lstStyle/>
+          <a:p>
+            <a:pPr lvl="0"/>
+            <a:r>
+              <a:rPr lang="pt-BR"/>
+              <a:t>Clique para editar os estilos de texto Mestres</a:t>
+            </a:r>
+          </a:p>
+          <a:p>
+            <a:pPr lvl="1"/>
+            <a:r>
+              <a:rPr lang="pt-BR"/>
+              <a:t>Segundo nível</a:t>
+            </a:r>
+          </a:p>
+          <a:p>
+            <a:pPr lvl="2"/>
+            <a:r>
+              <a:rPr lang="pt-BR"/>
+              <a:t>Terceiro nível</a:t>
+            </a:r>
+          </a:p>
+          <a:p>
+            <a:pPr lvl="3"/>
+            <a:r>
+              <a:rPr lang="pt-BR"/>
+              <a:t>Quarto nível</a:t>
+            </a:r>
+          </a:p>
+          <a:p>
+            <a:pPr lvl="4"/>
+            <a:r>
+              <a:rPr lang="pt-BR"/>
+              <a:t>Quinto nível</a:t>
+            </a:r>
+          </a:p>
+        </p:txBody>
+      </p:sp>
+      <p:sp>
+        <p:nvSpPr>
+          <p:cNvPr id="4" name="Espaço Reservado para Data 3">
+            <a:extLst>
+              <a:ext uri="{FF2B5EF4-FFF2-40B4-BE49-F238E27FC236}">
+                <a16:creationId xmlns:a16="http://schemas.microsoft.com/office/drawing/2014/main" id="{B498416D-4DF3-0A84-0941-66316E8EA79C}"/>
+              </a:ext>
+            </a:extLst>
+          </p:cNvPr>
+          <p:cNvSpPr>
+            <a:spLocks noGrp="1"/>
+          </p:cNvSpPr>
+          <p:nvPr>
+            <p:ph type="dt" sz="half" idx="2"/>
+          </p:nvPr>
+        </p:nvSpPr>
+        <p:spPr>
+          <a:xfrm>
+            <a:off x="838200" y="6356350"/>
+            <a:ext cx="2743200" cy="365125"/>
+          </a:xfrm>
+          <a:prstGeom prst="rect">
+            <a:avLst/>
+          </a:prstGeom>
+        </p:spPr>
+        <p:txBody>
+          <a:bodyPr vert="horz" lIns="91440" tIns="45720" rIns="91440" bIns="45720" rtlCol="0" anchor="ctr"/>
+          <a:lstStyle>
+            <a:lvl1pPr algn="l">
+              <a:defRPr sz="1200">
+                <a:solidFill>
+                  <a:schemeClr val="tx1">
+                    <a:tint val="75000"/>
+                  </a:schemeClr>
+                </a:solidFill>
+              </a:defRPr>
+            </a:lvl1pPr>
+          </a:lstStyle>
+          <a:p>
+            <a:fld id="{DF3BA240-B913-406D-9931-D276DDAD6772}" type="datetimeFigureOut">
+              <a:rPr lang="pt-BR" smtClean="0"/>
+              <a:t>22/08/2023</a:t>
+            </a:fld>
+            <a:endParaRPr lang="pt-BR"/>
+          </a:p>
+        </p:txBody>
+      </p:sp>
+      <p:sp>
+        <p:nvSpPr>
+          <p:cNvPr id="5" name="Espaço Reservado para Rodapé 4">
+            <a:extLst>
+              <a:ext uri="{FF2B5EF4-FFF2-40B4-BE49-F238E27FC236}">
+                <a16:creationId xmlns:a16="http://schemas.microsoft.com/office/drawing/2014/main" id="{57EC59E0-8D78-103E-673B-77D5B8B2155B}"/>
+              </a:ext>
+            </a:extLst>
+          </p:cNvPr>
+          <p:cNvSpPr>
+            <a:spLocks noGrp="1"/>
+          </p:cNvSpPr>
+          <p:nvPr>
+            <p:ph type="ftr" sz="quarter" idx="3"/>
+          </p:nvPr>
+        </p:nvSpPr>
+        <p:spPr>
+          <a:xfrm>
+            <a:off x="4038600" y="6356350"/>
+            <a:ext cx="4114800" cy="365125"/>
+          </a:xfrm>
+          <a:prstGeom prst="rect">
+            <a:avLst/>
+          </a:prstGeom>
+        </p:spPr>
+        <p:txBody>
+          <a:bodyPr vert="horz" lIns="91440" tIns="45720" rIns="91440" bIns="45720" rtlCol="0" anchor="ctr"/>
+          <a:lstStyle>
+            <a:lvl1pPr algn="ctr">
+              <a:defRPr sz="1200">
+                <a:solidFill>
+                  <a:schemeClr val="tx1">
+                    <a:tint val="75000"/>
+                  </a:schemeClr>
+                </a:solidFill>
+              </a:defRPr>
+            </a:lvl1pPr>
+          </a:lstStyle>
+          <a:p>
+            <a:endParaRPr lang="pt-BR"/>
+          </a:p>
+        </p:txBody>
+      </p:sp>
+      <p:sp>
+        <p:nvSpPr>
+          <p:cNvPr id="6" name="Espaço Reservado para Número de Slide 5">
+            <a:extLst>
+              <a:ext uri="{FF2B5EF4-FFF2-40B4-BE49-F238E27FC236}">
+                <a16:creationId xmlns:a16="http://schemas.microsoft.com/office/drawing/2014/main" id="{076B74CD-D24B-A4F4-08B8-2D9F55580EF6}"/>
+              </a:ext>
+            </a:extLst>
+          </p:cNvPr>
+          <p:cNvSpPr>
+            <a:spLocks noGrp="1"/>
+          </p:cNvSpPr>
+          <p:nvPr>
+            <p:ph type="sldNum" sz="quarter" idx="4"/>
+          </p:nvPr>
+        </p:nvSpPr>
+        <p:spPr>
+          <a:xfrm>
+            <a:off x="8610600" y="6356350"/>
+            <a:ext cx="2743200" cy="365125"/>
+          </a:xfrm>
+          <a:prstGeom prst="rect">
+            <a:avLst/>
+          </a:prstGeom>
+        </p:spPr>
+        <p:txBody>
+          <a:bodyPr vert="horz" lIns="91440" tIns="45720" rIns="91440" bIns="45720" rtlCol="0" anchor="ctr"/>
+          <a:lstStyle>
+            <a:lvl1pPr algn="r">
+              <a:defRPr sz="1200">
+                <a:solidFill>
+                  <a:schemeClr val="tx1">
+                    <a:tint val="75000"/>
+                  </a:schemeClr>
+                </a:solidFill>
+              </a:defRPr>
+            </a:lvl1pPr>
+          </a:lstStyle>
+          <a:p>
+            <a:fld id="{3B9F9B92-6EFB-407C-9F10-A4E1F585DE86}" type="slidenum">
+              <a:rPr lang="pt-BR" smtClean="0"/>
+              <a:t>‹nº›</a:t>
+            </a:fld>
+            <a:endParaRPr lang="pt-BR"/>
+          </a:p>
+        </p:txBody>
+      </p:sp>
+    </p:spTree>
+    <p:extLst>
+      <p:ext uri="{BB962C8B-B14F-4D97-AF65-F5344CB8AC3E}">
+        <p14:creationId xmlns:p14="http://schemas.microsoft.com/office/powerpoint/2010/main" val="3599608074"/>
+      </p:ext>
+    </p:extLst>
+  </p:cSld>
+  <p:clrMap bg1="lt1" tx1="dk1" bg2="lt2" tx2="dk2" accent1="accent1" accent2="accent2" accent3="accent3" accent4="accent4" accent5="accent5" accent6="accent6" hlink="hlink" folHlink="folHlink"/>
+  <p:sldLayoutIdLst>
+    <p:sldLayoutId id="2147483661" r:id="rId1"/>
+    <p:sldLayoutId id="2147483662" r:id="rId2"/>
+    <p:sldLayoutId id="2147483663" r:id="rId3"/>
+    <p:sldLayoutId id="2147483664" r:id="rId4"/>
+    <p:sldLayoutId id="2147483665" r:id="rId5"/>
+    <p:sldLayoutId id="2147483666" r:id="rId6"/>
+    <p:sldLayoutId id="2147483667" r:id="rId7"/>
+    <p:sldLayoutId id="2147483668" r:id="rId8"/>
+    <p:sldLayoutId id="2147483669" r:id="rId9"/>
+    <p:sldLayoutId id="2147483670" r:id="rId10"/>
+    <p:sldLayoutId id="2147483671" r:id="rId11"/>
   </p:sldLayoutIdLst>
   <p:txStyles>
     <p:titleStyle>
@@ -3350,12 +6681,12 @@
           <a:chExt cx="0" cy="0"/>
         </a:xfrm>
       </p:grpSpPr>
-      <p:sp>
-        <p:nvSpPr>
-          <p:cNvPr id="12" name="Rectangle 11">
-            <a:extLst>
-              <a:ext uri="{FF2B5EF4-FFF2-40B4-BE49-F238E27FC236}">
-                <a16:creationId xmlns:a16="http://schemas.microsoft.com/office/drawing/2014/main" id="{E8A8EAB8-D2FF-444D-B34B-7D32F106AD0E}"/>
+      <p:sp useBgFill="1">
+        <p:nvSpPr>
+          <p:cNvPr id="24" name="Rectangle 23">
+            <a:extLst>
+              <a:ext uri="{FF2B5EF4-FFF2-40B4-BE49-F238E27FC236}">
+                <a16:creationId xmlns:a16="http://schemas.microsoft.com/office/drawing/2014/main" id="{6EFC920F-B85A-4068-BD93-41064EDE93D3}"/>
               </a:ext>
               <a:ext uri="{C183D7F6-B498-43B3-948B-1728B52AA6E4}">
                 <adec:decorative xmlns:adec="http://schemas.microsoft.com/office/drawing/2017/decorative" val="1"/>
@@ -3376,16 +6707,331 @@
         <p:spPr>
           <a:xfrm>
             <a:off x="0" y="0"/>
-            <a:ext cx="12192000" cy="6858000"/>
+            <a:ext cx="12191999" cy="6857365"/>
+          </a:xfrm>
+          <a:prstGeom prst="rect">
+            <a:avLst/>
+          </a:prstGeom>
+          <a:ln>
+            <a:noFill/>
+          </a:ln>
+        </p:spPr>
+        <p:style>
+          <a:lnRef idx="2">
+            <a:schemeClr val="accent1">
+              <a:shade val="50000"/>
+            </a:schemeClr>
+          </a:lnRef>
+          <a:fillRef idx="1">
+            <a:schemeClr val="accent1"/>
+          </a:fillRef>
+          <a:effectRef idx="0">
+            <a:schemeClr val="accent1"/>
+          </a:effectRef>
+          <a:fontRef idx="minor">
+            <a:schemeClr val="lt1"/>
+          </a:fontRef>
+        </p:style>
+        <p:txBody>
+          <a:bodyPr rtlCol="0" anchor="ctr"/>
+          <a:lstStyle/>
+          <a:p>
+            <a:pPr algn="ctr"/>
+            <a:endParaRPr lang="en-US"/>
+          </a:p>
+        </p:txBody>
+      </p:sp>
+      <p:grpSp>
+        <p:nvGrpSpPr>
+          <p:cNvPr id="26" name="Group 25">
+            <a:extLst>
+              <a:ext uri="{FF2B5EF4-FFF2-40B4-BE49-F238E27FC236}">
+                <a16:creationId xmlns:a16="http://schemas.microsoft.com/office/drawing/2014/main" id="{1C559108-BBAE-426C-8564-051D2BA6DDC8}"/>
+              </a:ext>
+              <a:ext uri="{C183D7F6-B498-43B3-948B-1728B52AA6E4}">
+                <adec:decorative xmlns:adec="http://schemas.microsoft.com/office/drawing/2017/decorative" val="1"/>
+              </a:ext>
+            </a:extLst>
+          </p:cNvPr>
+          <p:cNvGrpSpPr>
+            <a:grpSpLocks noGrp="1" noUngrp="1" noRot="1" noChangeAspect="1" noMove="1" noResize="1"/>
+          </p:cNvGrpSpPr>
+          <p:nvPr>
+            <p:extLst>
+              <p:ext uri="{386F3935-93C4-4BCD-93E2-E3B085C9AB24}">
+                <p16:designElem xmlns:p16="http://schemas.microsoft.com/office/powerpoint/2015/main" val="1"/>
+              </p:ext>
+            </p:extLst>
+          </p:nvPr>
+        </p:nvGrpSpPr>
+        <p:grpSpPr>
+          <a:xfrm rot="5400000">
+            <a:off x="-2340441" y="2666183"/>
+            <a:ext cx="5860051" cy="527712"/>
+            <a:chOff x="6081624" y="1998368"/>
+            <a:chExt cx="5613457" cy="782175"/>
+          </a:xfrm>
+          <a:solidFill>
+            <a:schemeClr val="accent4"/>
+          </a:solidFill>
+        </p:grpSpPr>
+        <p:sp>
+          <p:nvSpPr>
+            <p:cNvPr id="27" name="Rectangle 26">
+              <a:extLst>
+                <a:ext uri="{FF2B5EF4-FFF2-40B4-BE49-F238E27FC236}">
+                  <a16:creationId xmlns:a16="http://schemas.microsoft.com/office/drawing/2014/main" id="{42BC35EE-6650-42D2-AEFB-4B7CD1AFC9BD}"/>
+                </a:ext>
+                <a:ext uri="{C183D7F6-B498-43B3-948B-1728B52AA6E4}">
+                  <adec:decorative xmlns:adec="http://schemas.microsoft.com/office/drawing/2017/decorative" val="1"/>
+                </a:ext>
+              </a:extLst>
+            </p:cNvPr>
+            <p:cNvSpPr/>
+            <p:nvPr>
+              <p:extLst>
+                <p:ext uri="{386F3935-93C4-4BCD-93E2-E3B085C9AB24}">
+                  <p16:designElem xmlns:p16="http://schemas.microsoft.com/office/powerpoint/2015/main" val="1"/>
+                </p:ext>
+              </p:extLst>
+            </p:nvPr>
+          </p:nvSpPr>
+          <p:spPr>
+            <a:xfrm rot="5400000">
+              <a:off x="11228040" y="2313027"/>
+              <a:ext cx="781700" cy="152382"/>
+            </a:xfrm>
+            <a:prstGeom prst="rect">
+              <a:avLst/>
+            </a:prstGeom>
+            <a:grpFill/>
+            <a:ln>
+              <a:noFill/>
+            </a:ln>
+          </p:spPr>
+          <p:style>
+            <a:lnRef idx="2">
+              <a:schemeClr val="accent1">
+                <a:shade val="50000"/>
+              </a:schemeClr>
+            </a:lnRef>
+            <a:fillRef idx="1">
+              <a:schemeClr val="accent1"/>
+            </a:fillRef>
+            <a:effectRef idx="0">
+              <a:schemeClr val="accent1"/>
+            </a:effectRef>
+            <a:fontRef idx="minor">
+              <a:schemeClr val="lt1"/>
+            </a:fontRef>
+          </p:style>
+          <p:txBody>
+            <a:bodyPr rtlCol="0" anchor="ctr"/>
+            <a:lstStyle/>
+            <a:p>
+              <a:pPr algn="ctr"/>
+              <a:endParaRPr lang="en-US"/>
+            </a:p>
+          </p:txBody>
+        </p:sp>
+        <p:sp>
+          <p:nvSpPr>
+            <p:cNvPr id="28" name="Rectangle 27">
+              <a:extLst>
+                <a:ext uri="{FF2B5EF4-FFF2-40B4-BE49-F238E27FC236}">
+                  <a16:creationId xmlns:a16="http://schemas.microsoft.com/office/drawing/2014/main" id="{0952C743-9049-4DFB-878B-2AB07B6E4FD1}"/>
+                </a:ext>
+                <a:ext uri="{C183D7F6-B498-43B3-948B-1728B52AA6E4}">
+                  <adec:decorative xmlns:adec="http://schemas.microsoft.com/office/drawing/2017/decorative" val="1"/>
+                </a:ext>
+              </a:extLst>
+            </p:cNvPr>
+            <p:cNvSpPr/>
+            <p:nvPr>
+              <p:extLst>
+                <p:ext uri="{386F3935-93C4-4BCD-93E2-E3B085C9AB24}">
+                  <p16:designElem xmlns:p16="http://schemas.microsoft.com/office/powerpoint/2015/main" val="1"/>
+                </p:ext>
+              </p:extLst>
+            </p:nvPr>
+          </p:nvSpPr>
+          <p:spPr>
+            <a:xfrm flipH="1" flipV="1">
+              <a:off x="6081624" y="1998844"/>
+              <a:ext cx="5372968" cy="781699"/>
+            </a:xfrm>
+            <a:prstGeom prst="rect">
+              <a:avLst/>
+            </a:prstGeom>
+            <a:grpFill/>
+            <a:ln>
+              <a:noFill/>
+            </a:ln>
+          </p:spPr>
+          <p:style>
+            <a:lnRef idx="2">
+              <a:schemeClr val="accent1">
+                <a:shade val="50000"/>
+              </a:schemeClr>
+            </a:lnRef>
+            <a:fillRef idx="1">
+              <a:schemeClr val="accent1"/>
+            </a:fillRef>
+            <a:effectRef idx="0">
+              <a:schemeClr val="accent1"/>
+            </a:effectRef>
+            <a:fontRef idx="minor">
+              <a:schemeClr val="lt1"/>
+            </a:fontRef>
+          </p:style>
+          <p:txBody>
+            <a:bodyPr rtlCol="0" anchor="ctr"/>
+            <a:lstStyle/>
+            <a:p>
+              <a:pPr algn="ctr"/>
+              <a:endParaRPr lang="en-US"/>
+            </a:p>
+          </p:txBody>
+        </p:sp>
+      </p:grpSp>
+      <p:sp>
+        <p:nvSpPr>
+          <p:cNvPr id="30" name="Rectangle 29">
+            <a:extLst>
+              <a:ext uri="{FF2B5EF4-FFF2-40B4-BE49-F238E27FC236}">
+                <a16:creationId xmlns:a16="http://schemas.microsoft.com/office/drawing/2014/main" id="{CBC4F608-B4B8-48C3-9572-C0F061B1CD99}"/>
+              </a:ext>
+              <a:ext uri="{C183D7F6-B498-43B3-948B-1728B52AA6E4}">
+                <adec:decorative xmlns:adec="http://schemas.microsoft.com/office/drawing/2017/decorative" val="1"/>
+              </a:ext>
+            </a:extLst>
+          </p:cNvPr>
+          <p:cNvSpPr>
+            <a:spLocks noGrp="1" noRot="1" noChangeAspect="1" noMove="1" noResize="1" noEditPoints="1" noAdjustHandles="1" noChangeArrowheads="1" noChangeShapeType="1" noTextEdit="1"/>
+          </p:cNvSpPr>
+          <p:nvPr>
+            <p:extLst>
+              <p:ext uri="{386F3935-93C4-4BCD-93E2-E3B085C9AB24}">
+                <p16:designElem xmlns:p16="http://schemas.microsoft.com/office/powerpoint/2015/main" val="1"/>
+              </p:ext>
+            </p:extLst>
+          </p:nvPr>
+        </p:nvSpPr>
+        <p:spPr>
+          <a:xfrm>
+            <a:off x="579528" y="922919"/>
+            <a:ext cx="11111729" cy="5461252"/>
           </a:xfrm>
           <a:prstGeom prst="rect">
             <a:avLst/>
           </a:prstGeom>
           <a:solidFill>
-            <a:schemeClr val="tx1">
-              <a:lumMod val="95000"/>
-              <a:lumOff val="5000"/>
+            <a:schemeClr val="bg1"/>
+          </a:solidFill>
+          <a:ln>
+            <a:noFill/>
+          </a:ln>
+          <a:effectLst>
+            <a:outerShdw blurRad="139700" dist="127000" dir="5400000" algn="t" rotWithShape="0">
+              <a:prstClr val="black">
+                <a:alpha val="15000"/>
+              </a:prstClr>
+            </a:outerShdw>
+          </a:effectLst>
+        </p:spPr>
+        <p:style>
+          <a:lnRef idx="2">
+            <a:schemeClr val="accent1">
+              <a:shade val="50000"/>
             </a:schemeClr>
+          </a:lnRef>
+          <a:fillRef idx="1">
+            <a:schemeClr val="accent1"/>
+          </a:fillRef>
+          <a:effectRef idx="0">
+            <a:schemeClr val="accent1"/>
+          </a:effectRef>
+          <a:fontRef idx="minor">
+            <a:schemeClr val="lt1"/>
+          </a:fontRef>
+        </p:style>
+        <p:txBody>
+          <a:bodyPr rtlCol="0" anchor="ctr"/>
+          <a:lstStyle/>
+          <a:p>
+            <a:pPr algn="ctr"/>
+            <a:endParaRPr lang="en-US"/>
+          </a:p>
+        </p:txBody>
+      </p:sp>
+      <p:sp>
+        <p:nvSpPr>
+          <p:cNvPr id="2" name="Título 1">
+            <a:extLst>
+              <a:ext uri="{FF2B5EF4-FFF2-40B4-BE49-F238E27FC236}">
+                <a16:creationId xmlns:a16="http://schemas.microsoft.com/office/drawing/2014/main" id="{7555ED69-FA39-F236-BD5C-9AECFDA68339}"/>
+              </a:ext>
+            </a:extLst>
+          </p:cNvPr>
+          <p:cNvSpPr>
+            <a:spLocks noGrp="1"/>
+          </p:cNvSpPr>
+          <p:nvPr>
+            <p:ph type="title"/>
+          </p:nvPr>
+        </p:nvSpPr>
+        <p:spPr>
+          <a:xfrm>
+            <a:off x="1099425" y="1238081"/>
+            <a:ext cx="4709345" cy="962953"/>
+          </a:xfrm>
+        </p:spPr>
+        <p:txBody>
+          <a:bodyPr anchor="b">
+            <a:normAutofit/>
+          </a:bodyPr>
+          <a:lstStyle/>
+          <a:p>
+            <a:r>
+              <a:rPr lang="pt-BR" sz="2900"/>
+              <a:t>Osmar Gonçalves Vieira	</a:t>
+            </a:r>
+          </a:p>
+        </p:txBody>
+      </p:sp>
+      <p:sp>
+        <p:nvSpPr>
+          <p:cNvPr id="32" name="Rectangle 31">
+            <a:extLst>
+              <a:ext uri="{FF2B5EF4-FFF2-40B4-BE49-F238E27FC236}">
+                <a16:creationId xmlns:a16="http://schemas.microsoft.com/office/drawing/2014/main" id="{1382A32C-5B0C-4B1C-A074-76C6DBCC9F87}"/>
+              </a:ext>
+              <a:ext uri="{C183D7F6-B498-43B3-948B-1728B52AA6E4}">
+                <adec:decorative xmlns:adec="http://schemas.microsoft.com/office/drawing/2017/decorative" val="1"/>
+              </a:ext>
+            </a:extLst>
+          </p:cNvPr>
+          <p:cNvSpPr>
+            <a:spLocks noGrp="1" noRot="1" noChangeAspect="1" noMove="1" noResize="1" noEditPoints="1" noAdjustHandles="1" noChangeArrowheads="1" noChangeShapeType="1" noTextEdit="1"/>
+          </p:cNvSpPr>
+          <p:nvPr>
+            <p:extLst>
+              <p:ext uri="{386F3935-93C4-4BCD-93E2-E3B085C9AB24}">
+                <p16:designElem xmlns:p16="http://schemas.microsoft.com/office/powerpoint/2015/main" val="1"/>
+              </p:ext>
+            </p:extLst>
+          </p:nvPr>
+        </p:nvSpPr>
+        <p:spPr>
+          <a:xfrm flipH="1">
+            <a:off x="1139885" y="2372170"/>
+            <a:ext cx="4389120" cy="27432"/>
+          </a:xfrm>
+          <a:prstGeom prst="rect">
+            <a:avLst/>
+          </a:prstGeom>
+          <a:solidFill>
+            <a:schemeClr val="accent4"/>
           </a:solidFill>
           <a:ln>
             <a:noFill/>
@@ -3412,226 +7058,54 @@
           <a:lstStyle/>
           <a:p>
             <a:pPr algn="ctr"/>
-            <a:endParaRPr lang="en-US" dirty="0">
-              <a:solidFill>
-                <a:schemeClr val="bg1"/>
-              </a:solidFill>
-            </a:endParaRPr>
-          </a:p>
-        </p:txBody>
-      </p:sp>
-      <p:sp>
-        <p:nvSpPr>
-          <p:cNvPr id="2" name="Título 1">
-            <a:extLst>
-              <a:ext uri="{FF2B5EF4-FFF2-40B4-BE49-F238E27FC236}">
-                <a16:creationId xmlns:a16="http://schemas.microsoft.com/office/drawing/2014/main" id="{7555ED69-FA39-F236-BD5C-9AECFDA68339}"/>
-              </a:ext>
-            </a:extLst>
-          </p:cNvPr>
-          <p:cNvSpPr>
-            <a:spLocks noGrp="1"/>
-          </p:cNvSpPr>
-          <p:nvPr>
-            <p:ph type="title"/>
+            <a:endParaRPr lang="en-US"/>
+          </a:p>
+        </p:txBody>
+      </p:sp>
+      <p:sp>
+        <p:nvSpPr>
+          <p:cNvPr id="9" name="Content Placeholder 8">
+            <a:extLst>
+              <a:ext uri="{FF2B5EF4-FFF2-40B4-BE49-F238E27FC236}">
+                <a16:creationId xmlns:a16="http://schemas.microsoft.com/office/drawing/2014/main" id="{8F757393-D1DD-A6DC-0766-2068D76BBC10}"/>
+              </a:ext>
+            </a:extLst>
+          </p:cNvPr>
+          <p:cNvSpPr>
+            <a:spLocks noGrp="1"/>
+          </p:cNvSpPr>
+          <p:nvPr>
+            <p:ph idx="1"/>
           </p:nvPr>
         </p:nvSpPr>
         <p:spPr>
           <a:xfrm>
-            <a:off x="838200" y="448721"/>
-            <a:ext cx="4707671" cy="1225650"/>
+            <a:off x="1100736" y="2508105"/>
+            <a:ext cx="4709345" cy="3632493"/>
           </a:xfrm>
         </p:spPr>
         <p:txBody>
-          <a:bodyPr anchor="b">
+          <a:bodyPr anchor="ctr">
             <a:normAutofit/>
           </a:bodyPr>
           <a:lstStyle/>
           <a:p>
             <a:r>
-              <a:rPr lang="pt-BR" sz="3800" dirty="0">
-                <a:solidFill>
-                  <a:schemeClr val="bg1"/>
-                </a:solidFill>
-              </a:rPr>
-              <a:t>Osmar Gonçalves Vieira	</a:t>
-            </a:r>
-          </a:p>
-        </p:txBody>
-      </p:sp>
-      <p:cxnSp>
-        <p:nvCxnSpPr>
-          <p:cNvPr id="14" name="Straight Connector 13">
-            <a:extLst>
-              <a:ext uri="{FF2B5EF4-FFF2-40B4-BE49-F238E27FC236}">
-                <a16:creationId xmlns:a16="http://schemas.microsoft.com/office/drawing/2014/main" id="{EEA38897-7BA3-4408-8083-3235339C4A60}"/>
-              </a:ext>
-              <a:ext uri="{C183D7F6-B498-43B3-948B-1728B52AA6E4}">
-                <adec:decorative xmlns:adec="http://schemas.microsoft.com/office/drawing/2017/decorative" val="1"/>
-              </a:ext>
-            </a:extLst>
-          </p:cNvPr>
-          <p:cNvCxnSpPr>
-            <a:cxnSpLocks noGrp="1" noRot="1" noChangeAspect="1" noMove="1" noResize="1" noEditPoints="1" noAdjustHandles="1" noChangeArrowheads="1" noChangeShapeType="1"/>
-          </p:cNvCxnSpPr>
-          <p:nvPr>
-            <p:extLst>
-              <p:ext uri="{386F3935-93C4-4BCD-93E2-E3B085C9AB24}">
-                <p16:designElem xmlns:p16="http://schemas.microsoft.com/office/powerpoint/2015/main" val="1"/>
-              </p:ext>
-            </p:extLst>
-          </p:nvPr>
-        </p:nvCxnSpPr>
-        <p:spPr>
-          <a:xfrm flipH="1">
-            <a:off x="831873" y="1749756"/>
-            <a:ext cx="4718304" cy="0"/>
-          </a:xfrm>
-          <a:prstGeom prst="line">
-            <a:avLst/>
-          </a:prstGeom>
-          <a:ln w="12700">
-            <a:solidFill>
-              <a:schemeClr val="accent2"/>
-            </a:solidFill>
-          </a:ln>
-        </p:spPr>
-        <p:style>
-          <a:lnRef idx="1">
-            <a:schemeClr val="accent1"/>
-          </a:lnRef>
-          <a:fillRef idx="0">
-            <a:schemeClr val="accent1"/>
-          </a:fillRef>
-          <a:effectRef idx="0">
-            <a:schemeClr val="accent1"/>
-          </a:effectRef>
-          <a:fontRef idx="minor">
-            <a:schemeClr val="tx1"/>
-          </a:fontRef>
-        </p:style>
-      </p:cxnSp>
-      <p:sp>
-        <p:nvSpPr>
-          <p:cNvPr id="9" name="Content Placeholder 8">
-            <a:extLst>
-              <a:ext uri="{FF2B5EF4-FFF2-40B4-BE49-F238E27FC236}">
-                <a16:creationId xmlns:a16="http://schemas.microsoft.com/office/drawing/2014/main" id="{8F757393-D1DD-A6DC-0766-2068D76BBC10}"/>
-              </a:ext>
-            </a:extLst>
-          </p:cNvPr>
-          <p:cNvSpPr>
-            <a:spLocks noGrp="1"/>
-          </p:cNvSpPr>
-          <p:nvPr>
-            <p:ph idx="1"/>
-          </p:nvPr>
-        </p:nvSpPr>
-        <p:spPr>
-          <a:xfrm>
-            <a:off x="897769" y="1909192"/>
-            <a:ext cx="4586513" cy="3647710"/>
-          </a:xfrm>
-        </p:spPr>
-        <p:txBody>
-          <a:bodyPr>
-            <a:normAutofit/>
-          </a:bodyPr>
-          <a:lstStyle/>
-          <a:p>
-            <a:pPr algn="just"/>
-            <a:r>
-              <a:rPr lang="pt-BR" sz="2000" dirty="0">
-                <a:solidFill>
-                  <a:schemeClr val="bg1"/>
-                </a:solidFill>
-              </a:rPr>
-              <a:t>Programador Full Stack Sênior, trabalho com tecnologias Microsoft há mais de dez anos trabalhei desde o Asp Clássico até as mais novas apis no .Net Core 7 passando por diversas arquiteturas tanto no back-end quanto no front-</a:t>
-            </a:r>
-            <a:r>
-              <a:rPr lang="pt-BR" sz="2000" dirty="0" err="1">
-                <a:solidFill>
-                  <a:schemeClr val="bg1"/>
-                </a:solidFill>
-              </a:rPr>
-              <a:t>end</a:t>
-            </a:r>
-            <a:r>
-              <a:rPr lang="pt-BR" sz="2000" dirty="0">
-                <a:solidFill>
-                  <a:schemeClr val="bg1"/>
-                </a:solidFill>
-              </a:rPr>
-              <a:t> com html, css, Javascript e frameworks. Estudo Docker e Kubernetes e aplicação mobile com .Net Maui.  </a:t>
-            </a:r>
-          </a:p>
-          <a:p>
-            <a:pPr marL="0" indent="0" algn="just">
+              <a:rPr lang="pt-BR" sz="2000"/>
+              <a:t>Programador Full Stack Sênior, trabalho com tecnologias Microsoft há mais de dez anos trabalhei desde o Asp Clássico até as mais novas apis no .Net Core 7 passando por diversas arquiteturas tanto no back-end quanto no front-end com html, css, Javascript e frameworks. Estudo Docker e Kubernetes e aplicação mobile com .Net Maui.  </a:t>
+            </a:r>
+          </a:p>
+          <a:p>
+            <a:pPr marL="0" indent="0">
               <a:buNone/>
             </a:pPr>
             <a:r>
-              <a:rPr lang="en-US" sz="2000" dirty="0">
-                <a:solidFill>
-                  <a:schemeClr val="bg1"/>
-                </a:solidFill>
-              </a:rPr>
+              <a:rPr lang="en-US" sz="2000"/>
               <a:t> </a:t>
             </a:r>
           </a:p>
         </p:txBody>
       </p:sp>
-      <p:cxnSp>
-        <p:nvCxnSpPr>
-          <p:cNvPr id="19" name="Straight Connector 15">
-            <a:extLst>
-              <a:ext uri="{FF2B5EF4-FFF2-40B4-BE49-F238E27FC236}">
-                <a16:creationId xmlns:a16="http://schemas.microsoft.com/office/drawing/2014/main" id="{F11AD06B-AB20-4097-8606-5DA00DBACE88}"/>
-              </a:ext>
-              <a:ext uri="{C183D7F6-B498-43B3-948B-1728B52AA6E4}">
-                <adec:decorative xmlns:adec="http://schemas.microsoft.com/office/drawing/2017/decorative" val="1"/>
-              </a:ext>
-            </a:extLst>
-          </p:cNvPr>
-          <p:cNvCxnSpPr>
-            <a:cxnSpLocks noGrp="1" noRot="1" noChangeAspect="1" noMove="1" noResize="1" noEditPoints="1" noAdjustHandles="1" noChangeArrowheads="1" noChangeShapeType="1"/>
-          </p:cNvCxnSpPr>
-          <p:nvPr>
-            <p:extLst>
-              <p:ext uri="{386F3935-93C4-4BCD-93E2-E3B085C9AB24}">
-                <p16:designElem xmlns:p16="http://schemas.microsoft.com/office/powerpoint/2015/main" val="1"/>
-              </p:ext>
-            </p:extLst>
-          </p:nvPr>
-        </p:nvCxnSpPr>
-        <p:spPr>
-          <a:xfrm flipH="1">
-            <a:off x="834027" y="5707672"/>
-            <a:ext cx="4713997" cy="0"/>
-          </a:xfrm>
-          <a:prstGeom prst="line">
-            <a:avLst/>
-          </a:prstGeom>
-          <a:ln w="12700">
-            <a:solidFill>
-              <a:schemeClr val="accent2"/>
-            </a:solidFill>
-          </a:ln>
-        </p:spPr>
-        <p:style>
-          <a:lnRef idx="1">
-            <a:schemeClr val="accent1"/>
-          </a:lnRef>
-          <a:fillRef idx="0">
-            <a:schemeClr val="accent1"/>
-          </a:fillRef>
-          <a:effectRef idx="0">
-            <a:schemeClr val="accent1"/>
-          </a:effectRef>
-          <a:fontRef idx="minor">
-            <a:schemeClr val="tx1"/>
-          </a:fontRef>
-        </p:style>
-      </p:cxnSp>
       <p:pic>
         <p:nvPicPr>
           <p:cNvPr id="5" name="Espaço Reservado para Conteúdo 4" descr="Homem com olhos abertos&#10;&#10;Descrição gerada automaticamente">
@@ -3654,13 +7128,13 @@
               </a:ext>
             </a:extLst>
           </a:blip>
-          <a:srcRect l="812" r="16562"/>
+          <a:srcRect r="2" b="3496"/>
           <a:stretch/>
         </p:blipFill>
         <p:spPr>
           <a:xfrm>
-            <a:off x="6525453" y="10"/>
-            <a:ext cx="5666547" cy="6857990"/>
+            <a:off x="6538366" y="1383738"/>
+            <a:ext cx="4929098" cy="4756870"/>
           </a:xfrm>
           <a:prstGeom prst="rect">
             <a:avLst/>
@@ -3705,12 +7179,12 @@
           <a:chExt cx="0" cy="0"/>
         </a:xfrm>
       </p:grpSpPr>
-      <p:sp>
-        <p:nvSpPr>
-          <p:cNvPr id="7" name="Rectangle 8">
-            <a:extLst>
-              <a:ext uri="{FF2B5EF4-FFF2-40B4-BE49-F238E27FC236}">
-                <a16:creationId xmlns:a16="http://schemas.microsoft.com/office/drawing/2014/main" id="{375B19E4-0108-41C4-8DB1-11BAE0B49D9B}"/>
+      <p:sp useBgFill="1">
+        <p:nvSpPr>
+          <p:cNvPr id="17" name="Rectangle 16">
+            <a:extLst>
+              <a:ext uri="{FF2B5EF4-FFF2-40B4-BE49-F238E27FC236}">
+                <a16:creationId xmlns:a16="http://schemas.microsoft.com/office/drawing/2014/main" id="{DBF61EA3-B236-439E-9C0B-340980D56BEE}"/>
               </a:ext>
               <a:ext uri="{C183D7F6-B498-43B3-948B-1728B52AA6E4}">
                 <adec:decorative xmlns:adec="http://schemas.microsoft.com/office/drawing/2017/decorative" val="1"/>
@@ -3731,17 +7205,11 @@
         <p:spPr>
           <a:xfrm>
             <a:off x="0" y="0"/>
-            <a:ext cx="12192000" cy="6858000"/>
+            <a:ext cx="12191999" cy="6857365"/>
           </a:xfrm>
           <a:prstGeom prst="rect">
             <a:avLst/>
           </a:prstGeom>
-          <a:solidFill>
-            <a:schemeClr val="tx1">
-              <a:lumMod val="95000"/>
-              <a:lumOff val="5000"/>
-            </a:schemeClr>
-          </a:solidFill>
           <a:ln>
             <a:noFill/>
           </a:ln>
@@ -3767,11 +7235,7 @@
           <a:lstStyle/>
           <a:p>
             <a:pPr algn="ctr"/>
-            <a:endParaRPr lang="en-US" dirty="0">
-              <a:solidFill>
-                <a:schemeClr val="bg1"/>
-              </a:solidFill>
-            </a:endParaRPr>
+            <a:endParaRPr lang="en-US"/>
           </a:p>
         </p:txBody>
       </p:sp>
@@ -3793,8 +7257,8 @@
         </p:nvSpPr>
         <p:spPr>
           <a:xfrm>
-            <a:off x="1295398" y="669925"/>
-            <a:ext cx="4686295" cy="1325563"/>
+            <a:off x="808638" y="386930"/>
+            <a:ext cx="9236700" cy="1188950"/>
           </a:xfrm>
         </p:spPr>
         <p:txBody>
@@ -3804,124 +7268,27 @@
           <a:lstStyle/>
           <a:p>
             <a:r>
-              <a:rPr lang="pt-BR" sz="3800">
-                <a:solidFill>
-                  <a:schemeClr val="bg1"/>
-                </a:solidFill>
-              </a:rPr>
+              <a:rPr lang="pt-BR" sz="5400"/>
               <a:t>O que é o mongo DB?</a:t>
             </a:r>
           </a:p>
         </p:txBody>
       </p:sp>
-      <p:sp>
-        <p:nvSpPr>
-          <p:cNvPr id="3" name="Espaço Reservado para Conteúdo 2">
-            <a:extLst>
-              <a:ext uri="{FF2B5EF4-FFF2-40B4-BE49-F238E27FC236}">
-                <a16:creationId xmlns:a16="http://schemas.microsoft.com/office/drawing/2014/main" id="{AA22A7B5-C964-F08F-319E-57360B6DD63D}"/>
-              </a:ext>
-            </a:extLst>
-          </p:cNvPr>
-          <p:cNvSpPr>
-            <a:spLocks noGrp="1"/>
-          </p:cNvSpPr>
-          <p:nvPr>
-            <p:ph idx="1"/>
-          </p:nvPr>
-        </p:nvSpPr>
-        <p:spPr>
-          <a:xfrm>
-            <a:off x="1295398" y="2400304"/>
-            <a:ext cx="4686295" cy="3441692"/>
-          </a:xfrm>
-        </p:spPr>
-        <p:txBody>
-          <a:bodyPr>
-            <a:normAutofit/>
-          </a:bodyPr>
-          <a:lstStyle/>
-          <a:p>
-            <a:r>
-              <a:rPr lang="pt-BR" sz="2000">
-                <a:solidFill>
-                  <a:schemeClr val="bg1"/>
-                </a:solidFill>
-              </a:rPr>
-              <a:t>Document Model / Multi-model</a:t>
-            </a:r>
-          </a:p>
-          <a:p>
-            <a:r>
-              <a:rPr lang="pt-BR" sz="2000">
-                <a:solidFill>
-                  <a:schemeClr val="bg1"/>
-                </a:solidFill>
-              </a:rPr>
-              <a:t>Escrito em C++</a:t>
-            </a:r>
-          </a:p>
-          <a:p>
-            <a:r>
-              <a:rPr lang="pt-BR" sz="2000">
-                <a:solidFill>
-                  <a:schemeClr val="bg1"/>
-                </a:solidFill>
-              </a:rPr>
-              <a:t>Opensource – </a:t>
-            </a:r>
-            <a:r>
-              <a:rPr lang="pt-BR" sz="2000">
-                <a:solidFill>
-                  <a:schemeClr val="bg1"/>
-                </a:solidFill>
-                <a:hlinkClick r:id="rId2"/>
-              </a:rPr>
-              <a:t>https://github.com/mongodb/mongo</a:t>
-            </a:r>
-            <a:endParaRPr lang="pt-BR" sz="2000">
-              <a:solidFill>
-                <a:schemeClr val="bg1"/>
-              </a:solidFill>
-            </a:endParaRPr>
-          </a:p>
-          <a:p>
-            <a:r>
-              <a:rPr lang="pt-BR" sz="2000">
-                <a:solidFill>
-                  <a:schemeClr val="bg1"/>
-                </a:solidFill>
-              </a:rPr>
-              <a:t>Multi-plataforma</a:t>
-            </a:r>
-          </a:p>
-          <a:p>
-            <a:r>
-              <a:rPr lang="pt-BR" sz="2000">
-                <a:solidFill>
-                  <a:schemeClr val="bg1"/>
-                </a:solidFill>
-              </a:rPr>
-              <a:t>Recebe e retorna dados em formato JSON, porém armazena dados em formato BSON</a:t>
-            </a:r>
-          </a:p>
-        </p:txBody>
-      </p:sp>
-      <p:cxnSp>
-        <p:nvCxnSpPr>
-          <p:cNvPr id="10" name="Straight Connector 10">
-            <a:extLst>
-              <a:ext uri="{FF2B5EF4-FFF2-40B4-BE49-F238E27FC236}">
-                <a16:creationId xmlns:a16="http://schemas.microsoft.com/office/drawing/2014/main" id="{C727A21A-62F5-405C-B7A5-439FD3993289}"/>
+      <p:grpSp>
+        <p:nvGrpSpPr>
+          <p:cNvPr id="19" name="Group 18">
+            <a:extLst>
+              <a:ext uri="{FF2B5EF4-FFF2-40B4-BE49-F238E27FC236}">
+                <a16:creationId xmlns:a16="http://schemas.microsoft.com/office/drawing/2014/main" id="{28FAF094-D087-493F-8DF9-A486C2D6BBAA}"/>
               </a:ext>
               <a:ext uri="{C183D7F6-B498-43B3-948B-1728B52AA6E4}">
                 <adec:decorative xmlns:adec="http://schemas.microsoft.com/office/drawing/2017/decorative" val="1"/>
               </a:ext>
             </a:extLst>
           </p:cNvPr>
-          <p:cNvCxnSpPr>
-            <a:cxnSpLocks noGrp="1" noRot="1" noChangeAspect="1" noMove="1" noResize="1" noEditPoints="1" noAdjustHandles="1" noChangeArrowheads="1" noChangeShapeType="1"/>
-          </p:cNvCxnSpPr>
+          <p:cNvGrpSpPr>
+            <a:grpSpLocks noGrp="1" noUngrp="1" noRot="1" noChangeAspect="1" noMove="1" noResize="1"/>
+          </p:cNvGrpSpPr>
           <p:nvPr>
             <p:extLst>
               <p:ext uri="{386F3935-93C4-4BCD-93E2-E3B085C9AB24}">
@@ -3929,88 +7296,274 @@
               </p:ext>
             </p:extLst>
           </p:nvPr>
-        </p:nvCxnSpPr>
+        </p:nvGrpSpPr>
+        <p:grpSpPr>
+          <a:xfrm>
+            <a:off x="-2" y="1998368"/>
+            <a:ext cx="11695083" cy="782176"/>
+            <a:chOff x="-2" y="1998368"/>
+            <a:chExt cx="11695083" cy="782176"/>
+          </a:xfrm>
+        </p:grpSpPr>
+        <p:sp>
+          <p:nvSpPr>
+            <p:cNvPr id="20" name="Rectangle 19">
+              <a:extLst>
+                <a:ext uri="{FF2B5EF4-FFF2-40B4-BE49-F238E27FC236}">
+                  <a16:creationId xmlns:a16="http://schemas.microsoft.com/office/drawing/2014/main" id="{8D7C88D8-5509-4514-925A-9CE148E5CBD6}"/>
+                </a:ext>
+                <a:ext uri="{C183D7F6-B498-43B3-948B-1728B52AA6E4}">
+                  <adec:decorative xmlns:adec="http://schemas.microsoft.com/office/drawing/2017/decorative" val="1"/>
+                </a:ext>
+              </a:extLst>
+            </p:cNvPr>
+            <p:cNvSpPr/>
+            <p:nvPr>
+              <p:extLst>
+                <p:ext uri="{386F3935-93C4-4BCD-93E2-E3B085C9AB24}">
+                  <p16:designElem xmlns:p16="http://schemas.microsoft.com/office/powerpoint/2015/main" val="1"/>
+                </p:ext>
+              </p:extLst>
+            </p:nvPr>
+          </p:nvSpPr>
+          <p:spPr>
+            <a:xfrm rot="5400000">
+              <a:off x="11228040" y="2313027"/>
+              <a:ext cx="781700" cy="152382"/>
+            </a:xfrm>
+            <a:prstGeom prst="rect">
+              <a:avLst/>
+            </a:prstGeom>
+            <a:solidFill>
+              <a:schemeClr val="accent4"/>
+            </a:solidFill>
+            <a:ln>
+              <a:noFill/>
+            </a:ln>
+          </p:spPr>
+          <p:style>
+            <a:lnRef idx="2">
+              <a:schemeClr val="accent1">
+                <a:shade val="50000"/>
+              </a:schemeClr>
+            </a:lnRef>
+            <a:fillRef idx="1">
+              <a:schemeClr val="accent1"/>
+            </a:fillRef>
+            <a:effectRef idx="0">
+              <a:schemeClr val="accent1"/>
+            </a:effectRef>
+            <a:fontRef idx="minor">
+              <a:schemeClr val="lt1"/>
+            </a:fontRef>
+          </p:style>
+          <p:txBody>
+            <a:bodyPr rtlCol="0" anchor="ctr"/>
+            <a:lstStyle/>
+            <a:p>
+              <a:pPr algn="ctr"/>
+              <a:endParaRPr lang="en-US"/>
+            </a:p>
+          </p:txBody>
+        </p:sp>
+        <p:sp>
+          <p:nvSpPr>
+            <p:cNvPr id="21" name="Rectangle 20">
+              <a:extLst>
+                <a:ext uri="{FF2B5EF4-FFF2-40B4-BE49-F238E27FC236}">
+                  <a16:creationId xmlns:a16="http://schemas.microsoft.com/office/drawing/2014/main" id="{7275593D-F75E-4426-AE3E-2CDEFD228D25}"/>
+                </a:ext>
+                <a:ext uri="{C183D7F6-B498-43B3-948B-1728B52AA6E4}">
+                  <adec:decorative xmlns:adec="http://schemas.microsoft.com/office/drawing/2017/decorative" val="1"/>
+                </a:ext>
+              </a:extLst>
+            </p:cNvPr>
+            <p:cNvSpPr/>
+            <p:nvPr>
+              <p:extLst>
+                <p:ext uri="{386F3935-93C4-4BCD-93E2-E3B085C9AB24}">
+                  <p16:designElem xmlns:p16="http://schemas.microsoft.com/office/powerpoint/2015/main" val="1"/>
+                </p:ext>
+              </p:extLst>
+            </p:nvPr>
+          </p:nvSpPr>
+          <p:spPr>
+            <a:xfrm flipH="1" flipV="1">
+              <a:off x="-2" y="1998845"/>
+              <a:ext cx="11454595" cy="781699"/>
+            </a:xfrm>
+            <a:prstGeom prst="rect">
+              <a:avLst/>
+            </a:prstGeom>
+            <a:solidFill>
+              <a:schemeClr val="accent4"/>
+            </a:solidFill>
+            <a:ln>
+              <a:noFill/>
+            </a:ln>
+          </p:spPr>
+          <p:style>
+            <a:lnRef idx="2">
+              <a:schemeClr val="accent1">
+                <a:shade val="50000"/>
+              </a:schemeClr>
+            </a:lnRef>
+            <a:fillRef idx="1">
+              <a:schemeClr val="accent1"/>
+            </a:fillRef>
+            <a:effectRef idx="0">
+              <a:schemeClr val="accent1"/>
+            </a:effectRef>
+            <a:fontRef idx="minor">
+              <a:schemeClr val="lt1"/>
+            </a:fontRef>
+          </p:style>
+          <p:txBody>
+            <a:bodyPr rtlCol="0" anchor="ctr"/>
+            <a:lstStyle/>
+            <a:p>
+              <a:pPr algn="ctr"/>
+              <a:endParaRPr lang="en-US"/>
+            </a:p>
+          </p:txBody>
+        </p:sp>
+      </p:grpSp>
+      <p:sp>
+        <p:nvSpPr>
+          <p:cNvPr id="23" name="Rectangle 22">
+            <a:extLst>
+              <a:ext uri="{FF2B5EF4-FFF2-40B4-BE49-F238E27FC236}">
+                <a16:creationId xmlns:a16="http://schemas.microsoft.com/office/drawing/2014/main" id="{E659831F-0D9A-4C63-9EBB-8435B85A440F}"/>
+              </a:ext>
+              <a:ext uri="{C183D7F6-B498-43B3-948B-1728B52AA6E4}">
+                <adec:decorative xmlns:adec="http://schemas.microsoft.com/office/drawing/2017/decorative" val="1"/>
+              </a:ext>
+            </a:extLst>
+          </p:cNvPr>
+          <p:cNvSpPr>
+            <a:spLocks noGrp="1" noRot="1" noChangeAspect="1" noMove="1" noResize="1" noEditPoints="1" noAdjustHandles="1" noChangeArrowheads="1" noChangeShapeType="1" noTextEdit="1"/>
+          </p:cNvSpPr>
+          <p:nvPr>
+            <p:extLst>
+              <p:ext uri="{386F3935-93C4-4BCD-93E2-E3B085C9AB24}">
+                <p16:designElem xmlns:p16="http://schemas.microsoft.com/office/powerpoint/2015/main" val="1"/>
+              </p:ext>
+            </p:extLst>
+          </p:nvPr>
+        </p:nvSpPr>
         <p:spPr>
           <a:xfrm>
-            <a:off x="11829053" y="0"/>
-            <a:ext cx="0" cy="6858000"/>
+            <a:off x="0" y="2203079"/>
+            <a:ext cx="11383362" cy="4147845"/>
           </a:xfrm>
-          <a:prstGeom prst="line">
+          <a:prstGeom prst="rect">
             <a:avLst/>
           </a:prstGeom>
-          <a:ln w="12700">
-            <a:solidFill>
-              <a:schemeClr val="accent2"/>
-            </a:solidFill>
+          <a:solidFill>
+            <a:schemeClr val="bg1"/>
+          </a:solidFill>
+          <a:ln>
+            <a:noFill/>
           </a:ln>
+          <a:effectLst>
+            <a:outerShdw blurRad="139700" dist="127000" dir="5400000" algn="t" rotWithShape="0">
+              <a:prstClr val="black">
+                <a:alpha val="15000"/>
+              </a:prstClr>
+            </a:outerShdw>
+          </a:effectLst>
         </p:spPr>
         <p:style>
-          <a:lnRef idx="1">
-            <a:schemeClr val="accent1"/>
+          <a:lnRef idx="2">
+            <a:schemeClr val="accent1">
+              <a:shade val="50000"/>
+            </a:schemeClr>
           </a:lnRef>
-          <a:fillRef idx="0">
+          <a:fillRef idx="1">
             <a:schemeClr val="accent1"/>
           </a:fillRef>
           <a:effectRef idx="0">
             <a:schemeClr val="accent1"/>
           </a:effectRef>
           <a:fontRef idx="minor">
-            <a:schemeClr val="tx1"/>
+            <a:schemeClr val="lt1"/>
           </a:fontRef>
         </p:style>
-      </p:cxnSp>
-      <p:cxnSp>
-        <p:nvCxnSpPr>
-          <p:cNvPr id="12" name="Straight Connector 12">
-            <a:extLst>
-              <a:ext uri="{FF2B5EF4-FFF2-40B4-BE49-F238E27FC236}">
-                <a16:creationId xmlns:a16="http://schemas.microsoft.com/office/drawing/2014/main" id="{F641577A-888F-4E56-B9E4-CC57AC7B7BDB}"/>
-              </a:ext>
-              <a:ext uri="{C183D7F6-B498-43B3-948B-1728B52AA6E4}">
-                <adec:decorative xmlns:adec="http://schemas.microsoft.com/office/drawing/2017/decorative" val="1"/>
-              </a:ext>
-            </a:extLst>
-          </p:cNvPr>
-          <p:cNvCxnSpPr>
-            <a:cxnSpLocks noGrp="1" noRot="1" noChangeAspect="1" noMove="1" noResize="1" noEditPoints="1" noAdjustHandles="1" noChangeArrowheads="1" noChangeShapeType="1"/>
-          </p:cNvCxnSpPr>
-          <p:nvPr>
-            <p:extLst>
-              <p:ext uri="{386F3935-93C4-4BCD-93E2-E3B085C9AB24}">
-                <p16:designElem xmlns:p16="http://schemas.microsoft.com/office/powerpoint/2015/main" val="1"/>
-              </p:ext>
-            </p:extLst>
-          </p:nvPr>
-        </p:nvCxnSpPr>
+        <p:txBody>
+          <a:bodyPr rtlCol="0" anchor="ctr"/>
+          <a:lstStyle/>
+          <a:p>
+            <a:pPr algn="ctr"/>
+            <a:endParaRPr lang="en-US"/>
+          </a:p>
+        </p:txBody>
+      </p:sp>
+      <p:sp>
+        <p:nvSpPr>
+          <p:cNvPr id="3" name="Espaço Reservado para Conteúdo 2">
+            <a:extLst>
+              <a:ext uri="{FF2B5EF4-FFF2-40B4-BE49-F238E27FC236}">
+                <a16:creationId xmlns:a16="http://schemas.microsoft.com/office/drawing/2014/main" id="{AA22A7B5-C964-F08F-319E-57360B6DD63D}"/>
+              </a:ext>
+            </a:extLst>
+          </p:cNvPr>
+          <p:cNvSpPr>
+            <a:spLocks noGrp="1"/>
+          </p:cNvSpPr>
+          <p:nvPr>
+            <p:ph idx="1"/>
+          </p:nvPr>
+        </p:nvSpPr>
         <p:spPr>
-          <a:xfrm flipH="1">
-            <a:off x="1295399" y="2026340"/>
-            <a:ext cx="10896601" cy="0"/>
+          <a:xfrm>
+            <a:off x="793660" y="2599509"/>
+            <a:ext cx="10143668" cy="3435531"/>
           </a:xfrm>
-          <a:prstGeom prst="line">
-            <a:avLst/>
-          </a:prstGeom>
-          <a:ln w="12700">
-            <a:solidFill>
-              <a:schemeClr val="accent2"/>
-            </a:solidFill>
-          </a:ln>
         </p:spPr>
-        <p:style>
-          <a:lnRef idx="1">
-            <a:schemeClr val="accent1"/>
-          </a:lnRef>
-          <a:fillRef idx="0">
-            <a:schemeClr val="accent1"/>
-          </a:fillRef>
-          <a:effectRef idx="0">
-            <a:schemeClr val="accent1"/>
-          </a:effectRef>
-          <a:fontRef idx="minor">
-            <a:schemeClr val="tx1"/>
-          </a:fontRef>
-        </p:style>
-      </p:cxnSp>
+        <p:txBody>
+          <a:bodyPr anchor="ctr">
+            <a:normAutofit/>
+          </a:bodyPr>
+          <a:lstStyle/>
+          <a:p>
+            <a:r>
+              <a:rPr lang="pt-BR" sz="2400"/>
+              <a:t>Document Model / Multi-model</a:t>
+            </a:r>
+          </a:p>
+          <a:p>
+            <a:r>
+              <a:rPr lang="pt-BR" sz="2400"/>
+              <a:t>Escrito em C++</a:t>
+            </a:r>
+          </a:p>
+          <a:p>
+            <a:r>
+              <a:rPr lang="pt-BR" sz="2400"/>
+              <a:t>Opensource – </a:t>
+            </a:r>
+            <a:r>
+              <a:rPr lang="pt-BR" sz="2400">
+                <a:hlinkClick r:id="rId2"/>
+              </a:rPr>
+              <a:t>https://github.com/mongodb/mongo</a:t>
+            </a:r>
+            <a:endParaRPr lang="pt-BR" sz="2400"/>
+          </a:p>
+          <a:p>
+            <a:r>
+              <a:rPr lang="pt-BR" sz="2400"/>
+              <a:t>Multi-plataforma</a:t>
+            </a:r>
+          </a:p>
+          <a:p>
+            <a:r>
+              <a:rPr lang="pt-BR" sz="2400"/>
+              <a:t>Recebe e retorna dados em formato JSON, porém armazena dados em formato BSON</a:t>
+            </a:r>
+          </a:p>
+        </p:txBody>
+      </p:sp>
     </p:spTree>
     <p:extLst>
       <p:ext uri="{BB962C8B-B14F-4D97-AF65-F5344CB8AC3E}">
@@ -4049,12 +7602,12 @@
           <a:chExt cx="0" cy="0"/>
         </a:xfrm>
       </p:grpSpPr>
-      <p:sp>
-        <p:nvSpPr>
-          <p:cNvPr id="9" name="Rectangle 8">
-            <a:extLst>
-              <a:ext uri="{FF2B5EF4-FFF2-40B4-BE49-F238E27FC236}">
-                <a16:creationId xmlns:a16="http://schemas.microsoft.com/office/drawing/2014/main" id="{375B19E4-0108-41C4-8DB1-11BAE0B49D9B}"/>
+      <p:sp useBgFill="1">
+        <p:nvSpPr>
+          <p:cNvPr id="18" name="Rectangle 17">
+            <a:extLst>
+              <a:ext uri="{FF2B5EF4-FFF2-40B4-BE49-F238E27FC236}">
+                <a16:creationId xmlns:a16="http://schemas.microsoft.com/office/drawing/2014/main" id="{DBF61EA3-B236-439E-9C0B-340980D56BEE}"/>
               </a:ext>
               <a:ext uri="{C183D7F6-B498-43B3-948B-1728B52AA6E4}">
                 <adec:decorative xmlns:adec="http://schemas.microsoft.com/office/drawing/2017/decorative" val="1"/>
@@ -4075,17 +7628,11 @@
         <p:spPr>
           <a:xfrm>
             <a:off x="0" y="0"/>
-            <a:ext cx="12192000" cy="6858000"/>
+            <a:ext cx="12191999" cy="6857365"/>
           </a:xfrm>
           <a:prstGeom prst="rect">
             <a:avLst/>
           </a:prstGeom>
-          <a:solidFill>
-            <a:schemeClr val="tx1">
-              <a:lumMod val="95000"/>
-              <a:lumOff val="5000"/>
-            </a:schemeClr>
-          </a:solidFill>
           <a:ln>
             <a:noFill/>
           </a:ln>
@@ -4111,11 +7658,7 @@
           <a:lstStyle/>
           <a:p>
             <a:pPr algn="ctr"/>
-            <a:endParaRPr lang="en-US" dirty="0">
-              <a:solidFill>
-                <a:schemeClr val="bg1"/>
-              </a:solidFill>
-            </a:endParaRPr>
+            <a:endParaRPr lang="en-US"/>
           </a:p>
         </p:txBody>
       </p:sp>
@@ -4137,8 +7680,8 @@
         </p:nvSpPr>
         <p:spPr>
           <a:xfrm>
-            <a:off x="1295398" y="669925"/>
-            <a:ext cx="4686295" cy="1325563"/>
+            <a:off x="808638" y="386930"/>
+            <a:ext cx="9236700" cy="1188950"/>
           </a:xfrm>
         </p:spPr>
         <p:txBody>
@@ -4148,80 +7691,27 @@
           <a:lstStyle/>
           <a:p>
             <a:r>
-              <a:rPr lang="pt-BR" sz="3800" b="1">
-                <a:solidFill>
-                  <a:schemeClr val="bg1"/>
-                </a:solidFill>
-              </a:rPr>
+              <a:rPr lang="pt-BR" sz="5400" b="1"/>
               <a:t>Versão Cloud (Saas)</a:t>
             </a:r>
           </a:p>
         </p:txBody>
       </p:sp>
-      <p:sp>
-        <p:nvSpPr>
-          <p:cNvPr id="3" name="Espaço Reservado para Conteúdo 2">
-            <a:extLst>
-              <a:ext uri="{FF2B5EF4-FFF2-40B4-BE49-F238E27FC236}">
-                <a16:creationId xmlns:a16="http://schemas.microsoft.com/office/drawing/2014/main" id="{589BA7C1-EE0E-A9C6-604E-051C6539DBC5}"/>
-              </a:ext>
-            </a:extLst>
-          </p:cNvPr>
-          <p:cNvSpPr>
-            <a:spLocks noGrp="1"/>
-          </p:cNvSpPr>
-          <p:nvPr>
-            <p:ph idx="1"/>
-          </p:nvPr>
-        </p:nvSpPr>
-        <p:spPr>
-          <a:xfrm>
-            <a:off x="1295398" y="2400304"/>
-            <a:ext cx="4686295" cy="3441692"/>
-          </a:xfrm>
-        </p:spPr>
-        <p:txBody>
-          <a:bodyPr>
-            <a:normAutofit/>
-          </a:bodyPr>
-          <a:lstStyle/>
-          <a:p>
-            <a:r>
-              <a:rPr lang="pt-BR" sz="2000" b="1">
-                <a:solidFill>
-                  <a:schemeClr val="bg1"/>
-                </a:solidFill>
-              </a:rPr>
-              <a:t>Mongo DB Atlas </a:t>
-            </a:r>
-          </a:p>
-          <a:p>
-            <a:r>
-              <a:rPr lang="pt-BR" sz="2000" b="1">
-                <a:solidFill>
-                  <a:schemeClr val="bg1"/>
-                </a:solidFill>
-              </a:rPr>
-              <a:t>Veja: https://www.mongodb.com/cloud/atlas</a:t>
-            </a:r>
-          </a:p>
-        </p:txBody>
-      </p:sp>
-      <p:cxnSp>
-        <p:nvCxnSpPr>
-          <p:cNvPr id="11" name="Straight Connector 10">
-            <a:extLst>
-              <a:ext uri="{FF2B5EF4-FFF2-40B4-BE49-F238E27FC236}">
-                <a16:creationId xmlns:a16="http://schemas.microsoft.com/office/drawing/2014/main" id="{C727A21A-62F5-405C-B7A5-439FD3993289}"/>
+      <p:grpSp>
+        <p:nvGrpSpPr>
+          <p:cNvPr id="20" name="Group 19">
+            <a:extLst>
+              <a:ext uri="{FF2B5EF4-FFF2-40B4-BE49-F238E27FC236}">
+                <a16:creationId xmlns:a16="http://schemas.microsoft.com/office/drawing/2014/main" id="{28FAF094-D087-493F-8DF9-A486C2D6BBAA}"/>
               </a:ext>
               <a:ext uri="{C183D7F6-B498-43B3-948B-1728B52AA6E4}">
                 <adec:decorative xmlns:adec="http://schemas.microsoft.com/office/drawing/2017/decorative" val="1"/>
               </a:ext>
             </a:extLst>
           </p:cNvPr>
-          <p:cNvCxnSpPr>
-            <a:cxnSpLocks noGrp="1" noRot="1" noChangeAspect="1" noMove="1" noResize="1" noEditPoints="1" noAdjustHandles="1" noChangeArrowheads="1" noChangeShapeType="1"/>
-          </p:cNvCxnSpPr>
+          <p:cNvGrpSpPr>
+            <a:grpSpLocks noGrp="1" noUngrp="1" noRot="1" noChangeAspect="1" noMove="1" noResize="1"/>
+          </p:cNvGrpSpPr>
           <p:nvPr>
             <p:extLst>
               <p:ext uri="{386F3935-93C4-4BCD-93E2-E3B085C9AB24}">
@@ -4229,88 +7719,249 @@
               </p:ext>
             </p:extLst>
           </p:nvPr>
-        </p:nvCxnSpPr>
+        </p:nvGrpSpPr>
+        <p:grpSpPr>
+          <a:xfrm>
+            <a:off x="-2" y="1998368"/>
+            <a:ext cx="11695083" cy="782176"/>
+            <a:chOff x="-2" y="1998368"/>
+            <a:chExt cx="11695083" cy="782176"/>
+          </a:xfrm>
+        </p:grpSpPr>
+        <p:sp>
+          <p:nvSpPr>
+            <p:cNvPr id="21" name="Rectangle 20">
+              <a:extLst>
+                <a:ext uri="{FF2B5EF4-FFF2-40B4-BE49-F238E27FC236}">
+                  <a16:creationId xmlns:a16="http://schemas.microsoft.com/office/drawing/2014/main" id="{8D7C88D8-5509-4514-925A-9CE148E5CBD6}"/>
+                </a:ext>
+                <a:ext uri="{C183D7F6-B498-43B3-948B-1728B52AA6E4}">
+                  <adec:decorative xmlns:adec="http://schemas.microsoft.com/office/drawing/2017/decorative" val="1"/>
+                </a:ext>
+              </a:extLst>
+            </p:cNvPr>
+            <p:cNvSpPr/>
+            <p:nvPr>
+              <p:extLst>
+                <p:ext uri="{386F3935-93C4-4BCD-93E2-E3B085C9AB24}">
+                  <p16:designElem xmlns:p16="http://schemas.microsoft.com/office/powerpoint/2015/main" val="1"/>
+                </p:ext>
+              </p:extLst>
+            </p:nvPr>
+          </p:nvSpPr>
+          <p:spPr>
+            <a:xfrm rot="5400000">
+              <a:off x="11228040" y="2313027"/>
+              <a:ext cx="781700" cy="152382"/>
+            </a:xfrm>
+            <a:prstGeom prst="rect">
+              <a:avLst/>
+            </a:prstGeom>
+            <a:solidFill>
+              <a:schemeClr val="accent4"/>
+            </a:solidFill>
+            <a:ln>
+              <a:noFill/>
+            </a:ln>
+          </p:spPr>
+          <p:style>
+            <a:lnRef idx="2">
+              <a:schemeClr val="accent1">
+                <a:shade val="50000"/>
+              </a:schemeClr>
+            </a:lnRef>
+            <a:fillRef idx="1">
+              <a:schemeClr val="accent1"/>
+            </a:fillRef>
+            <a:effectRef idx="0">
+              <a:schemeClr val="accent1"/>
+            </a:effectRef>
+            <a:fontRef idx="minor">
+              <a:schemeClr val="lt1"/>
+            </a:fontRef>
+          </p:style>
+          <p:txBody>
+            <a:bodyPr rtlCol="0" anchor="ctr"/>
+            <a:lstStyle/>
+            <a:p>
+              <a:pPr algn="ctr"/>
+              <a:endParaRPr lang="en-US"/>
+            </a:p>
+          </p:txBody>
+        </p:sp>
+        <p:sp>
+          <p:nvSpPr>
+            <p:cNvPr id="22" name="Rectangle 21">
+              <a:extLst>
+                <a:ext uri="{FF2B5EF4-FFF2-40B4-BE49-F238E27FC236}">
+                  <a16:creationId xmlns:a16="http://schemas.microsoft.com/office/drawing/2014/main" id="{7275593D-F75E-4426-AE3E-2CDEFD228D25}"/>
+                </a:ext>
+                <a:ext uri="{C183D7F6-B498-43B3-948B-1728B52AA6E4}">
+                  <adec:decorative xmlns:adec="http://schemas.microsoft.com/office/drawing/2017/decorative" val="1"/>
+                </a:ext>
+              </a:extLst>
+            </p:cNvPr>
+            <p:cNvSpPr/>
+            <p:nvPr>
+              <p:extLst>
+                <p:ext uri="{386F3935-93C4-4BCD-93E2-E3B085C9AB24}">
+                  <p16:designElem xmlns:p16="http://schemas.microsoft.com/office/powerpoint/2015/main" val="1"/>
+                </p:ext>
+              </p:extLst>
+            </p:nvPr>
+          </p:nvSpPr>
+          <p:spPr>
+            <a:xfrm flipH="1" flipV="1">
+              <a:off x="-2" y="1998845"/>
+              <a:ext cx="11454595" cy="781699"/>
+            </a:xfrm>
+            <a:prstGeom prst="rect">
+              <a:avLst/>
+            </a:prstGeom>
+            <a:solidFill>
+              <a:schemeClr val="accent4"/>
+            </a:solidFill>
+            <a:ln>
+              <a:noFill/>
+            </a:ln>
+          </p:spPr>
+          <p:style>
+            <a:lnRef idx="2">
+              <a:schemeClr val="accent1">
+                <a:shade val="50000"/>
+              </a:schemeClr>
+            </a:lnRef>
+            <a:fillRef idx="1">
+              <a:schemeClr val="accent1"/>
+            </a:fillRef>
+            <a:effectRef idx="0">
+              <a:schemeClr val="accent1"/>
+            </a:effectRef>
+            <a:fontRef idx="minor">
+              <a:schemeClr val="lt1"/>
+            </a:fontRef>
+          </p:style>
+          <p:txBody>
+            <a:bodyPr rtlCol="0" anchor="ctr"/>
+            <a:lstStyle/>
+            <a:p>
+              <a:pPr algn="ctr"/>
+              <a:endParaRPr lang="en-US"/>
+            </a:p>
+          </p:txBody>
+        </p:sp>
+      </p:grpSp>
+      <p:sp>
+        <p:nvSpPr>
+          <p:cNvPr id="24" name="Rectangle 23">
+            <a:extLst>
+              <a:ext uri="{FF2B5EF4-FFF2-40B4-BE49-F238E27FC236}">
+                <a16:creationId xmlns:a16="http://schemas.microsoft.com/office/drawing/2014/main" id="{E659831F-0D9A-4C63-9EBB-8435B85A440F}"/>
+              </a:ext>
+              <a:ext uri="{C183D7F6-B498-43B3-948B-1728B52AA6E4}">
+                <adec:decorative xmlns:adec="http://schemas.microsoft.com/office/drawing/2017/decorative" val="1"/>
+              </a:ext>
+            </a:extLst>
+          </p:cNvPr>
+          <p:cNvSpPr>
+            <a:spLocks noGrp="1" noRot="1" noChangeAspect="1" noMove="1" noResize="1" noEditPoints="1" noAdjustHandles="1" noChangeArrowheads="1" noChangeShapeType="1" noTextEdit="1"/>
+          </p:cNvSpPr>
+          <p:nvPr>
+            <p:extLst>
+              <p:ext uri="{386F3935-93C4-4BCD-93E2-E3B085C9AB24}">
+                <p16:designElem xmlns:p16="http://schemas.microsoft.com/office/powerpoint/2015/main" val="1"/>
+              </p:ext>
+            </p:extLst>
+          </p:nvPr>
+        </p:nvSpPr>
         <p:spPr>
           <a:xfrm>
-            <a:off x="11829053" y="0"/>
-            <a:ext cx="0" cy="6858000"/>
+            <a:off x="0" y="2203079"/>
+            <a:ext cx="11383362" cy="4147845"/>
           </a:xfrm>
-          <a:prstGeom prst="line">
+          <a:prstGeom prst="rect">
             <a:avLst/>
           </a:prstGeom>
-          <a:ln w="12700">
-            <a:solidFill>
-              <a:schemeClr val="accent2"/>
-            </a:solidFill>
+          <a:solidFill>
+            <a:schemeClr val="bg1"/>
+          </a:solidFill>
+          <a:ln>
+            <a:noFill/>
           </a:ln>
+          <a:effectLst>
+            <a:outerShdw blurRad="139700" dist="127000" dir="5400000" algn="t" rotWithShape="0">
+              <a:prstClr val="black">
+                <a:alpha val="15000"/>
+              </a:prstClr>
+            </a:outerShdw>
+          </a:effectLst>
         </p:spPr>
         <p:style>
-          <a:lnRef idx="1">
-            <a:schemeClr val="accent1"/>
+          <a:lnRef idx="2">
+            <a:schemeClr val="accent1">
+              <a:shade val="50000"/>
+            </a:schemeClr>
           </a:lnRef>
-          <a:fillRef idx="0">
+          <a:fillRef idx="1">
             <a:schemeClr val="accent1"/>
           </a:fillRef>
           <a:effectRef idx="0">
             <a:schemeClr val="accent1"/>
           </a:effectRef>
           <a:fontRef idx="minor">
-            <a:schemeClr val="tx1"/>
+            <a:schemeClr val="lt1"/>
           </a:fontRef>
         </p:style>
-      </p:cxnSp>
-      <p:cxnSp>
-        <p:nvCxnSpPr>
-          <p:cNvPr id="13" name="Straight Connector 12">
-            <a:extLst>
-              <a:ext uri="{FF2B5EF4-FFF2-40B4-BE49-F238E27FC236}">
-                <a16:creationId xmlns:a16="http://schemas.microsoft.com/office/drawing/2014/main" id="{F641577A-888F-4E56-B9E4-CC57AC7B7BDB}"/>
-              </a:ext>
-              <a:ext uri="{C183D7F6-B498-43B3-948B-1728B52AA6E4}">
-                <adec:decorative xmlns:adec="http://schemas.microsoft.com/office/drawing/2017/decorative" val="1"/>
-              </a:ext>
-            </a:extLst>
-          </p:cNvPr>
-          <p:cNvCxnSpPr>
-            <a:cxnSpLocks noGrp="1" noRot="1" noChangeAspect="1" noMove="1" noResize="1" noEditPoints="1" noAdjustHandles="1" noChangeArrowheads="1" noChangeShapeType="1"/>
-          </p:cNvCxnSpPr>
-          <p:nvPr>
-            <p:extLst>
-              <p:ext uri="{386F3935-93C4-4BCD-93E2-E3B085C9AB24}">
-                <p16:designElem xmlns:p16="http://schemas.microsoft.com/office/powerpoint/2015/main" val="1"/>
-              </p:ext>
-            </p:extLst>
-          </p:nvPr>
-        </p:nvCxnSpPr>
+        <p:txBody>
+          <a:bodyPr rtlCol="0" anchor="ctr"/>
+          <a:lstStyle/>
+          <a:p>
+            <a:pPr algn="ctr"/>
+            <a:endParaRPr lang="en-US"/>
+          </a:p>
+        </p:txBody>
+      </p:sp>
+      <p:sp>
+        <p:nvSpPr>
+          <p:cNvPr id="3" name="Espaço Reservado para Conteúdo 2">
+            <a:extLst>
+              <a:ext uri="{FF2B5EF4-FFF2-40B4-BE49-F238E27FC236}">
+                <a16:creationId xmlns:a16="http://schemas.microsoft.com/office/drawing/2014/main" id="{589BA7C1-EE0E-A9C6-604E-051C6539DBC5}"/>
+              </a:ext>
+            </a:extLst>
+          </p:cNvPr>
+          <p:cNvSpPr>
+            <a:spLocks noGrp="1"/>
+          </p:cNvSpPr>
+          <p:nvPr>
+            <p:ph idx="1"/>
+          </p:nvPr>
+        </p:nvSpPr>
         <p:spPr>
-          <a:xfrm flipH="1">
-            <a:off x="1295399" y="2026340"/>
-            <a:ext cx="10896601" cy="0"/>
+          <a:xfrm>
+            <a:off x="793660" y="2599509"/>
+            <a:ext cx="10143668" cy="3435531"/>
           </a:xfrm>
-          <a:prstGeom prst="line">
-            <a:avLst/>
-          </a:prstGeom>
-          <a:ln w="12700">
-            <a:solidFill>
-              <a:schemeClr val="accent2"/>
-            </a:solidFill>
-          </a:ln>
         </p:spPr>
-        <p:style>
-          <a:lnRef idx="1">
-            <a:schemeClr val="accent1"/>
-          </a:lnRef>
-          <a:fillRef idx="0">
-            <a:schemeClr val="accent1"/>
-          </a:fillRef>
-          <a:effectRef idx="0">
-            <a:schemeClr val="accent1"/>
-          </a:effectRef>
-          <a:fontRef idx="minor">
-            <a:schemeClr val="tx1"/>
-          </a:fontRef>
-        </p:style>
-      </p:cxnSp>
+        <p:txBody>
+          <a:bodyPr anchor="ctr">
+            <a:normAutofit/>
+          </a:bodyPr>
+          <a:lstStyle/>
+          <a:p>
+            <a:r>
+              <a:rPr lang="pt-BR" sz="2400" b="1"/>
+              <a:t>Mongo DB Atlas </a:t>
+            </a:r>
+          </a:p>
+          <a:p>
+            <a:r>
+              <a:rPr lang="pt-BR" sz="2400" b="1"/>
+              <a:t>Veja: https://www.mongodb.com/cloud/atlas</a:t>
+            </a:r>
+          </a:p>
+        </p:txBody>
+      </p:sp>
     </p:spTree>
     <p:extLst>
       <p:ext uri="{BB962C8B-B14F-4D97-AF65-F5344CB8AC3E}">
@@ -4349,12 +8000,12 @@
           <a:chExt cx="0" cy="0"/>
         </a:xfrm>
       </p:grpSpPr>
-      <p:sp>
-        <p:nvSpPr>
-          <p:cNvPr id="1037" name="Rectangle 1036">
-            <a:extLst>
-              <a:ext uri="{FF2B5EF4-FFF2-40B4-BE49-F238E27FC236}">
-                <a16:creationId xmlns:a16="http://schemas.microsoft.com/office/drawing/2014/main" id="{E8A8EAB8-D2FF-444D-B34B-7D32F106AD0E}"/>
+      <p:sp useBgFill="1">
+        <p:nvSpPr>
+          <p:cNvPr id="1031" name="Rectangle 1030">
+            <a:extLst>
+              <a:ext uri="{FF2B5EF4-FFF2-40B4-BE49-F238E27FC236}">
+                <a16:creationId xmlns:a16="http://schemas.microsoft.com/office/drawing/2014/main" id="{058A14AF-9FB5-4CC7-BA35-E8E85D3EDF0E}"/>
               </a:ext>
               <a:ext uri="{C183D7F6-B498-43B3-948B-1728B52AA6E4}">
                 <adec:decorative xmlns:adec="http://schemas.microsoft.com/office/drawing/2017/decorative" val="1"/>
@@ -4375,16 +8026,108 @@
         <p:spPr>
           <a:xfrm>
             <a:off x="0" y="0"/>
-            <a:ext cx="12192000" cy="6858000"/>
+            <a:ext cx="12191999" cy="6857365"/>
+          </a:xfrm>
+          <a:prstGeom prst="rect">
+            <a:avLst/>
+          </a:prstGeom>
+          <a:ln>
+            <a:noFill/>
+          </a:ln>
+        </p:spPr>
+        <p:style>
+          <a:lnRef idx="2">
+            <a:schemeClr val="accent1">
+              <a:shade val="50000"/>
+            </a:schemeClr>
+          </a:lnRef>
+          <a:fillRef idx="1">
+            <a:schemeClr val="accent1"/>
+          </a:fillRef>
+          <a:effectRef idx="0">
+            <a:schemeClr val="accent1"/>
+          </a:effectRef>
+          <a:fontRef idx="minor">
+            <a:schemeClr val="lt1"/>
+          </a:fontRef>
+        </p:style>
+        <p:txBody>
+          <a:bodyPr rtlCol="0" anchor="ctr"/>
+          <a:lstStyle/>
+          <a:p>
+            <a:pPr algn="ctr"/>
+            <a:endParaRPr lang="en-US"/>
+          </a:p>
+        </p:txBody>
+      </p:sp>
+      <p:sp>
+        <p:nvSpPr>
+          <p:cNvPr id="2" name="Título 1">
+            <a:extLst>
+              <a:ext uri="{FF2B5EF4-FFF2-40B4-BE49-F238E27FC236}">
+                <a16:creationId xmlns:a16="http://schemas.microsoft.com/office/drawing/2014/main" id="{7801A747-CD90-50FE-289B-DFEBD5A084DE}"/>
+              </a:ext>
+            </a:extLst>
+          </p:cNvPr>
+          <p:cNvSpPr>
+            <a:spLocks noGrp="1"/>
+          </p:cNvSpPr>
+          <p:nvPr>
+            <p:ph type="title"/>
+          </p:nvPr>
+        </p:nvSpPr>
+        <p:spPr>
+          <a:xfrm>
+            <a:off x="793662" y="386930"/>
+            <a:ext cx="10066122" cy="1298448"/>
+          </a:xfrm>
+        </p:spPr>
+        <p:txBody>
+          <a:bodyPr anchor="b">
+            <a:normAutofit/>
+          </a:bodyPr>
+          <a:lstStyle/>
+          <a:p>
+            <a:r>
+              <a:rPr lang="pt-BR" sz="4800"/>
+              <a:t>Mediator Pattern com MediatR</a:t>
+            </a:r>
+          </a:p>
+        </p:txBody>
+      </p:sp>
+      <p:sp>
+        <p:nvSpPr>
+          <p:cNvPr id="1033" name="Rectangle 1032">
+            <a:extLst>
+              <a:ext uri="{FF2B5EF4-FFF2-40B4-BE49-F238E27FC236}">
+                <a16:creationId xmlns:a16="http://schemas.microsoft.com/office/drawing/2014/main" id="{3A9A4357-BD1D-4622-A4FE-766E6AB8DE84}"/>
+              </a:ext>
+              <a:ext uri="{C183D7F6-B498-43B3-948B-1728B52AA6E4}">
+                <adec:decorative xmlns:adec="http://schemas.microsoft.com/office/drawing/2017/decorative" val="1"/>
+              </a:ext>
+            </a:extLst>
+          </p:cNvPr>
+          <p:cNvSpPr>
+            <a:spLocks noGrp="1" noRot="1" noChangeAspect="1" noMove="1" noResize="1" noEditPoints="1" noAdjustHandles="1" noChangeArrowheads="1" noChangeShapeType="1" noTextEdit="1"/>
+          </p:cNvSpPr>
+          <p:nvPr>
+            <p:extLst>
+              <p:ext uri="{386F3935-93C4-4BCD-93E2-E3B085C9AB24}">
+                <p16:designElem xmlns:p16="http://schemas.microsoft.com/office/powerpoint/2015/main" val="1"/>
+              </p:ext>
+            </p:extLst>
+          </p:nvPr>
+        </p:nvSpPr>
+        <p:spPr>
+          <a:xfrm flipH="1" flipV="1">
+            <a:off x="-2" y="1998845"/>
+            <a:ext cx="11454595" cy="781699"/>
           </a:xfrm>
           <a:prstGeom prst="rect">
             <a:avLst/>
           </a:prstGeom>
           <a:solidFill>
-            <a:schemeClr val="tx1">
-              <a:lumMod val="95000"/>
-              <a:lumOff val="5000"/>
-            </a:schemeClr>
+            <a:schemeClr val="accent4"/>
           </a:solidFill>
           <a:ln>
             <a:noFill/>
@@ -4411,68 +8154,25 @@
           <a:lstStyle/>
           <a:p>
             <a:pPr algn="ctr"/>
-            <a:endParaRPr lang="en-US" dirty="0">
-              <a:solidFill>
-                <a:schemeClr val="bg1"/>
-              </a:solidFill>
-            </a:endParaRPr>
-          </a:p>
-        </p:txBody>
-      </p:sp>
-      <p:sp>
-        <p:nvSpPr>
-          <p:cNvPr id="3" name="Título 2">
-            <a:extLst>
-              <a:ext uri="{FF2B5EF4-FFF2-40B4-BE49-F238E27FC236}">
-                <a16:creationId xmlns:a16="http://schemas.microsoft.com/office/drawing/2014/main" id="{9318A27E-E53F-3946-E018-797329405F92}"/>
-              </a:ext>
-            </a:extLst>
-          </p:cNvPr>
-          <p:cNvSpPr>
-            <a:spLocks noGrp="1"/>
-          </p:cNvSpPr>
-          <p:nvPr>
-            <p:ph type="title"/>
-          </p:nvPr>
-        </p:nvSpPr>
-        <p:spPr>
-          <a:xfrm>
-            <a:off x="838200" y="448721"/>
-            <a:ext cx="4707671" cy="1225650"/>
-          </a:xfrm>
-        </p:spPr>
-        <p:txBody>
-          <a:bodyPr anchor="b">
-            <a:normAutofit/>
-          </a:bodyPr>
-          <a:lstStyle/>
-          <a:p>
-            <a:r>
-              <a:rPr lang="pt-BR" sz="3800" b="1" dirty="0">
-                <a:solidFill>
-                  <a:schemeClr val="bg1"/>
-                </a:solidFill>
-              </a:rPr>
-              <a:t>CQRS – O que é? Onde aplicar?</a:t>
-            </a:r>
-          </a:p>
-        </p:txBody>
-      </p:sp>
-      <p:cxnSp>
-        <p:nvCxnSpPr>
-          <p:cNvPr id="1039" name="Straight Connector 1038">
-            <a:extLst>
-              <a:ext uri="{FF2B5EF4-FFF2-40B4-BE49-F238E27FC236}">
-                <a16:creationId xmlns:a16="http://schemas.microsoft.com/office/drawing/2014/main" id="{EEA38897-7BA3-4408-8083-3235339C4A60}"/>
+            <a:endParaRPr lang="en-US"/>
+          </a:p>
+        </p:txBody>
+      </p:sp>
+      <p:sp>
+        <p:nvSpPr>
+          <p:cNvPr id="1035" name="Rectangle 1034">
+            <a:extLst>
+              <a:ext uri="{FF2B5EF4-FFF2-40B4-BE49-F238E27FC236}">
+                <a16:creationId xmlns:a16="http://schemas.microsoft.com/office/drawing/2014/main" id="{E659831F-0D9A-4C63-9EBB-8435B85A440F}"/>
               </a:ext>
               <a:ext uri="{C183D7F6-B498-43B3-948B-1728B52AA6E4}">
                 <adec:decorative xmlns:adec="http://schemas.microsoft.com/office/drawing/2017/decorative" val="1"/>
               </a:ext>
             </a:extLst>
           </p:cNvPr>
-          <p:cNvCxnSpPr>
-            <a:cxnSpLocks noGrp="1" noRot="1" noChangeAspect="1" noMove="1" noResize="1" noEditPoints="1" noAdjustHandles="1" noChangeArrowheads="1" noChangeShapeType="1"/>
-          </p:cNvCxnSpPr>
+          <p:cNvSpPr>
+            <a:spLocks noGrp="1" noRot="1" noChangeAspect="1" noMove="1" noResize="1" noEditPoints="1" noAdjustHandles="1" noChangeArrowheads="1" noChangeShapeType="1" noTextEdit="1"/>
+          </p:cNvSpPr>
           <p:nvPr>
             <p:extLst>
               <p:ext uri="{386F3935-93C4-4BCD-93E2-E3B085C9AB24}">
@@ -4480,42 +8180,60 @@
               </p:ext>
             </p:extLst>
           </p:nvPr>
-        </p:nvCxnSpPr>
+        </p:nvSpPr>
         <p:spPr>
-          <a:xfrm flipH="1">
-            <a:off x="831873" y="1749756"/>
-            <a:ext cx="4718304" cy="0"/>
+          <a:xfrm>
+            <a:off x="0" y="2203079"/>
+            <a:ext cx="11383362" cy="4267991"/>
           </a:xfrm>
-          <a:prstGeom prst="line">
+          <a:prstGeom prst="rect">
             <a:avLst/>
           </a:prstGeom>
-          <a:ln w="12700">
-            <a:solidFill>
-              <a:schemeClr val="accent2"/>
-            </a:solidFill>
+          <a:solidFill>
+            <a:schemeClr val="bg1"/>
+          </a:solidFill>
+          <a:ln>
+            <a:noFill/>
           </a:ln>
+          <a:effectLst>
+            <a:outerShdw blurRad="139700" dist="127000" dir="5400000" algn="t" rotWithShape="0">
+              <a:prstClr val="black">
+                <a:alpha val="15000"/>
+              </a:prstClr>
+            </a:outerShdw>
+          </a:effectLst>
         </p:spPr>
         <p:style>
-          <a:lnRef idx="1">
-            <a:schemeClr val="accent1"/>
+          <a:lnRef idx="2">
+            <a:schemeClr val="accent1">
+              <a:shade val="50000"/>
+            </a:schemeClr>
           </a:lnRef>
-          <a:fillRef idx="0">
+          <a:fillRef idx="1">
             <a:schemeClr val="accent1"/>
           </a:fillRef>
           <a:effectRef idx="0">
             <a:schemeClr val="accent1"/>
           </a:effectRef>
           <a:fontRef idx="minor">
-            <a:schemeClr val="tx1"/>
+            <a:schemeClr val="lt1"/>
           </a:fontRef>
         </p:style>
-      </p:cxnSp>
-      <p:sp>
-        <p:nvSpPr>
-          <p:cNvPr id="4" name="Espaço Reservado para Conteúdo 3">
-            <a:extLst>
-              <a:ext uri="{FF2B5EF4-FFF2-40B4-BE49-F238E27FC236}">
-                <a16:creationId xmlns:a16="http://schemas.microsoft.com/office/drawing/2014/main" id="{E7340675-0D0F-EE9B-D9E9-8ED41AA3F6A7}"/>
+        <p:txBody>
+          <a:bodyPr rtlCol="0" anchor="ctr"/>
+          <a:lstStyle/>
+          <a:p>
+            <a:pPr algn="ctr"/>
+            <a:endParaRPr lang="en-US"/>
+          </a:p>
+        </p:txBody>
+      </p:sp>
+      <p:sp>
+        <p:nvSpPr>
+          <p:cNvPr id="3" name="Espaço Reservado para Conteúdo 2">
+            <a:extLst>
+              <a:ext uri="{FF2B5EF4-FFF2-40B4-BE49-F238E27FC236}">
+                <a16:creationId xmlns:a16="http://schemas.microsoft.com/office/drawing/2014/main" id="{589BA7C1-EE0E-A9C6-604E-051C6539DBC5}"/>
               </a:ext>
             </a:extLst>
           </p:cNvPr>
@@ -4528,125 +8246,47 @@
         </p:nvSpPr>
         <p:spPr>
           <a:xfrm>
-            <a:off x="897769" y="1909192"/>
-            <a:ext cx="4586513" cy="3647710"/>
+            <a:off x="793661" y="2599509"/>
+            <a:ext cx="4530898" cy="3639450"/>
           </a:xfrm>
         </p:spPr>
         <p:txBody>
-          <a:bodyPr>
+          <a:bodyPr anchor="ctr">
             <a:normAutofit/>
           </a:bodyPr>
           <a:lstStyle/>
           <a:p>
-            <a:pPr marL="0" indent="0" algn="just">
-              <a:buNone/>
-            </a:pPr>
-            <a:r>
-              <a:rPr lang="pt-BR" sz="1700" b="1" dirty="0">
-                <a:solidFill>
-                  <a:schemeClr val="bg1"/>
-                </a:solidFill>
-              </a:rPr>
-              <a:t>CQRS é uma daquelas siglas que está cada vez mais presente em nossas leituras, muitas vezes encontramos o CQRS sendo citado em conteúdos sobre DDD ou padrões de arquitetura escaláveis.</a:t>
-            </a:r>
-          </a:p>
-          <a:p>
-            <a:pPr marL="0" indent="0" algn="just">
-              <a:buNone/>
-            </a:pPr>
-            <a:r>
-              <a:rPr lang="pt-BR" sz="1700" b="1" dirty="0">
-                <a:solidFill>
-                  <a:schemeClr val="bg1"/>
-                </a:solidFill>
-              </a:rPr>
-              <a:t>CQRS é um conceito muito importante e você precisa conhecer. Eu costumo dizer que todo arquiteto possui uma “caixa de ferramentas” e o CQRS é o tipo de ferramenta que precisa estar presente na sua caixa.</a:t>
-            </a:r>
-          </a:p>
-          <a:p>
-            <a:r>
-              <a:rPr lang="pt-BR" sz="1700" b="1" dirty="0">
-                <a:solidFill>
-                  <a:schemeClr val="bg1"/>
-                </a:solidFill>
-              </a:rPr>
-              <a:t>Deadlocks, timeouts e lentidão, seu banco pode estar em chamas.</a:t>
-            </a:r>
-          </a:p>
-          <a:p>
-            <a:endParaRPr lang="pt-BR" sz="1700" b="1" dirty="0">
-              <a:solidFill>
-                <a:schemeClr val="bg1"/>
-              </a:solidFill>
-            </a:endParaRPr>
-          </a:p>
-          <a:p>
-            <a:endParaRPr lang="pt-BR" sz="1700" b="1" dirty="0">
-              <a:solidFill>
-                <a:schemeClr val="bg1"/>
-              </a:solidFill>
-            </a:endParaRPr>
-          </a:p>
-        </p:txBody>
-      </p:sp>
-      <p:cxnSp>
-        <p:nvCxnSpPr>
-          <p:cNvPr id="1041" name="Straight Connector 1040">
-            <a:extLst>
-              <a:ext uri="{FF2B5EF4-FFF2-40B4-BE49-F238E27FC236}">
-                <a16:creationId xmlns:a16="http://schemas.microsoft.com/office/drawing/2014/main" id="{F11AD06B-AB20-4097-8606-5DA00DBACE88}"/>
-              </a:ext>
-              <a:ext uri="{C183D7F6-B498-43B3-948B-1728B52AA6E4}">
-                <adec:decorative xmlns:adec="http://schemas.microsoft.com/office/drawing/2017/decorative" val="1"/>
-              </a:ext>
-            </a:extLst>
-          </p:cNvPr>
-          <p:cNvCxnSpPr>
-            <a:cxnSpLocks noGrp="1" noRot="1" noChangeAspect="1" noMove="1" noResize="1" noEditPoints="1" noAdjustHandles="1" noChangeArrowheads="1" noChangeShapeType="1"/>
-          </p:cNvCxnSpPr>
-          <p:nvPr>
-            <p:extLst>
-              <p:ext uri="{386F3935-93C4-4BCD-93E2-E3B085C9AB24}">
-                <p16:designElem xmlns:p16="http://schemas.microsoft.com/office/powerpoint/2015/main" val="1"/>
-              </p:ext>
-            </p:extLst>
-          </p:nvPr>
-        </p:nvCxnSpPr>
-        <p:spPr>
-          <a:xfrm flipH="1">
-            <a:off x="834027" y="5707672"/>
-            <a:ext cx="4713997" cy="0"/>
-          </a:xfrm>
-          <a:prstGeom prst="line">
-            <a:avLst/>
-          </a:prstGeom>
-          <a:ln w="12700">
-            <a:solidFill>
-              <a:schemeClr val="accent2"/>
-            </a:solidFill>
-          </a:ln>
-        </p:spPr>
-        <p:style>
-          <a:lnRef idx="1">
-            <a:schemeClr val="accent1"/>
-          </a:lnRef>
-          <a:fillRef idx="0">
-            <a:schemeClr val="accent1"/>
-          </a:fillRef>
-          <a:effectRef idx="0">
-            <a:schemeClr val="accent1"/>
-          </a:effectRef>
-          <a:fontRef idx="minor">
-            <a:schemeClr val="tx1"/>
-          </a:fontRef>
-        </p:style>
-      </p:cxnSp>
+            <a:r>
+              <a:rPr lang="pt-BR" sz="1300"/>
+              <a:t>Hoje vamos falar do Mediator Pattern, um dos Design Pattern que vem ganhando espaço no ambiente de desenvolvimento e que possui o mediatR, uma biblioteca C# que simplifica e facilita sua implementação.</a:t>
+            </a:r>
+          </a:p>
+          <a:p>
+            <a:endParaRPr lang="pt-BR" sz="1300"/>
+          </a:p>
+          <a:p>
+            <a:r>
+              <a:rPr lang="pt-BR" sz="1300"/>
+              <a:t>O Mediator Pattern cuida das interações entre diferentes objetos, fornecendo uma classe mediadora que coordena todas as interações entre os objetos, visando diminuir o acoplamento e a dependência entre eles e facilitando as manutenções. Portanto, nenhum objeto conversa diretamente com outro, sempre um objeto utilizará a classe mediadora para conversar indiretamente com outros objetos.</a:t>
+            </a:r>
+          </a:p>
+          <a:p>
+            <a:endParaRPr lang="pt-BR" sz="1300"/>
+          </a:p>
+          <a:p>
+            <a:r>
+              <a:rPr lang="pt-BR" sz="1300"/>
+              <a:t>Para exemplificar melhor, consideremos o seguinte cenário:</a:t>
+            </a:r>
+          </a:p>
+        </p:txBody>
+      </p:sp>
       <p:pic>
         <p:nvPicPr>
-          <p:cNvPr id="1032" name="Picture 8" descr="CQRS Banco em Chamas">
-            <a:extLst>
-              <a:ext uri="{FF2B5EF4-FFF2-40B4-BE49-F238E27FC236}">
-                <a16:creationId xmlns:a16="http://schemas.microsoft.com/office/drawing/2014/main" id="{9150BDDE-5AC1-4E4A-8245-DD77FBDF07D3}"/>
+          <p:cNvPr id="1026" name="Picture 2">
+            <a:extLst>
+              <a:ext uri="{FF2B5EF4-FFF2-40B4-BE49-F238E27FC236}">
+                <a16:creationId xmlns:a16="http://schemas.microsoft.com/office/drawing/2014/main" id="{467CFAD9-68C4-F57C-796D-18FF030389A8}"/>
               </a:ext>
             </a:extLst>
           </p:cNvPr>
@@ -4669,8 +8309,8 @@
         </p:blipFill>
         <p:spPr bwMode="auto">
           <a:xfrm>
-            <a:off x="6068609" y="1674371"/>
-            <a:ext cx="5864773" cy="4084519"/>
+            <a:off x="5985496" y="2484255"/>
+            <a:ext cx="5002348" cy="3714244"/>
           </a:xfrm>
           <a:prstGeom prst="rect">
             <a:avLst/>
@@ -4687,10 +8327,73 @@
           </a:extLst>
         </p:spPr>
       </p:pic>
+      <p:sp>
+        <p:nvSpPr>
+          <p:cNvPr id="1037" name="Rectangle 1036">
+            <a:extLst>
+              <a:ext uri="{FF2B5EF4-FFF2-40B4-BE49-F238E27FC236}">
+                <a16:creationId xmlns:a16="http://schemas.microsoft.com/office/drawing/2014/main" id="{E6995CE5-F890-4ABA-82A2-26507CE8D2A3}"/>
+              </a:ext>
+              <a:ext uri="{C183D7F6-B498-43B3-948B-1728B52AA6E4}">
+                <adec:decorative xmlns:adec="http://schemas.microsoft.com/office/drawing/2017/decorative" val="1"/>
+              </a:ext>
+            </a:extLst>
+          </p:cNvPr>
+          <p:cNvSpPr>
+            <a:spLocks noGrp="1" noRot="1" noChangeAspect="1" noMove="1" noResize="1" noEditPoints="1" noAdjustHandles="1" noChangeArrowheads="1" noChangeShapeType="1" noTextEdit="1"/>
+          </p:cNvSpPr>
+          <p:nvPr>
+            <p:extLst>
+              <p:ext uri="{386F3935-93C4-4BCD-93E2-E3B085C9AB24}">
+                <p16:designElem xmlns:p16="http://schemas.microsoft.com/office/powerpoint/2015/main" val="1"/>
+              </p:ext>
+            </p:extLst>
+          </p:nvPr>
+        </p:nvSpPr>
+        <p:spPr>
+          <a:xfrm rot="5400000">
+            <a:off x="11228040" y="2313027"/>
+            <a:ext cx="781700" cy="152382"/>
+          </a:xfrm>
+          <a:prstGeom prst="rect">
+            <a:avLst/>
+          </a:prstGeom>
+          <a:solidFill>
+            <a:schemeClr val="accent4"/>
+          </a:solidFill>
+          <a:ln>
+            <a:noFill/>
+          </a:ln>
+        </p:spPr>
+        <p:style>
+          <a:lnRef idx="2">
+            <a:schemeClr val="accent1">
+              <a:shade val="50000"/>
+            </a:schemeClr>
+          </a:lnRef>
+          <a:fillRef idx="1">
+            <a:schemeClr val="accent1"/>
+          </a:fillRef>
+          <a:effectRef idx="0">
+            <a:schemeClr val="accent1"/>
+          </a:effectRef>
+          <a:fontRef idx="minor">
+            <a:schemeClr val="lt1"/>
+          </a:fontRef>
+        </p:style>
+        <p:txBody>
+          <a:bodyPr rtlCol="0" anchor="ctr"/>
+          <a:lstStyle/>
+          <a:p>
+            <a:pPr algn="ctr"/>
+            <a:endParaRPr lang="en-US"/>
+          </a:p>
+        </p:txBody>
+      </p:sp>
     </p:spTree>
     <p:extLst>
       <p:ext uri="{BB962C8B-B14F-4D97-AF65-F5344CB8AC3E}">
-        <p14:creationId xmlns:p14="http://schemas.microsoft.com/office/powerpoint/2010/main" val="2066115603"/>
+        <p14:creationId xmlns:p14="http://schemas.microsoft.com/office/powerpoint/2010/main" val="3611367681"/>
       </p:ext>
     </p:extLst>
   </p:cSld>
@@ -4725,12 +8428,12 @@
           <a:chExt cx="0" cy="0"/>
         </a:xfrm>
       </p:grpSpPr>
-      <p:sp>
-        <p:nvSpPr>
-          <p:cNvPr id="46" name="Rectangle 7">
-            <a:extLst>
-              <a:ext uri="{FF2B5EF4-FFF2-40B4-BE49-F238E27FC236}">
-                <a16:creationId xmlns:a16="http://schemas.microsoft.com/office/drawing/2014/main" id="{E8A8EAB8-D2FF-444D-B34B-7D32F106AD0E}"/>
+      <p:sp useBgFill="1">
+        <p:nvSpPr>
+          <p:cNvPr id="1046" name="Rectangle 1045">
+            <a:extLst>
+              <a:ext uri="{FF2B5EF4-FFF2-40B4-BE49-F238E27FC236}">
+                <a16:creationId xmlns:a16="http://schemas.microsoft.com/office/drawing/2014/main" id="{6EFC920F-B85A-4068-BD93-41064EDE93D3}"/>
               </a:ext>
               <a:ext uri="{C183D7F6-B498-43B3-948B-1728B52AA6E4}">
                 <adec:decorative xmlns:adec="http://schemas.microsoft.com/office/drawing/2017/decorative" val="1"/>
@@ -4751,16 +8454,331 @@
         <p:spPr>
           <a:xfrm>
             <a:off x="0" y="0"/>
-            <a:ext cx="12192000" cy="6858000"/>
+            <a:ext cx="12191999" cy="6857365"/>
+          </a:xfrm>
+          <a:prstGeom prst="rect">
+            <a:avLst/>
+          </a:prstGeom>
+          <a:ln>
+            <a:noFill/>
+          </a:ln>
+        </p:spPr>
+        <p:style>
+          <a:lnRef idx="2">
+            <a:schemeClr val="accent1">
+              <a:shade val="50000"/>
+            </a:schemeClr>
+          </a:lnRef>
+          <a:fillRef idx="1">
+            <a:schemeClr val="accent1"/>
+          </a:fillRef>
+          <a:effectRef idx="0">
+            <a:schemeClr val="accent1"/>
+          </a:effectRef>
+          <a:fontRef idx="minor">
+            <a:schemeClr val="lt1"/>
+          </a:fontRef>
+        </p:style>
+        <p:txBody>
+          <a:bodyPr rtlCol="0" anchor="ctr"/>
+          <a:lstStyle/>
+          <a:p>
+            <a:pPr algn="ctr"/>
+            <a:endParaRPr lang="en-US"/>
+          </a:p>
+        </p:txBody>
+      </p:sp>
+      <p:grpSp>
+        <p:nvGrpSpPr>
+          <p:cNvPr id="1048" name="Group 1047">
+            <a:extLst>
+              <a:ext uri="{FF2B5EF4-FFF2-40B4-BE49-F238E27FC236}">
+                <a16:creationId xmlns:a16="http://schemas.microsoft.com/office/drawing/2014/main" id="{1C559108-BBAE-426C-8564-051D2BA6DDC8}"/>
+              </a:ext>
+              <a:ext uri="{C183D7F6-B498-43B3-948B-1728B52AA6E4}">
+                <adec:decorative xmlns:adec="http://schemas.microsoft.com/office/drawing/2017/decorative" val="1"/>
+              </a:ext>
+            </a:extLst>
+          </p:cNvPr>
+          <p:cNvGrpSpPr>
+            <a:grpSpLocks noGrp="1" noUngrp="1" noRot="1" noChangeAspect="1" noMove="1" noResize="1"/>
+          </p:cNvGrpSpPr>
+          <p:nvPr>
+            <p:extLst>
+              <p:ext uri="{386F3935-93C4-4BCD-93E2-E3B085C9AB24}">
+                <p16:designElem xmlns:p16="http://schemas.microsoft.com/office/powerpoint/2015/main" val="1"/>
+              </p:ext>
+            </p:extLst>
+          </p:nvPr>
+        </p:nvGrpSpPr>
+        <p:grpSpPr>
+          <a:xfrm rot="5400000">
+            <a:off x="-2340441" y="2666183"/>
+            <a:ext cx="5860051" cy="527712"/>
+            <a:chOff x="6081624" y="1998368"/>
+            <a:chExt cx="5613457" cy="782175"/>
+          </a:xfrm>
+          <a:solidFill>
+            <a:schemeClr val="accent4"/>
+          </a:solidFill>
+        </p:grpSpPr>
+        <p:sp>
+          <p:nvSpPr>
+            <p:cNvPr id="1049" name="Rectangle 1048">
+              <a:extLst>
+                <a:ext uri="{FF2B5EF4-FFF2-40B4-BE49-F238E27FC236}">
+                  <a16:creationId xmlns:a16="http://schemas.microsoft.com/office/drawing/2014/main" id="{42BC35EE-6650-42D2-AEFB-4B7CD1AFC9BD}"/>
+                </a:ext>
+                <a:ext uri="{C183D7F6-B498-43B3-948B-1728B52AA6E4}">
+                  <adec:decorative xmlns:adec="http://schemas.microsoft.com/office/drawing/2017/decorative" val="1"/>
+                </a:ext>
+              </a:extLst>
+            </p:cNvPr>
+            <p:cNvSpPr/>
+            <p:nvPr>
+              <p:extLst>
+                <p:ext uri="{386F3935-93C4-4BCD-93E2-E3B085C9AB24}">
+                  <p16:designElem xmlns:p16="http://schemas.microsoft.com/office/powerpoint/2015/main" val="1"/>
+                </p:ext>
+              </p:extLst>
+            </p:nvPr>
+          </p:nvSpPr>
+          <p:spPr>
+            <a:xfrm rot="5400000">
+              <a:off x="11228040" y="2313027"/>
+              <a:ext cx="781700" cy="152382"/>
+            </a:xfrm>
+            <a:prstGeom prst="rect">
+              <a:avLst/>
+            </a:prstGeom>
+            <a:grpFill/>
+            <a:ln>
+              <a:noFill/>
+            </a:ln>
+          </p:spPr>
+          <p:style>
+            <a:lnRef idx="2">
+              <a:schemeClr val="accent1">
+                <a:shade val="50000"/>
+              </a:schemeClr>
+            </a:lnRef>
+            <a:fillRef idx="1">
+              <a:schemeClr val="accent1"/>
+            </a:fillRef>
+            <a:effectRef idx="0">
+              <a:schemeClr val="accent1"/>
+            </a:effectRef>
+            <a:fontRef idx="minor">
+              <a:schemeClr val="lt1"/>
+            </a:fontRef>
+          </p:style>
+          <p:txBody>
+            <a:bodyPr rtlCol="0" anchor="ctr"/>
+            <a:lstStyle/>
+            <a:p>
+              <a:pPr algn="ctr"/>
+              <a:endParaRPr lang="en-US"/>
+            </a:p>
+          </p:txBody>
+        </p:sp>
+        <p:sp>
+          <p:nvSpPr>
+            <p:cNvPr id="1050" name="Rectangle 1049">
+              <a:extLst>
+                <a:ext uri="{FF2B5EF4-FFF2-40B4-BE49-F238E27FC236}">
+                  <a16:creationId xmlns:a16="http://schemas.microsoft.com/office/drawing/2014/main" id="{0952C743-9049-4DFB-878B-2AB07B6E4FD1}"/>
+                </a:ext>
+                <a:ext uri="{C183D7F6-B498-43B3-948B-1728B52AA6E4}">
+                  <adec:decorative xmlns:adec="http://schemas.microsoft.com/office/drawing/2017/decorative" val="1"/>
+                </a:ext>
+              </a:extLst>
+            </p:cNvPr>
+            <p:cNvSpPr/>
+            <p:nvPr>
+              <p:extLst>
+                <p:ext uri="{386F3935-93C4-4BCD-93E2-E3B085C9AB24}">
+                  <p16:designElem xmlns:p16="http://schemas.microsoft.com/office/powerpoint/2015/main" val="1"/>
+                </p:ext>
+              </p:extLst>
+            </p:nvPr>
+          </p:nvSpPr>
+          <p:spPr>
+            <a:xfrm flipH="1" flipV="1">
+              <a:off x="6081624" y="1998844"/>
+              <a:ext cx="5372968" cy="781699"/>
+            </a:xfrm>
+            <a:prstGeom prst="rect">
+              <a:avLst/>
+            </a:prstGeom>
+            <a:grpFill/>
+            <a:ln>
+              <a:noFill/>
+            </a:ln>
+          </p:spPr>
+          <p:style>
+            <a:lnRef idx="2">
+              <a:schemeClr val="accent1">
+                <a:shade val="50000"/>
+              </a:schemeClr>
+            </a:lnRef>
+            <a:fillRef idx="1">
+              <a:schemeClr val="accent1"/>
+            </a:fillRef>
+            <a:effectRef idx="0">
+              <a:schemeClr val="accent1"/>
+            </a:effectRef>
+            <a:fontRef idx="minor">
+              <a:schemeClr val="lt1"/>
+            </a:fontRef>
+          </p:style>
+          <p:txBody>
+            <a:bodyPr rtlCol="0" anchor="ctr"/>
+            <a:lstStyle/>
+            <a:p>
+              <a:pPr algn="ctr"/>
+              <a:endParaRPr lang="en-US"/>
+            </a:p>
+          </p:txBody>
+        </p:sp>
+      </p:grpSp>
+      <p:sp>
+        <p:nvSpPr>
+          <p:cNvPr id="1052" name="Rectangle 1051">
+            <a:extLst>
+              <a:ext uri="{FF2B5EF4-FFF2-40B4-BE49-F238E27FC236}">
+                <a16:creationId xmlns:a16="http://schemas.microsoft.com/office/drawing/2014/main" id="{CBC4F608-B4B8-48C3-9572-C0F061B1CD99}"/>
+              </a:ext>
+              <a:ext uri="{C183D7F6-B498-43B3-948B-1728B52AA6E4}">
+                <adec:decorative xmlns:adec="http://schemas.microsoft.com/office/drawing/2017/decorative" val="1"/>
+              </a:ext>
+            </a:extLst>
+          </p:cNvPr>
+          <p:cNvSpPr>
+            <a:spLocks noGrp="1" noRot="1" noChangeAspect="1" noMove="1" noResize="1" noEditPoints="1" noAdjustHandles="1" noChangeArrowheads="1" noChangeShapeType="1" noTextEdit="1"/>
+          </p:cNvSpPr>
+          <p:nvPr>
+            <p:extLst>
+              <p:ext uri="{386F3935-93C4-4BCD-93E2-E3B085C9AB24}">
+                <p16:designElem xmlns:p16="http://schemas.microsoft.com/office/powerpoint/2015/main" val="1"/>
+              </p:ext>
+            </p:extLst>
+          </p:nvPr>
+        </p:nvSpPr>
+        <p:spPr>
+          <a:xfrm>
+            <a:off x="579528" y="922919"/>
+            <a:ext cx="11111729" cy="5461252"/>
           </a:xfrm>
           <a:prstGeom prst="rect">
             <a:avLst/>
           </a:prstGeom>
           <a:solidFill>
-            <a:schemeClr val="tx1">
-              <a:lumMod val="95000"/>
-              <a:lumOff val="5000"/>
+            <a:schemeClr val="bg1"/>
+          </a:solidFill>
+          <a:ln>
+            <a:noFill/>
+          </a:ln>
+          <a:effectLst>
+            <a:outerShdw blurRad="139700" dist="127000" dir="5400000" algn="t" rotWithShape="0">
+              <a:prstClr val="black">
+                <a:alpha val="15000"/>
+              </a:prstClr>
+            </a:outerShdw>
+          </a:effectLst>
+        </p:spPr>
+        <p:style>
+          <a:lnRef idx="2">
+            <a:schemeClr val="accent1">
+              <a:shade val="50000"/>
             </a:schemeClr>
+          </a:lnRef>
+          <a:fillRef idx="1">
+            <a:schemeClr val="accent1"/>
+          </a:fillRef>
+          <a:effectRef idx="0">
+            <a:schemeClr val="accent1"/>
+          </a:effectRef>
+          <a:fontRef idx="minor">
+            <a:schemeClr val="lt1"/>
+          </a:fontRef>
+        </p:style>
+        <p:txBody>
+          <a:bodyPr rtlCol="0" anchor="ctr"/>
+          <a:lstStyle/>
+          <a:p>
+            <a:pPr algn="ctr"/>
+            <a:endParaRPr lang="en-US"/>
+          </a:p>
+        </p:txBody>
+      </p:sp>
+      <p:sp>
+        <p:nvSpPr>
+          <p:cNvPr id="3" name="Título 2">
+            <a:extLst>
+              <a:ext uri="{FF2B5EF4-FFF2-40B4-BE49-F238E27FC236}">
+                <a16:creationId xmlns:a16="http://schemas.microsoft.com/office/drawing/2014/main" id="{9318A27E-E53F-3946-E018-797329405F92}"/>
+              </a:ext>
+            </a:extLst>
+          </p:cNvPr>
+          <p:cNvSpPr>
+            <a:spLocks noGrp="1"/>
+          </p:cNvSpPr>
+          <p:nvPr>
+            <p:ph type="title"/>
+          </p:nvPr>
+        </p:nvSpPr>
+        <p:spPr>
+          <a:xfrm>
+            <a:off x="1099425" y="1238081"/>
+            <a:ext cx="4709345" cy="962953"/>
+          </a:xfrm>
+        </p:spPr>
+        <p:txBody>
+          <a:bodyPr anchor="b">
+            <a:normAutofit/>
+          </a:bodyPr>
+          <a:lstStyle/>
+          <a:p>
+            <a:r>
+              <a:rPr lang="pt-BR" sz="2900" b="1"/>
+              <a:t>CQRS – O que é? Onde aplicar?</a:t>
+            </a:r>
+          </a:p>
+        </p:txBody>
+      </p:sp>
+      <p:sp>
+        <p:nvSpPr>
+          <p:cNvPr id="1054" name="Rectangle 1053">
+            <a:extLst>
+              <a:ext uri="{FF2B5EF4-FFF2-40B4-BE49-F238E27FC236}">
+                <a16:creationId xmlns:a16="http://schemas.microsoft.com/office/drawing/2014/main" id="{1382A32C-5B0C-4B1C-A074-76C6DBCC9F87}"/>
+              </a:ext>
+              <a:ext uri="{C183D7F6-B498-43B3-948B-1728B52AA6E4}">
+                <adec:decorative xmlns:adec="http://schemas.microsoft.com/office/drawing/2017/decorative" val="1"/>
+              </a:ext>
+            </a:extLst>
+          </p:cNvPr>
+          <p:cNvSpPr>
+            <a:spLocks noGrp="1" noRot="1" noChangeAspect="1" noMove="1" noResize="1" noEditPoints="1" noAdjustHandles="1" noChangeArrowheads="1" noChangeShapeType="1" noTextEdit="1"/>
+          </p:cNvSpPr>
+          <p:nvPr>
+            <p:extLst>
+              <p:ext uri="{386F3935-93C4-4BCD-93E2-E3B085C9AB24}">
+                <p16:designElem xmlns:p16="http://schemas.microsoft.com/office/powerpoint/2015/main" val="1"/>
+              </p:ext>
+            </p:extLst>
+          </p:nvPr>
+        </p:nvSpPr>
+        <p:spPr>
+          <a:xfrm flipH="1">
+            <a:off x="1139885" y="2372170"/>
+            <a:ext cx="4389120" cy="27432"/>
+          </a:xfrm>
+          <a:prstGeom prst="rect">
+            <a:avLst/>
+          </a:prstGeom>
+          <a:solidFill>
+            <a:schemeClr val="accent4"/>
           </a:solidFill>
           <a:ln>
             <a:noFill/>
@@ -4787,34 +8805,30 @@
           <a:lstStyle/>
           <a:p>
             <a:pPr algn="ctr"/>
-            <a:endParaRPr lang="en-US" dirty="0">
-              <a:solidFill>
-                <a:schemeClr val="bg1"/>
-              </a:solidFill>
-            </a:endParaRPr>
-          </a:p>
-        </p:txBody>
-      </p:sp>
-      <p:sp>
-        <p:nvSpPr>
-          <p:cNvPr id="2" name="Título 1">
-            <a:extLst>
-              <a:ext uri="{FF2B5EF4-FFF2-40B4-BE49-F238E27FC236}">
-                <a16:creationId xmlns:a16="http://schemas.microsoft.com/office/drawing/2014/main" id="{FBA98328-2EDA-680E-7A28-9398393A43B2}"/>
-              </a:ext>
-            </a:extLst>
-          </p:cNvPr>
-          <p:cNvSpPr>
-            <a:spLocks noGrp="1"/>
-          </p:cNvSpPr>
-          <p:nvPr>
-            <p:ph type="title"/>
+            <a:endParaRPr lang="en-US"/>
+          </a:p>
+        </p:txBody>
+      </p:sp>
+      <p:sp>
+        <p:nvSpPr>
+          <p:cNvPr id="4" name="Espaço Reservado para Conteúdo 3">
+            <a:extLst>
+              <a:ext uri="{FF2B5EF4-FFF2-40B4-BE49-F238E27FC236}">
+                <a16:creationId xmlns:a16="http://schemas.microsoft.com/office/drawing/2014/main" id="{E7340675-0D0F-EE9B-D9E9-8ED41AA3F6A7}"/>
+              </a:ext>
+            </a:extLst>
+          </p:cNvPr>
+          <p:cNvSpPr>
+            <a:spLocks noGrp="1"/>
+          </p:cNvSpPr>
+          <p:nvPr>
+            <p:ph idx="1"/>
           </p:nvPr>
         </p:nvSpPr>
         <p:spPr>
           <a:xfrm>
-            <a:off x="1014141" y="1450655"/>
-            <a:ext cx="3932030" cy="3956690"/>
+            <a:off x="1100736" y="2508105"/>
+            <a:ext cx="4709345" cy="3632493"/>
           </a:xfrm>
         </p:spPr>
         <p:txBody>
@@ -4823,211 +8837,86 @@
           </a:bodyPr>
           <a:lstStyle/>
           <a:p>
-            <a:r>
-              <a:rPr lang="pt-BR" sz="5000">
-                <a:solidFill>
-                  <a:schemeClr val="bg1"/>
-                </a:solidFill>
-              </a:rPr>
-              <a:t>Sincronização</a:t>
-            </a:r>
-          </a:p>
-        </p:txBody>
-      </p:sp>
-      <p:cxnSp>
-        <p:nvCxnSpPr>
-          <p:cNvPr id="47" name="Straight Connector 9">
-            <a:extLst>
-              <a:ext uri="{FF2B5EF4-FFF2-40B4-BE49-F238E27FC236}">
-                <a16:creationId xmlns:a16="http://schemas.microsoft.com/office/drawing/2014/main" id="{067633D1-6EE6-4118-B9F0-B363477BEE7A}"/>
-              </a:ext>
-              <a:ext uri="{C183D7F6-B498-43B3-948B-1728B52AA6E4}">
-                <adec:decorative xmlns:adec="http://schemas.microsoft.com/office/drawing/2017/decorative" val="1"/>
-              </a:ext>
-            </a:extLst>
-          </p:cNvPr>
-          <p:cNvCxnSpPr>
-            <a:cxnSpLocks noGrp="1" noRot="1" noChangeAspect="1" noMove="1" noResize="1" noEditPoints="1" noAdjustHandles="1" noChangeArrowheads="1" noChangeShapeType="1"/>
-          </p:cNvCxnSpPr>
-          <p:nvPr>
-            <p:extLst>
-              <p:ext uri="{386F3935-93C4-4BCD-93E2-E3B085C9AB24}">
-                <p16:designElem xmlns:p16="http://schemas.microsoft.com/office/powerpoint/2015/main" val="1"/>
-              </p:ext>
-            </p:extLst>
-          </p:nvPr>
-        </p:nvCxnSpPr>
-        <p:spPr>
-          <a:xfrm flipH="1">
-            <a:off x="1014141" y="1450655"/>
-            <a:ext cx="3932030" cy="0"/>
+            <a:pPr marL="0" indent="0">
+              <a:buNone/>
+            </a:pPr>
+            <a:r>
+              <a:rPr lang="pt-BR" sz="1700" b="1"/>
+              <a:t>CQRS é uma daquelas siglas que está cada vez mais presente em nossas leituras, muitas vezes encontramos o CQRS sendo citado em conteúdos sobre DDD ou padrões de arquitetura escaláveis.</a:t>
+            </a:r>
+          </a:p>
+          <a:p>
+            <a:pPr marL="0" indent="0">
+              <a:buNone/>
+            </a:pPr>
+            <a:r>
+              <a:rPr lang="pt-BR" sz="1700" b="1"/>
+              <a:t>CQRS é um conceito muito importante e você precisa conhecer. Eu costumo dizer que todo arquiteto possui uma “caixa de ferramentas” e o CQRS é o tipo de ferramenta que precisa estar presente na sua caixa.</a:t>
+            </a:r>
+          </a:p>
+          <a:p>
+            <a:r>
+              <a:rPr lang="pt-BR" sz="1700" b="1"/>
+              <a:t>Deadlocks, timeouts e lentidão, seu banco pode estar em chamas.</a:t>
+            </a:r>
+          </a:p>
+          <a:p>
+            <a:endParaRPr lang="pt-BR" sz="1700" b="1"/>
+          </a:p>
+          <a:p>
+            <a:endParaRPr lang="pt-BR" sz="1700" b="1"/>
+          </a:p>
+        </p:txBody>
+      </p:sp>
+      <p:pic>
+        <p:nvPicPr>
+          <p:cNvPr id="1032" name="Picture 8" descr="CQRS Banco em Chamas">
+            <a:extLst>
+              <a:ext uri="{FF2B5EF4-FFF2-40B4-BE49-F238E27FC236}">
+                <a16:creationId xmlns:a16="http://schemas.microsoft.com/office/drawing/2014/main" id="{9150BDDE-5AC1-4E4A-8245-DD77FBDF07D3}"/>
+              </a:ext>
+            </a:extLst>
+          </p:cNvPr>
+          <p:cNvPicPr>
+            <a:picLocks noChangeAspect="1" noChangeArrowheads="1"/>
+          </p:cNvPicPr>
+          <p:nvPr/>
+        </p:nvPicPr>
+        <p:blipFill rotWithShape="1">
+          <a:blip r:embed="rId2">
+            <a:extLst>
+              <a:ext uri="{28A0092B-C50C-407E-A947-70E740481C1C}">
+                <a14:useLocalDpi xmlns:a14="http://schemas.microsoft.com/office/drawing/2010/main" val="0"/>
+              </a:ext>
+            </a:extLst>
+          </a:blip>
+          <a:srcRect l="3616" r="27583" b="2"/>
+          <a:stretch/>
+        </p:blipFill>
+        <p:spPr bwMode="auto">
+          <a:xfrm>
+            <a:off x="6538366" y="1383738"/>
+            <a:ext cx="4929098" cy="4756870"/>
           </a:xfrm>
-          <a:prstGeom prst="line">
+          <a:prstGeom prst="rect">
             <a:avLst/>
           </a:prstGeom>
-          <a:ln w="12700">
-            <a:solidFill>
-              <a:schemeClr val="accent2"/>
-            </a:solidFill>
-          </a:ln>
+          <a:noFill/>
+          <a:extLst>
+            <a:ext uri="{909E8E84-426E-40DD-AFC4-6F175D3DCCD1}">
+              <a14:hiddenFill xmlns:a14="http://schemas.microsoft.com/office/drawing/2010/main">
+                <a:solidFill>
+                  <a:srgbClr val="FFFFFF"/>
+                </a:solidFill>
+              </a14:hiddenFill>
+            </a:ext>
+          </a:extLst>
         </p:spPr>
-        <p:style>
-          <a:lnRef idx="1">
-            <a:schemeClr val="accent1"/>
-          </a:lnRef>
-          <a:fillRef idx="0">
-            <a:schemeClr val="accent1"/>
-          </a:fillRef>
-          <a:effectRef idx="0">
-            <a:schemeClr val="accent1"/>
-          </a:effectRef>
-          <a:fontRef idx="minor">
-            <a:schemeClr val="tx1"/>
-          </a:fontRef>
-        </p:style>
-      </p:cxnSp>
-      <p:cxnSp>
-        <p:nvCxnSpPr>
-          <p:cNvPr id="12" name="Straight Connector 11">
-            <a:extLst>
-              <a:ext uri="{FF2B5EF4-FFF2-40B4-BE49-F238E27FC236}">
-                <a16:creationId xmlns:a16="http://schemas.microsoft.com/office/drawing/2014/main" id="{4AD7FFC6-42A9-49CB-B5E9-B3F6B038331B}"/>
-              </a:ext>
-              <a:ext uri="{C183D7F6-B498-43B3-948B-1728B52AA6E4}">
-                <adec:decorative xmlns:adec="http://schemas.microsoft.com/office/drawing/2017/decorative" val="1"/>
-              </a:ext>
-            </a:extLst>
-          </p:cNvPr>
-          <p:cNvCxnSpPr>
-            <a:cxnSpLocks noGrp="1" noRot="1" noChangeAspect="1" noMove="1" noResize="1" noEditPoints="1" noAdjustHandles="1" noChangeArrowheads="1" noChangeShapeType="1"/>
-          </p:cNvCxnSpPr>
-          <p:nvPr>
-            <p:extLst>
-              <p:ext uri="{386F3935-93C4-4BCD-93E2-E3B085C9AB24}">
-                <p16:designElem xmlns:p16="http://schemas.microsoft.com/office/powerpoint/2015/main" val="1"/>
-              </p:ext>
-            </p:extLst>
-          </p:nvPr>
-        </p:nvCxnSpPr>
-        <p:spPr>
-          <a:xfrm flipH="1">
-            <a:off x="1014141" y="5408571"/>
-            <a:ext cx="3932030" cy="0"/>
-          </a:xfrm>
-          <a:prstGeom prst="line">
-            <a:avLst/>
-          </a:prstGeom>
-          <a:ln w="12700">
-            <a:solidFill>
-              <a:schemeClr val="accent2"/>
-            </a:solidFill>
-          </a:ln>
-        </p:spPr>
-        <p:style>
-          <a:lnRef idx="1">
-            <a:schemeClr val="accent1"/>
-          </a:lnRef>
-          <a:fillRef idx="0">
-            <a:schemeClr val="accent1"/>
-          </a:fillRef>
-          <a:effectRef idx="0">
-            <a:schemeClr val="accent1"/>
-          </a:effectRef>
-          <a:fontRef idx="minor">
-            <a:schemeClr val="tx1"/>
-          </a:fontRef>
-        </p:style>
-      </p:cxnSp>
-      <p:sp>
-        <p:nvSpPr>
-          <p:cNvPr id="48" name="Espaço Reservado para Conteúdo 2">
-            <a:extLst>
-              <a:ext uri="{FF2B5EF4-FFF2-40B4-BE49-F238E27FC236}">
-                <a16:creationId xmlns:a16="http://schemas.microsoft.com/office/drawing/2014/main" id="{14973963-7409-9416-9CEF-DA09A42768CE}"/>
-              </a:ext>
-            </a:extLst>
-          </p:cNvPr>
-          <p:cNvSpPr>
-            <a:spLocks noGrp="1"/>
-          </p:cNvSpPr>
-          <p:nvPr>
-            <p:ph idx="1"/>
-          </p:nvPr>
-        </p:nvSpPr>
-        <p:spPr>
-          <a:xfrm>
-            <a:off x="5698836" y="1108061"/>
-            <a:ext cx="5406065" cy="5015648"/>
-          </a:xfrm>
-        </p:spPr>
-        <p:txBody>
-          <a:bodyPr anchor="ctr">
-            <a:normAutofit/>
-          </a:bodyPr>
-          <a:lstStyle/>
-          <a:p>
-            <a:r>
-              <a:rPr lang="pt-BR" sz="1600" dirty="0">
-                <a:solidFill>
-                  <a:schemeClr val="bg1"/>
-                </a:solidFill>
-              </a:rPr>
-              <a:t>Existem algumas estratégias para manter as bases de leitura e gravação sincronizadas é necessário escolher a que melhor atende ao seu cenário:</a:t>
-            </a:r>
-          </a:p>
-          <a:p>
-            <a:endParaRPr lang="pt-BR" sz="1600" dirty="0">
-              <a:solidFill>
-                <a:schemeClr val="bg1"/>
-              </a:solidFill>
-            </a:endParaRPr>
-          </a:p>
-          <a:p>
-            <a:r>
-              <a:rPr lang="pt-BR" sz="1600" dirty="0">
-                <a:solidFill>
-                  <a:schemeClr val="bg1"/>
-                </a:solidFill>
-              </a:rPr>
-              <a:t>Atualização automática – Toda alteração de estado de um dado no banco de gravação dispara um processo síncrono para atualização no banco de leitura.</a:t>
-            </a:r>
-          </a:p>
-          <a:p>
-            <a:r>
-              <a:rPr lang="pt-BR" sz="1600" dirty="0">
-                <a:solidFill>
-                  <a:schemeClr val="bg1"/>
-                </a:solidFill>
-              </a:rPr>
-              <a:t>Atualização eventual – Toda alteração de estado de um dado no banco de gravação dispara um processo assíncrono para atualização no banco de leitura oferecendo uma consistência eventual dos dados.</a:t>
-            </a:r>
-          </a:p>
-          <a:p>
-            <a:r>
-              <a:rPr lang="pt-BR" sz="1600" dirty="0">
-                <a:solidFill>
-                  <a:schemeClr val="bg1"/>
-                </a:solidFill>
-              </a:rPr>
-              <a:t>Atualização controlada – Um processo periódico e agendado é disparado para sincronizar as bases.</a:t>
-            </a:r>
-          </a:p>
-          <a:p>
-            <a:r>
-              <a:rPr lang="pt-BR" sz="1600" dirty="0">
-                <a:solidFill>
-                  <a:schemeClr val="bg1"/>
-                </a:solidFill>
-              </a:rPr>
-              <a:t>Atualização sob demanda – Cada consulta verifica a consistência da base de leitura em comparação com a de gravação e força uma atualização caso esteja desatualizada.</a:t>
-            </a:r>
-          </a:p>
-        </p:txBody>
-      </p:sp>
+      </p:pic>
     </p:spTree>
     <p:extLst>
       <p:ext uri="{BB962C8B-B14F-4D97-AF65-F5344CB8AC3E}">
-        <p14:creationId xmlns:p14="http://schemas.microsoft.com/office/powerpoint/2010/main" val="1658283194"/>
+        <p14:creationId xmlns:p14="http://schemas.microsoft.com/office/powerpoint/2010/main" val="2066115603"/>
       </p:ext>
     </p:extLst>
   </p:cSld>
@@ -5062,12 +8951,12 @@
           <a:chExt cx="0" cy="0"/>
         </a:xfrm>
       </p:grpSpPr>
-      <p:sp>
-        <p:nvSpPr>
-          <p:cNvPr id="10" name="Rectangle 9">
-            <a:extLst>
-              <a:ext uri="{FF2B5EF4-FFF2-40B4-BE49-F238E27FC236}">
-                <a16:creationId xmlns:a16="http://schemas.microsoft.com/office/drawing/2014/main" id="{5F18414D-1626-4996-AACB-23D3DE45B03B}"/>
+      <p:sp useBgFill="1">
+        <p:nvSpPr>
+          <p:cNvPr id="53" name="Rectangle 52">
+            <a:extLst>
+              <a:ext uri="{FF2B5EF4-FFF2-40B4-BE49-F238E27FC236}">
+                <a16:creationId xmlns:a16="http://schemas.microsoft.com/office/drawing/2014/main" id="{DBF61EA3-B236-439E-9C0B-340980D56BEE}"/>
               </a:ext>
               <a:ext uri="{C183D7F6-B498-43B3-948B-1728B52AA6E4}">
                 <adec:decorative xmlns:adec="http://schemas.microsoft.com/office/drawing/2017/decorative" val="1"/>
@@ -5088,16 +8977,492 @@
         <p:spPr>
           <a:xfrm>
             <a:off x="0" y="0"/>
-            <a:ext cx="12192000" cy="6858000"/>
+            <a:ext cx="12191999" cy="6857365"/>
+          </a:xfrm>
+          <a:prstGeom prst="rect">
+            <a:avLst/>
+          </a:prstGeom>
+          <a:ln>
+            <a:noFill/>
+          </a:ln>
+        </p:spPr>
+        <p:style>
+          <a:lnRef idx="2">
+            <a:schemeClr val="accent1">
+              <a:shade val="50000"/>
+            </a:schemeClr>
+          </a:lnRef>
+          <a:fillRef idx="1">
+            <a:schemeClr val="accent1"/>
+          </a:fillRef>
+          <a:effectRef idx="0">
+            <a:schemeClr val="accent1"/>
+          </a:effectRef>
+          <a:fontRef idx="minor">
+            <a:schemeClr val="lt1"/>
+          </a:fontRef>
+        </p:style>
+        <p:txBody>
+          <a:bodyPr rtlCol="0" anchor="ctr"/>
+          <a:lstStyle/>
+          <a:p>
+            <a:pPr algn="ctr"/>
+            <a:endParaRPr lang="en-US"/>
+          </a:p>
+        </p:txBody>
+      </p:sp>
+      <p:sp>
+        <p:nvSpPr>
+          <p:cNvPr id="2" name="Título 1">
+            <a:extLst>
+              <a:ext uri="{FF2B5EF4-FFF2-40B4-BE49-F238E27FC236}">
+                <a16:creationId xmlns:a16="http://schemas.microsoft.com/office/drawing/2014/main" id="{FBA98328-2EDA-680E-7A28-9398393A43B2}"/>
+              </a:ext>
+            </a:extLst>
+          </p:cNvPr>
+          <p:cNvSpPr>
+            <a:spLocks noGrp="1"/>
+          </p:cNvSpPr>
+          <p:nvPr>
+            <p:ph type="title"/>
+          </p:nvPr>
+        </p:nvSpPr>
+        <p:spPr>
+          <a:xfrm>
+            <a:off x="808638" y="386930"/>
+            <a:ext cx="9236700" cy="1188950"/>
+          </a:xfrm>
+        </p:spPr>
+        <p:txBody>
+          <a:bodyPr anchor="b">
+            <a:normAutofit/>
+          </a:bodyPr>
+          <a:lstStyle/>
+          <a:p>
+            <a:r>
+              <a:rPr lang="pt-BR" sz="5400"/>
+              <a:t>Sincronização</a:t>
+            </a:r>
+          </a:p>
+        </p:txBody>
+      </p:sp>
+      <p:grpSp>
+        <p:nvGrpSpPr>
+          <p:cNvPr id="55" name="Group 54">
+            <a:extLst>
+              <a:ext uri="{FF2B5EF4-FFF2-40B4-BE49-F238E27FC236}">
+                <a16:creationId xmlns:a16="http://schemas.microsoft.com/office/drawing/2014/main" id="{28FAF094-D087-493F-8DF9-A486C2D6BBAA}"/>
+              </a:ext>
+              <a:ext uri="{C183D7F6-B498-43B3-948B-1728B52AA6E4}">
+                <adec:decorative xmlns:adec="http://schemas.microsoft.com/office/drawing/2017/decorative" val="1"/>
+              </a:ext>
+            </a:extLst>
+          </p:cNvPr>
+          <p:cNvGrpSpPr>
+            <a:grpSpLocks noGrp="1" noUngrp="1" noRot="1" noChangeAspect="1" noMove="1" noResize="1"/>
+          </p:cNvGrpSpPr>
+          <p:nvPr>
+            <p:extLst>
+              <p:ext uri="{386F3935-93C4-4BCD-93E2-E3B085C9AB24}">
+                <p16:designElem xmlns:p16="http://schemas.microsoft.com/office/powerpoint/2015/main" val="1"/>
+              </p:ext>
+            </p:extLst>
+          </p:nvPr>
+        </p:nvGrpSpPr>
+        <p:grpSpPr>
+          <a:xfrm>
+            <a:off x="-2" y="1998368"/>
+            <a:ext cx="11695083" cy="782176"/>
+            <a:chOff x="-2" y="1998368"/>
+            <a:chExt cx="11695083" cy="782176"/>
+          </a:xfrm>
+        </p:grpSpPr>
+        <p:sp>
+          <p:nvSpPr>
+            <p:cNvPr id="56" name="Rectangle 55">
+              <a:extLst>
+                <a:ext uri="{FF2B5EF4-FFF2-40B4-BE49-F238E27FC236}">
+                  <a16:creationId xmlns:a16="http://schemas.microsoft.com/office/drawing/2014/main" id="{8D7C88D8-5509-4514-925A-9CE148E5CBD6}"/>
+                </a:ext>
+                <a:ext uri="{C183D7F6-B498-43B3-948B-1728B52AA6E4}">
+                  <adec:decorative xmlns:adec="http://schemas.microsoft.com/office/drawing/2017/decorative" val="1"/>
+                </a:ext>
+              </a:extLst>
+            </p:cNvPr>
+            <p:cNvSpPr/>
+            <p:nvPr>
+              <p:extLst>
+                <p:ext uri="{386F3935-93C4-4BCD-93E2-E3B085C9AB24}">
+                  <p16:designElem xmlns:p16="http://schemas.microsoft.com/office/powerpoint/2015/main" val="1"/>
+                </p:ext>
+              </p:extLst>
+            </p:nvPr>
+          </p:nvSpPr>
+          <p:spPr>
+            <a:xfrm rot="5400000">
+              <a:off x="11228040" y="2313027"/>
+              <a:ext cx="781700" cy="152382"/>
+            </a:xfrm>
+            <a:prstGeom prst="rect">
+              <a:avLst/>
+            </a:prstGeom>
+            <a:solidFill>
+              <a:schemeClr val="accent4"/>
+            </a:solidFill>
+            <a:ln>
+              <a:noFill/>
+            </a:ln>
+          </p:spPr>
+          <p:style>
+            <a:lnRef idx="2">
+              <a:schemeClr val="accent1">
+                <a:shade val="50000"/>
+              </a:schemeClr>
+            </a:lnRef>
+            <a:fillRef idx="1">
+              <a:schemeClr val="accent1"/>
+            </a:fillRef>
+            <a:effectRef idx="0">
+              <a:schemeClr val="accent1"/>
+            </a:effectRef>
+            <a:fontRef idx="minor">
+              <a:schemeClr val="lt1"/>
+            </a:fontRef>
+          </p:style>
+          <p:txBody>
+            <a:bodyPr rtlCol="0" anchor="ctr"/>
+            <a:lstStyle/>
+            <a:p>
+              <a:pPr algn="ctr"/>
+              <a:endParaRPr lang="en-US"/>
+            </a:p>
+          </p:txBody>
+        </p:sp>
+        <p:sp>
+          <p:nvSpPr>
+            <p:cNvPr id="57" name="Rectangle 56">
+              <a:extLst>
+                <a:ext uri="{FF2B5EF4-FFF2-40B4-BE49-F238E27FC236}">
+                  <a16:creationId xmlns:a16="http://schemas.microsoft.com/office/drawing/2014/main" id="{7275593D-F75E-4426-AE3E-2CDEFD228D25}"/>
+                </a:ext>
+                <a:ext uri="{C183D7F6-B498-43B3-948B-1728B52AA6E4}">
+                  <adec:decorative xmlns:adec="http://schemas.microsoft.com/office/drawing/2017/decorative" val="1"/>
+                </a:ext>
+              </a:extLst>
+            </p:cNvPr>
+            <p:cNvSpPr/>
+            <p:nvPr>
+              <p:extLst>
+                <p:ext uri="{386F3935-93C4-4BCD-93E2-E3B085C9AB24}">
+                  <p16:designElem xmlns:p16="http://schemas.microsoft.com/office/powerpoint/2015/main" val="1"/>
+                </p:ext>
+              </p:extLst>
+            </p:nvPr>
+          </p:nvSpPr>
+          <p:spPr>
+            <a:xfrm flipH="1" flipV="1">
+              <a:off x="-2" y="1998845"/>
+              <a:ext cx="11454595" cy="781699"/>
+            </a:xfrm>
+            <a:prstGeom prst="rect">
+              <a:avLst/>
+            </a:prstGeom>
+            <a:solidFill>
+              <a:schemeClr val="accent4"/>
+            </a:solidFill>
+            <a:ln>
+              <a:noFill/>
+            </a:ln>
+          </p:spPr>
+          <p:style>
+            <a:lnRef idx="2">
+              <a:schemeClr val="accent1">
+                <a:shade val="50000"/>
+              </a:schemeClr>
+            </a:lnRef>
+            <a:fillRef idx="1">
+              <a:schemeClr val="accent1"/>
+            </a:fillRef>
+            <a:effectRef idx="0">
+              <a:schemeClr val="accent1"/>
+            </a:effectRef>
+            <a:fontRef idx="minor">
+              <a:schemeClr val="lt1"/>
+            </a:fontRef>
+          </p:style>
+          <p:txBody>
+            <a:bodyPr rtlCol="0" anchor="ctr"/>
+            <a:lstStyle/>
+            <a:p>
+              <a:pPr algn="ctr"/>
+              <a:endParaRPr lang="en-US"/>
+            </a:p>
+          </p:txBody>
+        </p:sp>
+      </p:grpSp>
+      <p:sp>
+        <p:nvSpPr>
+          <p:cNvPr id="59" name="Rectangle 58">
+            <a:extLst>
+              <a:ext uri="{FF2B5EF4-FFF2-40B4-BE49-F238E27FC236}">
+                <a16:creationId xmlns:a16="http://schemas.microsoft.com/office/drawing/2014/main" id="{E659831F-0D9A-4C63-9EBB-8435B85A440F}"/>
+              </a:ext>
+              <a:ext uri="{C183D7F6-B498-43B3-948B-1728B52AA6E4}">
+                <adec:decorative xmlns:adec="http://schemas.microsoft.com/office/drawing/2017/decorative" val="1"/>
+              </a:ext>
+            </a:extLst>
+          </p:cNvPr>
+          <p:cNvSpPr>
+            <a:spLocks noGrp="1" noRot="1" noChangeAspect="1" noMove="1" noResize="1" noEditPoints="1" noAdjustHandles="1" noChangeArrowheads="1" noChangeShapeType="1" noTextEdit="1"/>
+          </p:cNvSpPr>
+          <p:nvPr>
+            <p:extLst>
+              <p:ext uri="{386F3935-93C4-4BCD-93E2-E3B085C9AB24}">
+                <p16:designElem xmlns:p16="http://schemas.microsoft.com/office/powerpoint/2015/main" val="1"/>
+              </p:ext>
+            </p:extLst>
+          </p:nvPr>
+        </p:nvSpPr>
+        <p:spPr>
+          <a:xfrm>
+            <a:off x="0" y="2203079"/>
+            <a:ext cx="11383362" cy="4147845"/>
           </a:xfrm>
           <a:prstGeom prst="rect">
             <a:avLst/>
           </a:prstGeom>
           <a:solidFill>
-            <a:schemeClr val="tx1">
-              <a:lumMod val="95000"/>
-              <a:lumOff val="5000"/>
+            <a:schemeClr val="bg1"/>
+          </a:solidFill>
+          <a:ln>
+            <a:noFill/>
+          </a:ln>
+          <a:effectLst>
+            <a:outerShdw blurRad="139700" dist="127000" dir="5400000" algn="t" rotWithShape="0">
+              <a:prstClr val="black">
+                <a:alpha val="15000"/>
+              </a:prstClr>
+            </a:outerShdw>
+          </a:effectLst>
+        </p:spPr>
+        <p:style>
+          <a:lnRef idx="2">
+            <a:schemeClr val="accent1">
+              <a:shade val="50000"/>
             </a:schemeClr>
+          </a:lnRef>
+          <a:fillRef idx="1">
+            <a:schemeClr val="accent1"/>
+          </a:fillRef>
+          <a:effectRef idx="0">
+            <a:schemeClr val="accent1"/>
+          </a:effectRef>
+          <a:fontRef idx="minor">
+            <a:schemeClr val="lt1"/>
+          </a:fontRef>
+        </p:style>
+        <p:txBody>
+          <a:bodyPr rtlCol="0" anchor="ctr"/>
+          <a:lstStyle/>
+          <a:p>
+            <a:pPr algn="ctr"/>
+            <a:endParaRPr lang="en-US"/>
+          </a:p>
+        </p:txBody>
+      </p:sp>
+      <p:sp>
+        <p:nvSpPr>
+          <p:cNvPr id="48" name="Espaço Reservado para Conteúdo 2">
+            <a:extLst>
+              <a:ext uri="{FF2B5EF4-FFF2-40B4-BE49-F238E27FC236}">
+                <a16:creationId xmlns:a16="http://schemas.microsoft.com/office/drawing/2014/main" id="{14973963-7409-9416-9CEF-DA09A42768CE}"/>
+              </a:ext>
+            </a:extLst>
+          </p:cNvPr>
+          <p:cNvSpPr>
+            <a:spLocks noGrp="1"/>
+          </p:cNvSpPr>
+          <p:nvPr>
+            <p:ph idx="1"/>
+          </p:nvPr>
+        </p:nvSpPr>
+        <p:spPr>
+          <a:xfrm>
+            <a:off x="793660" y="2599509"/>
+            <a:ext cx="10143668" cy="3435531"/>
+          </a:xfrm>
+        </p:spPr>
+        <p:txBody>
+          <a:bodyPr anchor="ctr">
+            <a:normAutofit/>
+          </a:bodyPr>
+          <a:lstStyle/>
+          <a:p>
+            <a:r>
+              <a:rPr lang="pt-BR" sz="1700"/>
+              <a:t>Existem algumas estratégias para manter as bases de leitura e gravação sincronizadas é necessário escolher a que melhor atende ao seu cenário:</a:t>
+            </a:r>
+          </a:p>
+          <a:p>
+            <a:endParaRPr lang="pt-BR" sz="1700"/>
+          </a:p>
+          <a:p>
+            <a:r>
+              <a:rPr lang="pt-BR" sz="1700"/>
+              <a:t>Atualização automática – Toda alteração de estado de um dado no banco de gravação dispara um processo síncrono para atualização no banco de leitura.</a:t>
+            </a:r>
+          </a:p>
+          <a:p>
+            <a:r>
+              <a:rPr lang="pt-BR" sz="1700"/>
+              <a:t>Atualização eventual – Toda alteração de estado de um dado no banco de gravação dispara um processo assíncrono para atualização no banco de leitura oferecendo uma consistência eventual dos dados.</a:t>
+            </a:r>
+          </a:p>
+          <a:p>
+            <a:r>
+              <a:rPr lang="pt-BR" sz="1700"/>
+              <a:t>Atualização controlada – Um processo periódico e agendado é disparado para sincronizar as bases.</a:t>
+            </a:r>
+          </a:p>
+          <a:p>
+            <a:r>
+              <a:rPr lang="pt-BR" sz="1700"/>
+              <a:t>Atualização sob demanda – Cada consulta verifica a consistência da base de leitura em comparação com a de gravação e força uma atualização caso esteja desatualizada.</a:t>
+            </a:r>
+          </a:p>
+        </p:txBody>
+      </p:sp>
+    </p:spTree>
+    <p:extLst>
+      <p:ext uri="{BB962C8B-B14F-4D97-AF65-F5344CB8AC3E}">
+        <p14:creationId xmlns:p14="http://schemas.microsoft.com/office/powerpoint/2010/main" val="1658283194"/>
+      </p:ext>
+    </p:extLst>
+  </p:cSld>
+  <p:clrMapOvr>
+    <a:masterClrMapping/>
+  </p:clrMapOvr>
+</p:sld>
+</file>
+
+<file path=ppt/slides/slide7.xml><?xml version="1.0" encoding="utf-8"?>
+<p:sld xmlns:a="http://schemas.openxmlformats.org/drawingml/2006/main" xmlns:r="http://schemas.openxmlformats.org/officeDocument/2006/relationships" xmlns:p="http://schemas.openxmlformats.org/presentationml/2006/main">
+  <p:cSld>
+    <p:bg>
+      <p:bgPr>
+        <a:solidFill>
+          <a:schemeClr val="bg1"/>
+        </a:solidFill>
+        <a:effectLst/>
+      </p:bgPr>
+    </p:bg>
+    <p:spTree>
+      <p:nvGrpSpPr>
+        <p:cNvPr id="1" name=""/>
+        <p:cNvGrpSpPr/>
+        <p:nvPr/>
+      </p:nvGrpSpPr>
+      <p:grpSpPr>
+        <a:xfrm>
+          <a:off x="0" y="0"/>
+          <a:ext cx="0" cy="0"/>
+          <a:chOff x="0" y="0"/>
+          <a:chExt cx="0" cy="0"/>
+        </a:xfrm>
+      </p:grpSpPr>
+      <p:sp useBgFill="1">
+        <p:nvSpPr>
+          <p:cNvPr id="19" name="Rectangle 18">
+            <a:extLst>
+              <a:ext uri="{FF2B5EF4-FFF2-40B4-BE49-F238E27FC236}">
+                <a16:creationId xmlns:a16="http://schemas.microsoft.com/office/drawing/2014/main" id="{4522B21E-B2B9-4C72-9A71-C87EFD137480}"/>
+              </a:ext>
+              <a:ext uri="{C183D7F6-B498-43B3-948B-1728B52AA6E4}">
+                <adec:decorative xmlns:adec="http://schemas.microsoft.com/office/drawing/2017/decorative" val="1"/>
+              </a:ext>
+            </a:extLst>
+          </p:cNvPr>
+          <p:cNvSpPr>
+            <a:spLocks noGrp="1" noRot="1" noChangeAspect="1" noMove="1" noResize="1" noEditPoints="1" noAdjustHandles="1" noChangeArrowheads="1" noChangeShapeType="1" noTextEdit="1"/>
+          </p:cNvSpPr>
+          <p:nvPr>
+            <p:extLst>
+              <p:ext uri="{386F3935-93C4-4BCD-93E2-E3B085C9AB24}">
+                <p16:designElem xmlns:p16="http://schemas.microsoft.com/office/powerpoint/2015/main" val="1"/>
+              </p:ext>
+            </p:extLst>
+          </p:nvPr>
+        </p:nvSpPr>
+        <p:spPr>
+          <a:xfrm>
+            <a:off x="0" y="0"/>
+            <a:ext cx="12191999" cy="6857365"/>
+          </a:xfrm>
+          <a:prstGeom prst="rect">
+            <a:avLst/>
+          </a:prstGeom>
+          <a:ln>
+            <a:noFill/>
+          </a:ln>
+        </p:spPr>
+        <p:style>
+          <a:lnRef idx="2">
+            <a:schemeClr val="accent1">
+              <a:shade val="50000"/>
+            </a:schemeClr>
+          </a:lnRef>
+          <a:fillRef idx="1">
+            <a:schemeClr val="accent1"/>
+          </a:fillRef>
+          <a:effectRef idx="0">
+            <a:schemeClr val="accent1"/>
+          </a:effectRef>
+          <a:fontRef idx="minor">
+            <a:schemeClr val="lt1"/>
+          </a:fontRef>
+        </p:style>
+        <p:txBody>
+          <a:bodyPr rtlCol="0" anchor="ctr"/>
+          <a:lstStyle/>
+          <a:p>
+            <a:pPr algn="ctr"/>
+            <a:endParaRPr lang="en-US"/>
+          </a:p>
+        </p:txBody>
+      </p:sp>
+      <p:sp>
+        <p:nvSpPr>
+          <p:cNvPr id="21" name="Rectangle 20">
+            <a:extLst>
+              <a:ext uri="{FF2B5EF4-FFF2-40B4-BE49-F238E27FC236}">
+                <a16:creationId xmlns:a16="http://schemas.microsoft.com/office/drawing/2014/main" id="{5EB7D2A2-F448-44D4-938C-DC84CBCB3B1E}"/>
+              </a:ext>
+              <a:ext uri="{C183D7F6-B498-43B3-948B-1728B52AA6E4}">
+                <adec:decorative xmlns:adec="http://schemas.microsoft.com/office/drawing/2017/decorative" val="1"/>
+              </a:ext>
+            </a:extLst>
+          </p:cNvPr>
+          <p:cNvSpPr>
+            <a:spLocks noGrp="1" noRot="1" noChangeAspect="1" noMove="1" noResize="1" noEditPoints="1" noAdjustHandles="1" noChangeArrowheads="1" noChangeShapeType="1" noTextEdit="1"/>
+          </p:cNvSpPr>
+          <p:nvPr>
+            <p:extLst>
+              <p:ext uri="{386F3935-93C4-4BCD-93E2-E3B085C9AB24}">
+                <p16:designElem xmlns:p16="http://schemas.microsoft.com/office/powerpoint/2015/main" val="1"/>
+              </p:ext>
+            </p:extLst>
+          </p:nvPr>
+        </p:nvSpPr>
+        <p:spPr>
+          <a:xfrm>
+            <a:off x="0" y="2"/>
+            <a:ext cx="12192000" cy="4412583"/>
+          </a:xfrm>
+          <a:prstGeom prst="rect">
+            <a:avLst/>
+          </a:prstGeom>
+          <a:solidFill>
+            <a:schemeClr val="accent4"/>
           </a:solidFill>
           <a:ln>
             <a:noFill/>
@@ -5124,59 +9489,16 @@
           <a:lstStyle/>
           <a:p>
             <a:pPr algn="ctr"/>
-            <a:endParaRPr lang="en-US" dirty="0">
-              <a:solidFill>
-                <a:schemeClr val="tx1"/>
-              </a:solidFill>
-            </a:endParaRPr>
-          </a:p>
-        </p:txBody>
-      </p:sp>
-      <p:sp>
-        <p:nvSpPr>
-          <p:cNvPr id="4" name="Título 3">
-            <a:extLst>
-              <a:ext uri="{FF2B5EF4-FFF2-40B4-BE49-F238E27FC236}">
-                <a16:creationId xmlns:a16="http://schemas.microsoft.com/office/drawing/2014/main" id="{219843C9-C283-6B18-61D4-28BEBF9D727F}"/>
-              </a:ext>
-            </a:extLst>
-          </p:cNvPr>
-          <p:cNvSpPr>
-            <a:spLocks noGrp="1"/>
-          </p:cNvSpPr>
-          <p:nvPr>
-            <p:ph type="title"/>
-          </p:nvPr>
-        </p:nvSpPr>
-        <p:spPr>
-          <a:xfrm>
-            <a:off x="2428875" y="707132"/>
-            <a:ext cx="4446378" cy="2387600"/>
-          </a:xfrm>
-        </p:spPr>
-        <p:txBody>
-          <a:bodyPr vert="horz" lIns="91440" tIns="45720" rIns="91440" bIns="45720" rtlCol="0" anchor="b">
-            <a:normAutofit/>
-          </a:bodyPr>
-          <a:lstStyle/>
-          <a:p>
-            <a:r>
-              <a:rPr lang="en-US" sz="3500" dirty="0">
-                <a:solidFill>
-                  <a:schemeClr val="bg1"/>
-                </a:solidFill>
-              </a:rPr>
-              <a:t>Show me the code</a:t>
-            </a:r>
-          </a:p>
-        </p:txBody>
-      </p:sp>
-      <p:sp>
-        <p:nvSpPr>
-          <p:cNvPr id="12" name="Rectangle 11">
-            <a:extLst>
-              <a:ext uri="{FF2B5EF4-FFF2-40B4-BE49-F238E27FC236}">
-                <a16:creationId xmlns:a16="http://schemas.microsoft.com/office/drawing/2014/main" id="{D84C2E9E-0B5D-4B5F-9A1F-70EBDCE39034}"/>
+            <a:endParaRPr lang="en-US" dirty="0"/>
+          </a:p>
+        </p:txBody>
+      </p:sp>
+      <p:sp>
+        <p:nvSpPr>
+          <p:cNvPr id="23" name="Rectangle 22">
+            <a:extLst>
+              <a:ext uri="{FF2B5EF4-FFF2-40B4-BE49-F238E27FC236}">
+                <a16:creationId xmlns:a16="http://schemas.microsoft.com/office/drawing/2014/main" id="{871AEA07-1E14-44B4-8E55-64EF049CD66F}"/>
               </a:ext>
               <a:ext uri="{C183D7F6-B498-43B3-948B-1728B52AA6E4}">
                 <adec:decorative xmlns:adec="http://schemas.microsoft.com/office/drawing/2017/decorative" val="1"/>
@@ -5196,18 +9518,25 @@
         </p:nvSpPr>
         <p:spPr>
           <a:xfrm>
-            <a:off x="126206" y="115193"/>
-            <a:ext cx="11939588" cy="6627614"/>
+            <a:off x="596464" y="551962"/>
+            <a:ext cx="10999072" cy="4618549"/>
           </a:xfrm>
           <a:prstGeom prst="rect">
             <a:avLst/>
           </a:prstGeom>
-          <a:noFill/>
-          <a:ln w="12700">
-            <a:solidFill>
-              <a:schemeClr val="accent2"/>
-            </a:solidFill>
+          <a:solidFill>
+            <a:schemeClr val="bg1"/>
+          </a:solidFill>
+          <a:ln>
+            <a:noFill/>
           </a:ln>
+          <a:effectLst>
+            <a:outerShdw blurRad="139700" dist="127000" dir="5400000" algn="t" rotWithShape="0">
+              <a:prstClr val="black">
+                <a:alpha val="15000"/>
+              </a:prstClr>
+            </a:outerShdw>
+          </a:effectLst>
         </p:spPr>
         <p:style>
           <a:lnRef idx="2">
@@ -5230,16 +9559,59 @@
           <a:lstStyle/>
           <a:p>
             <a:pPr algn="ctr"/>
-            <a:endParaRPr lang="en-US" dirty="0"/>
+            <a:endParaRPr lang="en-US"/>
+          </a:p>
+        </p:txBody>
+      </p:sp>
+      <p:sp>
+        <p:nvSpPr>
+          <p:cNvPr id="4" name="Título 3">
+            <a:extLst>
+              <a:ext uri="{FF2B5EF4-FFF2-40B4-BE49-F238E27FC236}">
+                <a16:creationId xmlns:a16="http://schemas.microsoft.com/office/drawing/2014/main" id="{219843C9-C283-6B18-61D4-28BEBF9D727F}"/>
+              </a:ext>
+            </a:extLst>
+          </p:cNvPr>
+          <p:cNvSpPr>
+            <a:spLocks noGrp="1"/>
+          </p:cNvSpPr>
+          <p:nvPr>
+            <p:ph type="title"/>
+          </p:nvPr>
+        </p:nvSpPr>
+        <p:spPr>
+          <a:xfrm>
+            <a:off x="1524000" y="1293338"/>
+            <a:ext cx="9144000" cy="3274592"/>
+          </a:xfrm>
+        </p:spPr>
+        <p:txBody>
+          <a:bodyPr vert="horz" lIns="91440" tIns="45720" rIns="91440" bIns="45720" rtlCol="0" anchor="ctr">
+            <a:normAutofit/>
+          </a:bodyPr>
+          <a:lstStyle/>
+          <a:p>
+            <a:pPr algn="ctr"/>
+            <a:r>
+              <a:rPr lang="en-US" sz="7200" kern="1200">
+                <a:solidFill>
+                  <a:schemeClr val="tx1"/>
+                </a:solidFill>
+                <a:latin typeface="+mj-lt"/>
+                <a:ea typeface="+mj-ea"/>
+                <a:cs typeface="+mj-cs"/>
+              </a:rPr>
+              <a:t>Show me the code</a:t>
+            </a:r>
           </a:p>
         </p:txBody>
       </p:sp>
       <p:cxnSp>
         <p:nvCxnSpPr>
-          <p:cNvPr id="14" name="Straight Connector 13">
-            <a:extLst>
-              <a:ext uri="{FF2B5EF4-FFF2-40B4-BE49-F238E27FC236}">
-                <a16:creationId xmlns:a16="http://schemas.microsoft.com/office/drawing/2014/main" id="{07A9243D-8FC3-4B36-874B-55906B03F484}"/>
+          <p:cNvPr id="25" name="Straight Connector 24">
+            <a:extLst>
+              <a:ext uri="{FF2B5EF4-FFF2-40B4-BE49-F238E27FC236}">
+                <a16:creationId xmlns:a16="http://schemas.microsoft.com/office/drawing/2014/main" id="{F7C8EA93-3210-4C62-99E9-153C275E3A87}"/>
               </a:ext>
               <a:ext uri="{C183D7F6-B498-43B3-948B-1728B52AA6E4}">
                 <adec:decorative xmlns:adec="http://schemas.microsoft.com/office/drawing/2017/decorative" val="1"/>
@@ -5259,15 +9631,15 @@
         </p:nvCxnSpPr>
         <p:spPr>
           <a:xfrm flipH="1">
-            <a:off x="2428875" y="3209925"/>
-            <a:ext cx="9763125" cy="0"/>
+            <a:off x="596464" y="6354708"/>
+            <a:ext cx="11000232" cy="0"/>
           </a:xfrm>
           <a:prstGeom prst="line">
             <a:avLst/>
           </a:prstGeom>
-          <a:ln w="12700">
+          <a:ln w="101600">
             <a:solidFill>
-              <a:schemeClr val="accent2"/>
+              <a:schemeClr val="accent4"/>
             </a:solidFill>
           </a:ln>
         </p:spPr>
@@ -5391,7 +9763,7 @@
 </p:sld>
 </file>
 
-<file path=ppt/slides/slide7.xml><?xml version="1.0" encoding="utf-8"?>
+<file path=ppt/slides/slide8.xml><?xml version="1.0" encoding="utf-8"?>
 <p:sld xmlns:a="http://schemas.openxmlformats.org/drawingml/2006/main" xmlns:r="http://schemas.openxmlformats.org/officeDocument/2006/relationships" xmlns:p="http://schemas.openxmlformats.org/presentationml/2006/main">
   <p:cSld>
     <p:bg>
@@ -5416,12 +9788,12 @@
           <a:chExt cx="0" cy="0"/>
         </a:xfrm>
       </p:grpSpPr>
-      <p:sp>
-        <p:nvSpPr>
-          <p:cNvPr id="10" name="Rectangle 9">
-            <a:extLst>
-              <a:ext uri="{FF2B5EF4-FFF2-40B4-BE49-F238E27FC236}">
-                <a16:creationId xmlns:a16="http://schemas.microsoft.com/office/drawing/2014/main" id="{FB5B0058-AF13-4859-B429-4EDDE2A26F7F}"/>
+      <p:sp useBgFill="1">
+        <p:nvSpPr>
+          <p:cNvPr id="19" name="Rectangle 18">
+            <a:extLst>
+              <a:ext uri="{FF2B5EF4-FFF2-40B4-BE49-F238E27FC236}">
+                <a16:creationId xmlns:a16="http://schemas.microsoft.com/office/drawing/2014/main" id="{A7895A40-19A4-42D6-9D30-DBC1E8002635}"/>
               </a:ext>
               <a:ext uri="{C183D7F6-B498-43B3-948B-1728B52AA6E4}">
                 <adec:decorative xmlns:adec="http://schemas.microsoft.com/office/drawing/2017/decorative" val="1"/>
@@ -5442,16 +9814,73 @@
         <p:spPr>
           <a:xfrm>
             <a:off x="0" y="0"/>
-            <a:ext cx="12192000" cy="6858000"/>
+            <a:ext cx="12191999" cy="6857365"/>
+          </a:xfrm>
+          <a:prstGeom prst="rect">
+            <a:avLst/>
+          </a:prstGeom>
+          <a:ln>
+            <a:noFill/>
+          </a:ln>
+        </p:spPr>
+        <p:style>
+          <a:lnRef idx="2">
+            <a:schemeClr val="accent1">
+              <a:shade val="50000"/>
+            </a:schemeClr>
+          </a:lnRef>
+          <a:fillRef idx="1">
+            <a:schemeClr val="accent1"/>
+          </a:fillRef>
+          <a:effectRef idx="0">
+            <a:schemeClr val="accent1"/>
+          </a:effectRef>
+          <a:fontRef idx="minor">
+            <a:schemeClr val="lt1"/>
+          </a:fontRef>
+        </p:style>
+        <p:txBody>
+          <a:bodyPr rtlCol="0" anchor="ctr"/>
+          <a:lstStyle/>
+          <a:p>
+            <a:pPr algn="ctr"/>
+            <a:endParaRPr lang="en-US"/>
+          </a:p>
+        </p:txBody>
+      </p:sp>
+      <p:sp>
+        <p:nvSpPr>
+          <p:cNvPr id="21" name="Rectangle 20">
+            <a:extLst>
+              <a:ext uri="{FF2B5EF4-FFF2-40B4-BE49-F238E27FC236}">
+                <a16:creationId xmlns:a16="http://schemas.microsoft.com/office/drawing/2014/main" id="{02F429C4-ABC9-46FC-818A-B5429CDE4A96}"/>
+              </a:ext>
+              <a:ext uri="{C183D7F6-B498-43B3-948B-1728B52AA6E4}">
+                <adec:decorative xmlns:adec="http://schemas.microsoft.com/office/drawing/2017/decorative" val="1"/>
+              </a:ext>
+            </a:extLst>
+          </p:cNvPr>
+          <p:cNvSpPr>
+            <a:spLocks noGrp="1" noRot="1" noChangeAspect="1" noMove="1" noResize="1" noEditPoints="1" noAdjustHandles="1" noChangeArrowheads="1" noChangeShapeType="1" noTextEdit="1"/>
+          </p:cNvSpPr>
+          <p:nvPr>
+            <p:extLst>
+              <p:ext uri="{386F3935-93C4-4BCD-93E2-E3B085C9AB24}">
+                <p16:designElem xmlns:p16="http://schemas.microsoft.com/office/powerpoint/2015/main" val="1"/>
+              </p:ext>
+            </p:extLst>
+          </p:nvPr>
+        </p:nvSpPr>
+        <p:spPr>
+          <a:xfrm rot="5400000">
+            <a:off x="-1270325" y="3369273"/>
+            <a:ext cx="3200400" cy="152382"/>
           </a:xfrm>
           <a:prstGeom prst="rect">
             <a:avLst/>
           </a:prstGeom>
           <a:solidFill>
-            <a:schemeClr val="tx1">
-              <a:lumMod val="95000"/>
-              <a:lumOff val="5000"/>
-            </a:schemeClr>
+            <a:schemeClr val="accent4"/>
           </a:solidFill>
           <a:ln>
             <a:noFill/>
@@ -5478,48 +9907,175 @@
           <a:lstStyle/>
           <a:p>
             <a:pPr algn="ctr"/>
-            <a:endParaRPr lang="en-US" dirty="0">
-              <a:solidFill>
-                <a:schemeClr val="bg1">
-                  <a:lumMod val="50000"/>
-                </a:schemeClr>
-              </a:solidFill>
-            </a:endParaRPr>
-          </a:p>
-        </p:txBody>
-      </p:sp>
-      <p:sp>
-        <p:nvSpPr>
-          <p:cNvPr id="4" name="Título 3">
-            <a:extLst>
-              <a:ext uri="{FF2B5EF4-FFF2-40B4-BE49-F238E27FC236}">
-                <a16:creationId xmlns:a16="http://schemas.microsoft.com/office/drawing/2014/main" id="{C0234D1A-DC83-5900-0144-AD5ECEB72C4A}"/>
-              </a:ext>
-            </a:extLst>
-          </p:cNvPr>
-          <p:cNvSpPr>
-            <a:spLocks noGrp="1"/>
-          </p:cNvSpPr>
-          <p:nvPr>
-            <p:ph type="title"/>
+            <a:endParaRPr lang="en-US"/>
+          </a:p>
+        </p:txBody>
+      </p:sp>
+      <p:sp>
+        <p:nvSpPr>
+          <p:cNvPr id="23" name="Rectangle 22">
+            <a:extLst>
+              <a:ext uri="{FF2B5EF4-FFF2-40B4-BE49-F238E27FC236}">
+                <a16:creationId xmlns:a16="http://schemas.microsoft.com/office/drawing/2014/main" id="{2CEF98E4-3709-4952-8F42-2305CCE34FA3}"/>
+              </a:ext>
+              <a:ext uri="{C183D7F6-B498-43B3-948B-1728B52AA6E4}">
+                <adec:decorative xmlns:adec="http://schemas.microsoft.com/office/drawing/2017/decorative" val="1"/>
+              </a:ext>
+            </a:extLst>
+          </p:cNvPr>
+          <p:cNvSpPr>
+            <a:spLocks noGrp="1" noRot="1" noChangeAspect="1" noMove="1" noResize="1" noEditPoints="1" noAdjustHandles="1" noChangeArrowheads="1" noChangeShapeType="1" noTextEdit="1"/>
+          </p:cNvSpPr>
+          <p:nvPr>
+            <p:extLst>
+              <p:ext uri="{386F3935-93C4-4BCD-93E2-E3B085C9AB24}">
+                <p16:designElem xmlns:p16="http://schemas.microsoft.com/office/powerpoint/2015/main" val="1"/>
+              </p:ext>
+            </p:extLst>
+          </p:nvPr>
+        </p:nvSpPr>
+        <p:spPr>
+          <a:xfrm rot="16200000">
+            <a:off x="6374475" y="1040470"/>
+            <a:ext cx="6858003" cy="4777047"/>
+          </a:xfrm>
+          <a:prstGeom prst="rect">
+            <a:avLst/>
+          </a:prstGeom>
+          <a:solidFill>
+            <a:schemeClr val="accent4"/>
+          </a:solidFill>
+          <a:ln>
+            <a:noFill/>
+          </a:ln>
+        </p:spPr>
+        <p:style>
+          <a:lnRef idx="2">
+            <a:schemeClr val="accent1">
+              <a:shade val="50000"/>
+            </a:schemeClr>
+          </a:lnRef>
+          <a:fillRef idx="1">
+            <a:schemeClr val="accent1"/>
+          </a:fillRef>
+          <a:effectRef idx="0">
+            <a:schemeClr val="accent1"/>
+          </a:effectRef>
+          <a:fontRef idx="minor">
+            <a:schemeClr val="lt1"/>
+          </a:fontRef>
+        </p:style>
+        <p:txBody>
+          <a:bodyPr rtlCol="0" anchor="ctr"/>
+          <a:lstStyle/>
+          <a:p>
+            <a:pPr algn="ctr"/>
+            <a:endParaRPr lang="en-US" dirty="0"/>
+          </a:p>
+        </p:txBody>
+      </p:sp>
+      <p:sp>
+        <p:nvSpPr>
+          <p:cNvPr id="25" name="Rectangle 24">
+            <a:extLst>
+              <a:ext uri="{FF2B5EF4-FFF2-40B4-BE49-F238E27FC236}">
+                <a16:creationId xmlns:a16="http://schemas.microsoft.com/office/drawing/2014/main" id="{F10BCCF5-D685-47FF-B675-647EAEB72C8E}"/>
+              </a:ext>
+              <a:ext uri="{C183D7F6-B498-43B3-948B-1728B52AA6E4}">
+                <adec:decorative xmlns:adec="http://schemas.microsoft.com/office/drawing/2017/decorative" val="1"/>
+              </a:ext>
+            </a:extLst>
+          </p:cNvPr>
+          <p:cNvSpPr>
+            <a:spLocks noGrp="1" noRot="1" noChangeAspect="1" noMove="1" noResize="1" noEditPoints="1" noAdjustHandles="1" noChangeArrowheads="1" noChangeShapeType="1" noTextEdit="1"/>
+          </p:cNvSpPr>
+          <p:nvPr>
+            <p:extLst>
+              <p:ext uri="{386F3935-93C4-4BCD-93E2-E3B085C9AB24}">
+                <p16:designElem xmlns:p16="http://schemas.microsoft.com/office/powerpoint/2015/main" val="1"/>
+              </p:ext>
+            </p:extLst>
           </p:nvPr>
         </p:nvSpPr>
         <p:spPr>
           <a:xfrm>
-            <a:off x="1457866" y="196011"/>
-            <a:ext cx="8071706" cy="2387600"/>
+            <a:off x="387914" y="857786"/>
+            <a:ext cx="11067024" cy="5208932"/>
+          </a:xfrm>
+          <a:prstGeom prst="rect">
+            <a:avLst/>
+          </a:prstGeom>
+          <a:solidFill>
+            <a:schemeClr val="bg1"/>
+          </a:solidFill>
+          <a:ln>
+            <a:noFill/>
+          </a:ln>
+          <a:effectLst>
+            <a:outerShdw blurRad="139700" dist="127000" dir="5400000" algn="t" rotWithShape="0">
+              <a:prstClr val="black">
+                <a:alpha val="15000"/>
+              </a:prstClr>
+            </a:outerShdw>
+          </a:effectLst>
+        </p:spPr>
+        <p:style>
+          <a:lnRef idx="2">
+            <a:schemeClr val="accent1">
+              <a:shade val="50000"/>
+            </a:schemeClr>
+          </a:lnRef>
+          <a:fillRef idx="1">
+            <a:schemeClr val="accent1"/>
+          </a:fillRef>
+          <a:effectRef idx="0">
+            <a:schemeClr val="accent1"/>
+          </a:effectRef>
+          <a:fontRef idx="minor">
+            <a:schemeClr val="lt1"/>
+          </a:fontRef>
+        </p:style>
+        <p:txBody>
+          <a:bodyPr rtlCol="0" anchor="ctr"/>
+          <a:lstStyle/>
+          <a:p>
+            <a:pPr algn="ctr"/>
+            <a:endParaRPr lang="en-US"/>
+          </a:p>
+        </p:txBody>
+      </p:sp>
+      <p:sp>
+        <p:nvSpPr>
+          <p:cNvPr id="4" name="Título 3">
+            <a:extLst>
+              <a:ext uri="{FF2B5EF4-FFF2-40B4-BE49-F238E27FC236}">
+                <a16:creationId xmlns:a16="http://schemas.microsoft.com/office/drawing/2014/main" id="{C0234D1A-DC83-5900-0144-AD5ECEB72C4A}"/>
+              </a:ext>
+            </a:extLst>
+          </p:cNvPr>
+          <p:cNvSpPr>
+            <a:spLocks noGrp="1"/>
+          </p:cNvSpPr>
+          <p:nvPr>
+            <p:ph type="title"/>
+          </p:nvPr>
+        </p:nvSpPr>
+        <p:spPr>
+          <a:xfrm>
+            <a:off x="987689" y="3071183"/>
+            <a:ext cx="9910296" cy="2590027"/>
           </a:xfrm>
         </p:spPr>
         <p:txBody>
-          <a:bodyPr vert="horz" lIns="91440" tIns="45720" rIns="91440" bIns="45720" rtlCol="0" anchor="b">
+          <a:bodyPr vert="horz" lIns="91440" tIns="45720" rIns="91440" bIns="45720" rtlCol="0" anchor="t">
             <a:normAutofit/>
           </a:bodyPr>
           <a:lstStyle/>
           <a:p>
             <a:r>
-              <a:rPr lang="en-US" sz="3600" kern="1200" dirty="0">
+              <a:rPr lang="en-US" sz="8000" kern="1200">
                 <a:solidFill>
-                  <a:schemeClr val="bg1"/>
+                  <a:schemeClr val="tx1"/>
                 </a:solidFill>
                 <a:latin typeface="+mj-lt"/>
                 <a:ea typeface="+mj-ea"/>
@@ -5548,12 +10104,12 @@
         </p:nvSpPr>
         <p:spPr>
           <a:xfrm>
-            <a:off x="1457865" y="2618628"/>
-            <a:ext cx="9359657" cy="1655762"/>
+            <a:off x="987688" y="1553518"/>
+            <a:ext cx="9910295" cy="1281733"/>
           </a:xfrm>
         </p:spPr>
         <p:txBody>
-          <a:bodyPr vert="horz" lIns="91440" tIns="45720" rIns="91440" bIns="45720" rtlCol="0">
+          <a:bodyPr vert="horz" lIns="91440" tIns="45720" rIns="91440" bIns="45720" rtlCol="0" anchor="b">
             <a:normAutofit/>
           </a:bodyPr>
           <a:lstStyle/>
@@ -5562,9 +10118,9 @@
               <a:buNone/>
             </a:pPr>
             <a:r>
-              <a:rPr lang="en-US" sz="3600" kern="1200" dirty="0">
+              <a:rPr lang="en-US" sz="2400" kern="1200">
                 <a:solidFill>
-                  <a:schemeClr val="bg1"/>
+                  <a:schemeClr val="tx1"/>
                 </a:solidFill>
                 <a:latin typeface="+mn-lt"/>
                 <a:ea typeface="+mn-ea"/>
@@ -5575,21 +10131,21 @@
           </a:p>
         </p:txBody>
       </p:sp>
-      <p:cxnSp>
-        <p:nvCxnSpPr>
-          <p:cNvPr id="12" name="Straight Connector 11">
-            <a:extLst>
-              <a:ext uri="{FF2B5EF4-FFF2-40B4-BE49-F238E27FC236}">
-                <a16:creationId xmlns:a16="http://schemas.microsoft.com/office/drawing/2014/main" id="{EC4521DE-248E-440D-AAD6-FD9E7D34B3BF}"/>
+      <p:sp>
+        <p:nvSpPr>
+          <p:cNvPr id="27" name="Rectangle 26">
+            <a:extLst>
+              <a:ext uri="{FF2B5EF4-FFF2-40B4-BE49-F238E27FC236}">
+                <a16:creationId xmlns:a16="http://schemas.microsoft.com/office/drawing/2014/main" id="{B0EE8A42-107A-4D4C-8D56-BBAE95C7FC0D}"/>
               </a:ext>
               <a:ext uri="{C183D7F6-B498-43B3-948B-1728B52AA6E4}">
                 <adec:decorative xmlns:adec="http://schemas.microsoft.com/office/drawing/2017/decorative" val="1"/>
               </a:ext>
             </a:extLst>
           </p:cNvPr>
-          <p:cNvCxnSpPr>
-            <a:cxnSpLocks noGrp="1" noRot="1" noChangeAspect="1" noMove="1" noResize="1" noEditPoints="1" noAdjustHandles="1" noChangeArrowheads="1" noChangeShapeType="1"/>
-          </p:cNvCxnSpPr>
+          <p:cNvSpPr>
+            <a:spLocks noGrp="1" noRot="1" noChangeAspect="1" noMove="1" noResize="1" noEditPoints="1" noAdjustHandles="1" noChangeArrowheads="1" noChangeShapeType="1" noTextEdit="1"/>
+          </p:cNvSpPr>
           <p:nvPr>
             <p:extLst>
               <p:ext uri="{386F3935-93C4-4BCD-93E2-E3B085C9AB24}">
@@ -5597,88 +10153,47 @@
               </p:ext>
             </p:extLst>
           </p:nvPr>
-        </p:nvCxnSpPr>
+        </p:nvSpPr>
         <p:spPr>
-          <a:xfrm>
-            <a:off x="585285" y="0"/>
-            <a:ext cx="0" cy="6858000"/>
+          <a:xfrm rot="5400000">
+            <a:off x="-1524009" y="3366125"/>
+            <a:ext cx="3200400" cy="152382"/>
           </a:xfrm>
-          <a:prstGeom prst="line">
+          <a:prstGeom prst="rect">
             <a:avLst/>
           </a:prstGeom>
-          <a:ln w="12700">
-            <a:solidFill>
-              <a:schemeClr val="accent2"/>
-            </a:solidFill>
+          <a:solidFill>
+            <a:schemeClr val="accent4"/>
+          </a:solidFill>
+          <a:ln>
+            <a:noFill/>
           </a:ln>
         </p:spPr>
         <p:style>
-          <a:lnRef idx="1">
-            <a:schemeClr val="accent1"/>
+          <a:lnRef idx="2">
+            <a:schemeClr val="accent1">
+              <a:shade val="50000"/>
+            </a:schemeClr>
           </a:lnRef>
-          <a:fillRef idx="0">
+          <a:fillRef idx="1">
             <a:schemeClr val="accent1"/>
           </a:fillRef>
           <a:effectRef idx="0">
             <a:schemeClr val="accent1"/>
           </a:effectRef>
           <a:fontRef idx="minor">
-            <a:schemeClr val="tx1"/>
+            <a:schemeClr val="lt1"/>
           </a:fontRef>
         </p:style>
-      </p:cxnSp>
-      <p:cxnSp>
-        <p:nvCxnSpPr>
-          <p:cNvPr id="14" name="Straight Connector 13">
-            <a:extLst>
-              <a:ext uri="{FF2B5EF4-FFF2-40B4-BE49-F238E27FC236}">
-                <a16:creationId xmlns:a16="http://schemas.microsoft.com/office/drawing/2014/main" id="{442C13FA-4C0F-42D0-9626-5BA6040D8C31}"/>
-              </a:ext>
-              <a:ext uri="{C183D7F6-B498-43B3-948B-1728B52AA6E4}">
-                <adec:decorative xmlns:adec="http://schemas.microsoft.com/office/drawing/2017/decorative" val="1"/>
-              </a:ext>
-            </a:extLst>
-          </p:cNvPr>
-          <p:cNvCxnSpPr>
-            <a:cxnSpLocks noGrp="1" noRot="1" noChangeAspect="1" noMove="1" noResize="1" noEditPoints="1" noAdjustHandles="1" noChangeArrowheads="1" noChangeShapeType="1"/>
-          </p:cNvCxnSpPr>
-          <p:nvPr>
-            <p:extLst>
-              <p:ext uri="{386F3935-93C4-4BCD-93E2-E3B085C9AB24}">
-                <p16:designElem xmlns:p16="http://schemas.microsoft.com/office/powerpoint/2015/main" val="1"/>
-              </p:ext>
-            </p:extLst>
-          </p:nvPr>
-        </p:nvCxnSpPr>
-        <p:spPr>
-          <a:xfrm flipH="1">
-            <a:off x="0" y="6252485"/>
-            <a:ext cx="12192000" cy="0"/>
-          </a:xfrm>
-          <a:prstGeom prst="line">
-            <a:avLst/>
-          </a:prstGeom>
-          <a:ln w="12700">
-            <a:solidFill>
-              <a:schemeClr val="accent2"/>
-            </a:solidFill>
-          </a:ln>
-        </p:spPr>
-        <p:style>
-          <a:lnRef idx="1">
-            <a:schemeClr val="accent1"/>
-          </a:lnRef>
-          <a:fillRef idx="0">
-            <a:schemeClr val="accent1"/>
-          </a:fillRef>
-          <a:effectRef idx="0">
-            <a:schemeClr val="accent1"/>
-          </a:effectRef>
-          <a:fontRef idx="minor">
-            <a:schemeClr val="tx1"/>
-          </a:fontRef>
-        </p:style>
-      </p:cxnSp>
+        <p:txBody>
+          <a:bodyPr rtlCol="0" anchor="ctr"/>
+          <a:lstStyle/>
+          <a:p>
+            <a:pPr algn="ctr"/>
+            <a:endParaRPr lang="en-US"/>
+          </a:p>
+        </p:txBody>
+      </p:sp>
     </p:spTree>
     <p:extLst>
       <p:ext uri="{BB962C8B-B14F-4D97-AF65-F5344CB8AC3E}">
@@ -6077,4 +10592,299 @@
     </a:ext>
   </a:extLst>
 </a:theme>
+</file>
+
+<file path=ppt/theme/theme2.xml><?xml version="1.0" encoding="utf-8"?>
+<a:theme xmlns:a="http://schemas.openxmlformats.org/drawingml/2006/main" name="Personalizar design">
+  <a:themeElements>
+    <a:clrScheme name="Office">
+      <a:dk1>
+        <a:sysClr val="windowText" lastClr="000000"/>
+      </a:dk1>
+      <a:lt1>
+        <a:sysClr val="window" lastClr="FFFFFF"/>
+      </a:lt1>
+      <a:dk2>
+        <a:srgbClr val="44546A"/>
+      </a:dk2>
+      <a:lt2>
+        <a:srgbClr val="E7E6E6"/>
+      </a:lt2>
+      <a:accent1>
+        <a:srgbClr val="4472C4"/>
+      </a:accent1>
+      <a:accent2>
+        <a:srgbClr val="ED7D31"/>
+      </a:accent2>
+      <a:accent3>
+        <a:srgbClr val="A5A5A5"/>
+      </a:accent3>
+      <a:accent4>
+        <a:srgbClr val="FFC000"/>
+      </a:accent4>
+      <a:accent5>
+        <a:srgbClr val="5B9BD5"/>
+      </a:accent5>
+      <a:accent6>
+        <a:srgbClr val="70AD47"/>
+      </a:accent6>
+      <a:hlink>
+        <a:srgbClr val="0563C1"/>
+      </a:hlink>
+      <a:folHlink>
+        <a:srgbClr val="954F72"/>
+      </a:folHlink>
+    </a:clrScheme>
+    <a:fontScheme name="Office">
+      <a:majorFont>
+        <a:latin typeface="Calibri Light" panose="020F0302020204030204"/>
+        <a:ea typeface=""/>
+        <a:cs typeface=""/>
+        <a:font script="Jpan" typeface="游ゴシック Light"/>
+        <a:font script="Hang" typeface="맑은 고딕"/>
+        <a:font script="Hans" typeface="等线 Light"/>
+        <a:font script="Hant" typeface="新細明體"/>
+        <a:font script="Arab" typeface="Times New Roman"/>
+        <a:font script="Hebr" typeface="Times New Roman"/>
+        <a:font script="Thai" typeface="Angsana New"/>
+        <a:font script="Ethi" typeface="Nyala"/>
+        <a:font script="Beng" typeface="Vrinda"/>
+        <a:font script="Gujr" typeface="Shruti"/>
+        <a:font script="Khmr" typeface="MoolBoran"/>
+        <a:font script="Knda" typeface="Tunga"/>
+        <a:font script="Guru" typeface="Raavi"/>
+        <a:font script="Cans" typeface="Euphemia"/>
+        <a:font script="Cher" typeface="Plantagenet Cherokee"/>
+        <a:font script="Yiii" typeface="Microsoft Yi Baiti"/>
+        <a:font script="Tibt" typeface="Microsoft Himalaya"/>
+        <a:font script="Thaa" typeface="MV Boli"/>
+        <a:font script="Deva" typeface="Mangal"/>
+        <a:font script="Telu" typeface="Gautami"/>
+        <a:font script="Taml" typeface="Latha"/>
+        <a:font script="Syrc" typeface="Estrangelo Edessa"/>
+        <a:font script="Orya" typeface="Kalinga"/>
+        <a:font script="Mlym" typeface="Kartika"/>
+        <a:font script="Laoo" typeface="DokChampa"/>
+        <a:font script="Sinh" typeface="Iskoola Pota"/>
+        <a:font script="Mong" typeface="Mongolian Baiti"/>
+        <a:font script="Viet" typeface="Times New Roman"/>
+        <a:font script="Uigh" typeface="Microsoft Uighur"/>
+        <a:font script="Geor" typeface="Sylfaen"/>
+        <a:font script="Armn" typeface="Arial"/>
+        <a:font script="Bugi" typeface="Leelawadee UI"/>
+        <a:font script="Bopo" typeface="Microsoft JhengHei"/>
+        <a:font script="Java" typeface="Javanese Text"/>
+        <a:font script="Lisu" typeface="Segoe UI"/>
+        <a:font script="Mymr" typeface="Myanmar Text"/>
+        <a:font script="Nkoo" typeface="Ebrima"/>
+        <a:font script="Olck" typeface="Nirmala UI"/>
+        <a:font script="Osma" typeface="Ebrima"/>
+        <a:font script="Phag" typeface="Phagspa"/>
+        <a:font script="Syrn" typeface="Estrangelo Edessa"/>
+        <a:font script="Syrj" typeface="Estrangelo Edessa"/>
+        <a:font script="Syre" typeface="Estrangelo Edessa"/>
+        <a:font script="Sora" typeface="Nirmala UI"/>
+        <a:font script="Tale" typeface="Microsoft Tai Le"/>
+        <a:font script="Talu" typeface="Microsoft New Tai Lue"/>
+        <a:font script="Tfng" typeface="Ebrima"/>
+      </a:majorFont>
+      <a:minorFont>
+        <a:latin typeface="Calibri" panose="020F0502020204030204"/>
+        <a:ea typeface=""/>
+        <a:cs typeface=""/>
+        <a:font script="Jpan" typeface="游ゴシック"/>
+        <a:font script="Hang" typeface="맑은 고딕"/>
+        <a:font script="Hans" typeface="等线"/>
+        <a:font script="Hant" typeface="新細明體"/>
+        <a:font script="Arab" typeface="Arial"/>
+        <a:font script="Hebr" typeface="Arial"/>
+        <a:font script="Thai" typeface="Cordia New"/>
+        <a:font script="Ethi" typeface="Nyala"/>
+        <a:font script="Beng" typeface="Vrinda"/>
+        <a:font script="Gujr" typeface="Shruti"/>
+        <a:font script="Khmr" typeface="DaunPenh"/>
+        <a:font script="Knda" typeface="Tunga"/>
+        <a:font script="Guru" typeface="Raavi"/>
+        <a:font script="Cans" typeface="Euphemia"/>
+        <a:font script="Cher" typeface="Plantagenet Cherokee"/>
+        <a:font script="Yiii" typeface="Microsoft Yi Baiti"/>
+        <a:font script="Tibt" typeface="Microsoft Himalaya"/>
+        <a:font script="Thaa" typeface="MV Boli"/>
+        <a:font script="Deva" typeface="Mangal"/>
+        <a:font script="Telu" typeface="Gautami"/>
+        <a:font script="Taml" typeface="Latha"/>
+        <a:font script="Syrc" typeface="Estrangelo Edessa"/>
+        <a:font script="Orya" typeface="Kalinga"/>
+        <a:font script="Mlym" typeface="Kartika"/>
+        <a:font script="Laoo" typeface="DokChampa"/>
+        <a:font script="Sinh" typeface="Iskoola Pota"/>
+        <a:font script="Mong" typeface="Mongolian Baiti"/>
+        <a:font script="Viet" typeface="Arial"/>
+        <a:font script="Uigh" typeface="Microsoft Uighur"/>
+        <a:font script="Geor" typeface="Sylfaen"/>
+        <a:font script="Armn" typeface="Arial"/>
+        <a:font script="Bugi" typeface="Leelawadee UI"/>
+        <a:font script="Bopo" typeface="Microsoft JhengHei"/>
+        <a:font script="Java" typeface="Javanese Text"/>
+        <a:font script="Lisu" typeface="Segoe UI"/>
+        <a:font script="Mymr" typeface="Myanmar Text"/>
+        <a:font script="Nkoo" typeface="Ebrima"/>
+        <a:font script="Olck" typeface="Nirmala UI"/>
+        <a:font script="Osma" typeface="Ebrima"/>
+        <a:font script="Phag" typeface="Phagspa"/>
+        <a:font script="Syrn" typeface="Estrangelo Edessa"/>
+        <a:font script="Syrj" typeface="Estrangelo Edessa"/>
+        <a:font script="Syre" typeface="Estrangelo Edessa"/>
+        <a:font script="Sora" typeface="Nirmala UI"/>
+        <a:font script="Tale" typeface="Microsoft Tai Le"/>
+        <a:font script="Talu" typeface="Microsoft New Tai Lue"/>
+        <a:font script="Tfng" typeface="Ebrima"/>
+      </a:minorFont>
+    </a:fontScheme>
+    <a:fmtScheme name="Office">
+      <a:fillStyleLst>
+        <a:solidFill>
+          <a:schemeClr val="phClr"/>
+        </a:solidFill>
+        <a:gradFill rotWithShape="1">
+          <a:gsLst>
+            <a:gs pos="0">
+              <a:schemeClr val="phClr">
+                <a:lumMod val="110000"/>
+                <a:satMod val="105000"/>
+                <a:tint val="67000"/>
+              </a:schemeClr>
+            </a:gs>
+            <a:gs pos="50000">
+              <a:schemeClr val="phClr">
+                <a:lumMod val="105000"/>
+                <a:satMod val="103000"/>
+                <a:tint val="73000"/>
+              </a:schemeClr>
+            </a:gs>
+            <a:gs pos="100000">
+              <a:schemeClr val="phClr">
+                <a:lumMod val="105000"/>
+                <a:satMod val="109000"/>
+                <a:tint val="81000"/>
+              </a:schemeClr>
+            </a:gs>
+          </a:gsLst>
+          <a:lin ang="5400000" scaled="0"/>
+        </a:gradFill>
+        <a:gradFill rotWithShape="1">
+          <a:gsLst>
+            <a:gs pos="0">
+              <a:schemeClr val="phClr">
+                <a:satMod val="103000"/>
+                <a:lumMod val="102000"/>
+                <a:tint val="94000"/>
+              </a:schemeClr>
+            </a:gs>
+            <a:gs pos="50000">
+              <a:schemeClr val="phClr">
+                <a:satMod val="110000"/>
+                <a:lumMod val="100000"/>
+                <a:shade val="100000"/>
+              </a:schemeClr>
+            </a:gs>
+            <a:gs pos="100000">
+              <a:schemeClr val="phClr">
+                <a:lumMod val="99000"/>
+                <a:satMod val="120000"/>
+                <a:shade val="78000"/>
+              </a:schemeClr>
+            </a:gs>
+          </a:gsLst>
+          <a:lin ang="5400000" scaled="0"/>
+        </a:gradFill>
+      </a:fillStyleLst>
+      <a:lnStyleLst>
+        <a:ln w="6350" cap="flat" cmpd="sng" algn="ctr">
+          <a:solidFill>
+            <a:schemeClr val="phClr"/>
+          </a:solidFill>
+          <a:prstDash val="solid"/>
+          <a:miter lim="800000"/>
+        </a:ln>
+        <a:ln w="12700" cap="flat" cmpd="sng" algn="ctr">
+          <a:solidFill>
+            <a:schemeClr val="phClr"/>
+          </a:solidFill>
+          <a:prstDash val="solid"/>
+          <a:miter lim="800000"/>
+        </a:ln>
+        <a:ln w="19050" cap="flat" cmpd="sng" algn="ctr">
+          <a:solidFill>
+            <a:schemeClr val="phClr"/>
+          </a:solidFill>
+          <a:prstDash val="solid"/>
+          <a:miter lim="800000"/>
+        </a:ln>
+      </a:lnStyleLst>
+      <a:effectStyleLst>
+        <a:effectStyle>
+          <a:effectLst/>
+        </a:effectStyle>
+        <a:effectStyle>
+          <a:effectLst/>
+        </a:effectStyle>
+        <a:effectStyle>
+          <a:effectLst>
+            <a:outerShdw blurRad="57150" dist="19050" dir="5400000" algn="ctr" rotWithShape="0">
+              <a:srgbClr val="000000">
+                <a:alpha val="63000"/>
+              </a:srgbClr>
+            </a:outerShdw>
+          </a:effectLst>
+        </a:effectStyle>
+      </a:effectStyleLst>
+      <a:bgFillStyleLst>
+        <a:solidFill>
+          <a:schemeClr val="phClr"/>
+        </a:solidFill>
+        <a:solidFill>
+          <a:schemeClr val="phClr">
+            <a:tint val="95000"/>
+            <a:satMod val="170000"/>
+          </a:schemeClr>
+        </a:solidFill>
+        <a:gradFill rotWithShape="1">
+          <a:gsLst>
+            <a:gs pos="0">
+              <a:schemeClr val="phClr">
+                <a:tint val="93000"/>
+                <a:satMod val="150000"/>
+                <a:shade val="98000"/>
+                <a:lumMod val="102000"/>
+              </a:schemeClr>
+            </a:gs>
+            <a:gs pos="50000">
+              <a:schemeClr val="phClr">
+                <a:tint val="98000"/>
+                <a:satMod val="130000"/>
+                <a:shade val="90000"/>
+                <a:lumMod val="103000"/>
+              </a:schemeClr>
+            </a:gs>
+            <a:gs pos="100000">
+              <a:schemeClr val="phClr">
+                <a:shade val="63000"/>
+                <a:satMod val="120000"/>
+              </a:schemeClr>
+            </a:gs>
+          </a:gsLst>
+          <a:lin ang="5400000" scaled="0"/>
+        </a:gradFill>
+      </a:bgFillStyleLst>
+    </a:fmtScheme>
+  </a:themeElements>
+  <a:objectDefaults/>
+  <a:extraClrSchemeLst/>
+  <a:extLst>
+    <a:ext uri="{05A4C25C-085E-4340-85A3-A5531E510DB2}">
+      <thm15:themeFamily xmlns:thm15="http://schemas.microsoft.com/office/thememl/2012/main" name="Office Theme" id="{62F939B6-93AF-4DB8-9C6B-D6C7DFDC589F}" vid="{4A3C46E8-61CC-4603-A589-7422A47A8E4A}"/>
+    </a:ext>
+  </a:extLst>
+</a:theme>
 </file>